--- a/Diagrams.pptx
+++ b/Diagrams.pptx
@@ -2,10 +2,11 @@
 <file path=ppt/presentation.xml><?xml version="1.0" encoding="utf-8"?>
 <p:presentation xmlns:a="http://schemas.openxmlformats.org/drawingml/2006/main" xmlns:r="http://schemas.openxmlformats.org/officeDocument/2006/relationships" xmlns:p="http://schemas.openxmlformats.org/presentationml/2006/main" saveSubsetFonts="1">
   <p:sldMasterIdLst>
-    <p:sldMasterId id="2147483648" r:id="rId1"/>
+    <p:sldMasterId id="2147483672" r:id="rId1"/>
   </p:sldMasterIdLst>
   <p:sldIdLst>
-    <p:sldId id="257" r:id="rId2"/>
+    <p:sldId id="258" r:id="rId2"/>
+    <p:sldId id="257" r:id="rId3"/>
   </p:sldIdLst>
   <p:sldSz cx="12192000" cy="6858000"/>
   <p:notesSz cx="6858000" cy="9144000"/>
@@ -13,7 +14,7 @@
     <a:defPPr>
       <a:defRPr lang="en-US"/>
     </a:defPPr>
-    <a:lvl1pPr marL="0" algn="l" defTabSz="914400" rtl="0" eaLnBrk="1" latinLnBrk="0" hangingPunct="1">
+    <a:lvl1pPr marL="0" algn="l" defTabSz="457200" rtl="0" eaLnBrk="1" latinLnBrk="0" hangingPunct="1">
       <a:defRPr sz="1800" kern="1200">
         <a:solidFill>
           <a:schemeClr val="tx1"/>
@@ -23,7 +24,7 @@
         <a:cs typeface="+mn-cs"/>
       </a:defRPr>
     </a:lvl1pPr>
-    <a:lvl2pPr marL="457200" algn="l" defTabSz="914400" rtl="0" eaLnBrk="1" latinLnBrk="0" hangingPunct="1">
+    <a:lvl2pPr marL="457200" algn="l" defTabSz="457200" rtl="0" eaLnBrk="1" latinLnBrk="0" hangingPunct="1">
       <a:defRPr sz="1800" kern="1200">
         <a:solidFill>
           <a:schemeClr val="tx1"/>
@@ -33,7 +34,7 @@
         <a:cs typeface="+mn-cs"/>
       </a:defRPr>
     </a:lvl2pPr>
-    <a:lvl3pPr marL="914400" algn="l" defTabSz="914400" rtl="0" eaLnBrk="1" latinLnBrk="0" hangingPunct="1">
+    <a:lvl3pPr marL="914400" algn="l" defTabSz="457200" rtl="0" eaLnBrk="1" latinLnBrk="0" hangingPunct="1">
       <a:defRPr sz="1800" kern="1200">
         <a:solidFill>
           <a:schemeClr val="tx1"/>
@@ -43,7 +44,7 @@
         <a:cs typeface="+mn-cs"/>
       </a:defRPr>
     </a:lvl3pPr>
-    <a:lvl4pPr marL="1371600" algn="l" defTabSz="914400" rtl="0" eaLnBrk="1" latinLnBrk="0" hangingPunct="1">
+    <a:lvl4pPr marL="1371600" algn="l" defTabSz="457200" rtl="0" eaLnBrk="1" latinLnBrk="0" hangingPunct="1">
       <a:defRPr sz="1800" kern="1200">
         <a:solidFill>
           <a:schemeClr val="tx1"/>
@@ -53,7 +54,7 @@
         <a:cs typeface="+mn-cs"/>
       </a:defRPr>
     </a:lvl4pPr>
-    <a:lvl5pPr marL="1828800" algn="l" defTabSz="914400" rtl="0" eaLnBrk="1" latinLnBrk="0" hangingPunct="1">
+    <a:lvl5pPr marL="1828800" algn="l" defTabSz="457200" rtl="0" eaLnBrk="1" latinLnBrk="0" hangingPunct="1">
       <a:defRPr sz="1800" kern="1200">
         <a:solidFill>
           <a:schemeClr val="tx1"/>
@@ -63,7 +64,7 @@
         <a:cs typeface="+mn-cs"/>
       </a:defRPr>
     </a:lvl5pPr>
-    <a:lvl6pPr marL="2286000" algn="l" defTabSz="914400" rtl="0" eaLnBrk="1" latinLnBrk="0" hangingPunct="1">
+    <a:lvl6pPr marL="2286000" algn="l" defTabSz="457200" rtl="0" eaLnBrk="1" latinLnBrk="0" hangingPunct="1">
       <a:defRPr sz="1800" kern="1200">
         <a:solidFill>
           <a:schemeClr val="tx1"/>
@@ -73,7 +74,7 @@
         <a:cs typeface="+mn-cs"/>
       </a:defRPr>
     </a:lvl6pPr>
-    <a:lvl7pPr marL="2743200" algn="l" defTabSz="914400" rtl="0" eaLnBrk="1" latinLnBrk="0" hangingPunct="1">
+    <a:lvl7pPr marL="2743200" algn="l" defTabSz="457200" rtl="0" eaLnBrk="1" latinLnBrk="0" hangingPunct="1">
       <a:defRPr sz="1800" kern="1200">
         <a:solidFill>
           <a:schemeClr val="tx1"/>
@@ -83,7 +84,7 @@
         <a:cs typeface="+mn-cs"/>
       </a:defRPr>
     </a:lvl7pPr>
-    <a:lvl8pPr marL="3200400" algn="l" defTabSz="914400" rtl="0" eaLnBrk="1" latinLnBrk="0" hangingPunct="1">
+    <a:lvl8pPr marL="3200400" algn="l" defTabSz="457200" rtl="0" eaLnBrk="1" latinLnBrk="0" hangingPunct="1">
       <a:defRPr sz="1800" kern="1200">
         <a:solidFill>
           <a:schemeClr val="tx1"/>
@@ -93,7 +94,7 @@
         <a:cs typeface="+mn-cs"/>
       </a:defRPr>
     </a:lvl8pPr>
-    <a:lvl9pPr marL="3657600" algn="l" defTabSz="914400" rtl="0" eaLnBrk="1" latinLnBrk="0" hangingPunct="1">
+    <a:lvl9pPr marL="3657600" algn="l" defTabSz="457200" rtl="0" eaLnBrk="1" latinLnBrk="0" hangingPunct="1">
       <a:defRPr sz="1800" kern="1200">
         <a:solidFill>
           <a:schemeClr val="tx1"/>
@@ -131,13 +132,7 @@
       </p:grpSpPr>
       <p:sp>
         <p:nvSpPr>
-          <p:cNvPr id="2" name="Title 1">
-            <a:extLst>
-              <a:ext uri="{FF2B5EF4-FFF2-40B4-BE49-F238E27FC236}">
-                <a16:creationId xmlns:a16="http://schemas.microsoft.com/office/drawing/2014/main" id="{1EDD892D-FC2B-4511-AF11-D07D8D248ACA}"/>
-              </a:ext>
-            </a:extLst>
-          </p:cNvPr>
+          <p:cNvPr id="2" name="Title 1"/>
           <p:cNvSpPr>
             <a:spLocks noGrp="1"/>
           </p:cNvSpPr>
@@ -147,15 +142,17 @@
         </p:nvSpPr>
         <p:spPr>
           <a:xfrm>
-            <a:off x="1524000" y="1122363"/>
-            <a:ext cx="9144000" cy="2387600"/>
-          </a:xfrm>
-        </p:spPr>
-        <p:txBody>
-          <a:bodyPr anchor="b"/>
+            <a:off x="1370693" y="1769540"/>
+            <a:ext cx="9440034" cy="1828801"/>
+          </a:xfrm>
+        </p:spPr>
+        <p:txBody>
+          <a:bodyPr anchor="b">
+            <a:normAutofit/>
+          </a:bodyPr>
           <a:lstStyle>
             <a:lvl1pPr algn="ctr">
-              <a:defRPr sz="6000"/>
+              <a:defRPr sz="5400"/>
             </a:lvl1pPr>
           </a:lstStyle>
           <a:p>
@@ -163,18 +160,13 @@
               <a:rPr lang="en-US"/>
               <a:t>Click to edit Master title style</a:t>
             </a:r>
-          </a:p>
-        </p:txBody>
-      </p:sp>
-      <p:sp>
-        <p:nvSpPr>
-          <p:cNvPr id="3" name="Subtitle 2">
-            <a:extLst>
-              <a:ext uri="{FF2B5EF4-FFF2-40B4-BE49-F238E27FC236}">
-                <a16:creationId xmlns:a16="http://schemas.microsoft.com/office/drawing/2014/main" id="{F6AA31FD-D4C7-4FBE-90BF-6D79AE88F04B}"/>
-              </a:ext>
-            </a:extLst>
-          </p:cNvPr>
+            <a:endParaRPr lang="en-US" dirty="0"/>
+          </a:p>
+        </p:txBody>
+      </p:sp>
+      <p:sp>
+        <p:nvSpPr>
+          <p:cNvPr id="3" name="Subtitle 2"/>
           <p:cNvSpPr>
             <a:spLocks noGrp="1"/>
           </p:cNvSpPr>
@@ -184,48 +176,100 @@
         </p:nvSpPr>
         <p:spPr>
           <a:xfrm>
-            <a:off x="1524000" y="3602038"/>
-            <a:ext cx="9144000" cy="1655762"/>
-          </a:xfrm>
-        </p:spPr>
-        <p:txBody>
-          <a:bodyPr/>
+            <a:off x="1370693" y="3598339"/>
+            <a:ext cx="9440034" cy="1049867"/>
+          </a:xfrm>
+        </p:spPr>
+        <p:txBody>
+          <a:bodyPr anchor="t"/>
           <a:lstStyle>
             <a:lvl1pPr marL="0" indent="0" algn="ctr">
               <a:buNone/>
-              <a:defRPr sz="2400"/>
+              <a:defRPr>
+                <a:solidFill>
+                  <a:schemeClr val="tx1"/>
+                </a:solidFill>
+              </a:defRPr>
             </a:lvl1pPr>
             <a:lvl2pPr marL="457200" indent="0" algn="ctr">
               <a:buNone/>
-              <a:defRPr sz="2000"/>
+              <a:defRPr>
+                <a:solidFill>
+                  <a:schemeClr val="tx1">
+                    <a:tint val="75000"/>
+                  </a:schemeClr>
+                </a:solidFill>
+              </a:defRPr>
             </a:lvl2pPr>
             <a:lvl3pPr marL="914400" indent="0" algn="ctr">
               <a:buNone/>
-              <a:defRPr sz="1800"/>
+              <a:defRPr>
+                <a:solidFill>
+                  <a:schemeClr val="tx1">
+                    <a:tint val="75000"/>
+                  </a:schemeClr>
+                </a:solidFill>
+              </a:defRPr>
             </a:lvl3pPr>
             <a:lvl4pPr marL="1371600" indent="0" algn="ctr">
               <a:buNone/>
-              <a:defRPr sz="1600"/>
+              <a:defRPr>
+                <a:solidFill>
+                  <a:schemeClr val="tx1">
+                    <a:tint val="75000"/>
+                  </a:schemeClr>
+                </a:solidFill>
+              </a:defRPr>
             </a:lvl4pPr>
             <a:lvl5pPr marL="1828800" indent="0" algn="ctr">
               <a:buNone/>
-              <a:defRPr sz="1600"/>
+              <a:defRPr>
+                <a:solidFill>
+                  <a:schemeClr val="tx1">
+                    <a:tint val="75000"/>
+                  </a:schemeClr>
+                </a:solidFill>
+              </a:defRPr>
             </a:lvl5pPr>
             <a:lvl6pPr marL="2286000" indent="0" algn="ctr">
               <a:buNone/>
-              <a:defRPr sz="1600"/>
+              <a:defRPr>
+                <a:solidFill>
+                  <a:schemeClr val="tx1">
+                    <a:tint val="75000"/>
+                  </a:schemeClr>
+                </a:solidFill>
+              </a:defRPr>
             </a:lvl6pPr>
             <a:lvl7pPr marL="2743200" indent="0" algn="ctr">
               <a:buNone/>
-              <a:defRPr sz="1600"/>
+              <a:defRPr>
+                <a:solidFill>
+                  <a:schemeClr val="tx1">
+                    <a:tint val="75000"/>
+                  </a:schemeClr>
+                </a:solidFill>
+              </a:defRPr>
             </a:lvl7pPr>
             <a:lvl8pPr marL="3200400" indent="0" algn="ctr">
               <a:buNone/>
-              <a:defRPr sz="1600"/>
+              <a:defRPr>
+                <a:solidFill>
+                  <a:schemeClr val="tx1">
+                    <a:tint val="75000"/>
+                  </a:schemeClr>
+                </a:solidFill>
+              </a:defRPr>
             </a:lvl8pPr>
             <a:lvl9pPr marL="3657600" indent="0" algn="ctr">
               <a:buNone/>
-              <a:defRPr sz="1600"/>
+              <a:defRPr>
+                <a:solidFill>
+                  <a:schemeClr val="tx1">
+                    <a:tint val="75000"/>
+                  </a:schemeClr>
+                </a:solidFill>
+              </a:defRPr>
             </a:lvl9pPr>
           </a:lstStyle>
           <a:p>
@@ -233,18 +277,13 @@
               <a:rPr lang="en-US"/>
               <a:t>Click to edit Master subtitle style</a:t>
             </a:r>
-          </a:p>
-        </p:txBody>
-      </p:sp>
-      <p:sp>
-        <p:nvSpPr>
-          <p:cNvPr id="4" name="Date Placeholder 3">
-            <a:extLst>
-              <a:ext uri="{FF2B5EF4-FFF2-40B4-BE49-F238E27FC236}">
-                <a16:creationId xmlns:a16="http://schemas.microsoft.com/office/drawing/2014/main" id="{A26272E9-3D6C-4563-962F-B1ED41CA2F50}"/>
-              </a:ext>
-            </a:extLst>
-          </p:cNvPr>
+            <a:endParaRPr lang="en-US" dirty="0"/>
+          </a:p>
+        </p:txBody>
+      </p:sp>
+      <p:sp>
+        <p:nvSpPr>
+          <p:cNvPr id="4" name="Date Placeholder 3"/>
           <p:cNvSpPr>
             <a:spLocks noGrp="1"/>
           </p:cNvSpPr>
@@ -259,7 +298,7 @@
           <a:p>
             <a:fld id="{2C1C4E54-FC0F-46DC-9CC8-DAD5290F7686}" type="datetimeFigureOut">
               <a:rPr lang="en-US" smtClean="0"/>
-              <a:t>7/1/2019</a:t>
+              <a:t>1/17/2020</a:t>
             </a:fld>
             <a:endParaRPr lang="en-US"/>
           </a:p>
@@ -267,13 +306,7 @@
       </p:sp>
       <p:sp>
         <p:nvSpPr>
-          <p:cNvPr id="5" name="Footer Placeholder 4">
-            <a:extLst>
-              <a:ext uri="{FF2B5EF4-FFF2-40B4-BE49-F238E27FC236}">
-                <a16:creationId xmlns:a16="http://schemas.microsoft.com/office/drawing/2014/main" id="{C3ED0B77-D438-4431-9AC2-D84932749FCE}"/>
-              </a:ext>
-            </a:extLst>
-          </p:cNvPr>
+          <p:cNvPr id="5" name="Footer Placeholder 4"/>
           <p:cNvSpPr>
             <a:spLocks noGrp="1"/>
           </p:cNvSpPr>
@@ -292,13 +325,7 @@
       </p:sp>
       <p:sp>
         <p:nvSpPr>
-          <p:cNvPr id="6" name="Slide Number Placeholder 5">
-            <a:extLst>
-              <a:ext uri="{FF2B5EF4-FFF2-40B4-BE49-F238E27FC236}">
-                <a16:creationId xmlns:a16="http://schemas.microsoft.com/office/drawing/2014/main" id="{BD441EE6-9D6F-48D2-AD14-73F66926F209}"/>
-              </a:ext>
-            </a:extLst>
-          </p:cNvPr>
+          <p:cNvPr id="6" name="Slide Number Placeholder 5"/>
           <p:cNvSpPr>
             <a:spLocks noGrp="1"/>
           </p:cNvSpPr>
@@ -322,7 +349,7 @@
     </p:spTree>
     <p:extLst>
       <p:ext uri="{BB962C8B-B14F-4D97-AF65-F5344CB8AC3E}">
-        <p14:creationId xmlns:p14="http://schemas.microsoft.com/office/powerpoint/2010/main" val="1019476276"/>
+        <p14:creationId xmlns:p14="http://schemas.microsoft.com/office/powerpoint/2010/main" val="2603089528"/>
       </p:ext>
     </p:extLst>
   </p:cSld>
@@ -333,6 +360,2582 @@
 </file>
 
 <file path=ppt/slideLayouts/slideLayout10.xml><?xml version="1.0" encoding="utf-8"?>
+<p:sldLayout xmlns:a="http://schemas.openxmlformats.org/drawingml/2006/main" xmlns:r="http://schemas.openxmlformats.org/officeDocument/2006/relationships" xmlns:p="http://schemas.openxmlformats.org/presentationml/2006/main" preserve="1">
+  <p:cSld name="Panoramic Picture with Caption">
+    <p:spTree>
+      <p:nvGrpSpPr>
+        <p:cNvPr id="1" name=""/>
+        <p:cNvGrpSpPr/>
+        <p:nvPr/>
+      </p:nvGrpSpPr>
+      <p:grpSpPr>
+        <a:xfrm>
+          <a:off x="0" y="0"/>
+          <a:ext cx="0" cy="0"/>
+          <a:chOff x="0" y="0"/>
+          <a:chExt cx="0" cy="0"/>
+        </a:xfrm>
+      </p:grpSpPr>
+      <p:pic>
+        <p:nvPicPr>
+          <p:cNvPr id="16" name="Picture 15" descr="Slate-V2-HD-panoPhotoInset.png"/>
+          <p:cNvPicPr>
+            <a:picLocks noChangeAspect="1"/>
+          </p:cNvPicPr>
+          <p:nvPr/>
+        </p:nvPicPr>
+        <p:blipFill>
+          <a:blip r:embed="rId2">
+            <a:extLst>
+              <a:ext uri="{28A0092B-C50C-407E-A947-70E740481C1C}">
+                <a14:useLocalDpi xmlns:a14="http://schemas.microsoft.com/office/drawing/2010/main" val="0"/>
+              </a:ext>
+            </a:extLst>
+          </a:blip>
+          <a:stretch>
+            <a:fillRect/>
+          </a:stretch>
+        </p:blipFill>
+        <p:spPr>
+          <a:xfrm>
+            <a:off x="1013883" y="547807"/>
+            <a:ext cx="10141799" cy="3816806"/>
+          </a:xfrm>
+          <a:prstGeom prst="rect">
+            <a:avLst/>
+          </a:prstGeom>
+        </p:spPr>
+      </p:pic>
+      <p:sp>
+        <p:nvSpPr>
+          <p:cNvPr id="2" name="Title 1"/>
+          <p:cNvSpPr>
+            <a:spLocks noGrp="1"/>
+          </p:cNvSpPr>
+          <p:nvPr>
+            <p:ph type="title"/>
+          </p:nvPr>
+        </p:nvSpPr>
+        <p:spPr>
+          <a:xfrm>
+            <a:off x="913806" y="4565255"/>
+            <a:ext cx="10355326" cy="543472"/>
+          </a:xfrm>
+        </p:spPr>
+        <p:txBody>
+          <a:bodyPr anchor="b">
+            <a:normAutofit/>
+          </a:bodyPr>
+          <a:lstStyle>
+            <a:lvl1pPr algn="ctr">
+              <a:defRPr sz="2800"/>
+            </a:lvl1pPr>
+          </a:lstStyle>
+          <a:p>
+            <a:r>
+              <a:rPr lang="en-US"/>
+              <a:t>Click to edit Master title style</a:t>
+            </a:r>
+            <a:endParaRPr lang="en-US" dirty="0"/>
+          </a:p>
+        </p:txBody>
+      </p:sp>
+      <p:sp>
+        <p:nvSpPr>
+          <p:cNvPr id="3" name="Picture Placeholder 2"/>
+          <p:cNvSpPr>
+            <a:spLocks noGrp="1" noChangeAspect="1"/>
+          </p:cNvSpPr>
+          <p:nvPr>
+            <p:ph type="pic" idx="1"/>
+          </p:nvPr>
+        </p:nvSpPr>
+        <p:spPr>
+          <a:xfrm>
+            <a:off x="1169349" y="695009"/>
+            <a:ext cx="9845346" cy="3525671"/>
+          </a:xfrm>
+          <a:effectLst>
+            <a:outerShdw blurRad="38100" dist="25400" dir="4440000">
+              <a:srgbClr val="000000">
+                <a:alpha val="36000"/>
+              </a:srgbClr>
+            </a:outerShdw>
+          </a:effectLst>
+        </p:spPr>
+        <p:txBody>
+          <a:bodyPr anchor="t">
+            <a:normAutofit/>
+          </a:bodyPr>
+          <a:lstStyle>
+            <a:lvl1pPr marL="0" indent="0" algn="ctr">
+              <a:buNone/>
+              <a:defRPr sz="2000"/>
+            </a:lvl1pPr>
+            <a:lvl2pPr marL="457200" indent="0">
+              <a:buNone/>
+              <a:defRPr sz="2000"/>
+            </a:lvl2pPr>
+            <a:lvl3pPr marL="914400" indent="0">
+              <a:buNone/>
+              <a:defRPr sz="2000"/>
+            </a:lvl3pPr>
+            <a:lvl4pPr marL="1371600" indent="0">
+              <a:buNone/>
+              <a:defRPr sz="2000"/>
+            </a:lvl4pPr>
+            <a:lvl5pPr marL="1828800" indent="0">
+              <a:buNone/>
+              <a:defRPr sz="2000"/>
+            </a:lvl5pPr>
+            <a:lvl6pPr marL="2286000" indent="0">
+              <a:buNone/>
+              <a:defRPr sz="2000"/>
+            </a:lvl6pPr>
+            <a:lvl7pPr marL="2743200" indent="0">
+              <a:buNone/>
+              <a:defRPr sz="2000"/>
+            </a:lvl7pPr>
+            <a:lvl8pPr marL="3200400" indent="0">
+              <a:buNone/>
+              <a:defRPr sz="2000"/>
+            </a:lvl8pPr>
+            <a:lvl9pPr marL="3657600" indent="0">
+              <a:buNone/>
+              <a:defRPr sz="2000"/>
+            </a:lvl9pPr>
+          </a:lstStyle>
+          <a:p>
+            <a:r>
+              <a:rPr lang="en-US"/>
+              <a:t>Click icon to add picture</a:t>
+            </a:r>
+            <a:endParaRPr lang="en-US" dirty="0"/>
+          </a:p>
+        </p:txBody>
+      </p:sp>
+      <p:sp>
+        <p:nvSpPr>
+          <p:cNvPr id="4" name="Text Placeholder 3"/>
+          <p:cNvSpPr>
+            <a:spLocks noGrp="1"/>
+          </p:cNvSpPr>
+          <p:nvPr>
+            <p:ph type="body" sz="half" idx="2"/>
+          </p:nvPr>
+        </p:nvSpPr>
+        <p:spPr>
+          <a:xfrm>
+            <a:off x="913795" y="5108728"/>
+            <a:ext cx="10353762" cy="682472"/>
+          </a:xfrm>
+        </p:spPr>
+        <p:txBody>
+          <a:bodyPr anchor="t"/>
+          <a:lstStyle>
+            <a:lvl1pPr marL="0" indent="0" algn="ctr">
+              <a:buNone/>
+              <a:defRPr sz="1600"/>
+            </a:lvl1pPr>
+            <a:lvl2pPr marL="457200" indent="0">
+              <a:buNone/>
+              <a:defRPr sz="1400"/>
+            </a:lvl2pPr>
+            <a:lvl3pPr marL="914400" indent="0">
+              <a:buNone/>
+              <a:defRPr sz="1200"/>
+            </a:lvl3pPr>
+            <a:lvl4pPr marL="1371600" indent="0">
+              <a:buNone/>
+              <a:defRPr sz="1000"/>
+            </a:lvl4pPr>
+            <a:lvl5pPr marL="1828800" indent="0">
+              <a:buNone/>
+              <a:defRPr sz="1000"/>
+            </a:lvl5pPr>
+            <a:lvl6pPr marL="2286000" indent="0">
+              <a:buNone/>
+              <a:defRPr sz="1000"/>
+            </a:lvl6pPr>
+            <a:lvl7pPr marL="2743200" indent="0">
+              <a:buNone/>
+              <a:defRPr sz="1000"/>
+            </a:lvl7pPr>
+            <a:lvl8pPr marL="3200400" indent="0">
+              <a:buNone/>
+              <a:defRPr sz="1000"/>
+            </a:lvl8pPr>
+            <a:lvl9pPr marL="3657600" indent="0">
+              <a:buNone/>
+              <a:defRPr sz="1000"/>
+            </a:lvl9pPr>
+          </a:lstStyle>
+          <a:p>
+            <a:pPr lvl="0"/>
+            <a:r>
+              <a:rPr lang="en-US"/>
+              <a:t>Click to edit Master text styles</a:t>
+            </a:r>
+          </a:p>
+        </p:txBody>
+      </p:sp>
+      <p:sp>
+        <p:nvSpPr>
+          <p:cNvPr id="5" name="Date Placeholder 4"/>
+          <p:cNvSpPr>
+            <a:spLocks noGrp="1"/>
+          </p:cNvSpPr>
+          <p:nvPr>
+            <p:ph type="dt" sz="half" idx="10"/>
+          </p:nvPr>
+        </p:nvSpPr>
+        <p:spPr/>
+        <p:txBody>
+          <a:bodyPr/>
+          <a:lstStyle/>
+          <a:p>
+            <a:fld id="{2C1C4E54-FC0F-46DC-9CC8-DAD5290F7686}" type="datetimeFigureOut">
+              <a:rPr lang="en-US" smtClean="0"/>
+              <a:t>1/17/2020</a:t>
+            </a:fld>
+            <a:endParaRPr lang="en-US"/>
+          </a:p>
+        </p:txBody>
+      </p:sp>
+      <p:sp>
+        <p:nvSpPr>
+          <p:cNvPr id="6" name="Footer Placeholder 5"/>
+          <p:cNvSpPr>
+            <a:spLocks noGrp="1"/>
+          </p:cNvSpPr>
+          <p:nvPr>
+            <p:ph type="ftr" sz="quarter" idx="11"/>
+          </p:nvPr>
+        </p:nvSpPr>
+        <p:spPr/>
+        <p:txBody>
+          <a:bodyPr/>
+          <a:lstStyle/>
+          <a:p>
+            <a:endParaRPr lang="en-US"/>
+          </a:p>
+        </p:txBody>
+      </p:sp>
+      <p:sp>
+        <p:nvSpPr>
+          <p:cNvPr id="7" name="Slide Number Placeholder 6"/>
+          <p:cNvSpPr>
+            <a:spLocks noGrp="1"/>
+          </p:cNvSpPr>
+          <p:nvPr>
+            <p:ph type="sldNum" sz="quarter" idx="12"/>
+          </p:nvPr>
+        </p:nvSpPr>
+        <p:spPr/>
+        <p:txBody>
+          <a:bodyPr/>
+          <a:lstStyle/>
+          <a:p>
+            <a:fld id="{84A480BB-84D4-480D-A09D-BC5078C51330}" type="slidenum">
+              <a:rPr lang="en-US" smtClean="0"/>
+              <a:t>‹#›</a:t>
+            </a:fld>
+            <a:endParaRPr lang="en-US"/>
+          </a:p>
+        </p:txBody>
+      </p:sp>
+    </p:spTree>
+    <p:extLst>
+      <p:ext uri="{BB962C8B-B14F-4D97-AF65-F5344CB8AC3E}">
+        <p14:creationId xmlns:p14="http://schemas.microsoft.com/office/powerpoint/2010/main" val="1854469660"/>
+      </p:ext>
+    </p:extLst>
+  </p:cSld>
+  <p:clrMapOvr>
+    <a:masterClrMapping/>
+  </p:clrMapOvr>
+</p:sldLayout>
+</file>
+
+<file path=ppt/slideLayouts/slideLayout11.xml><?xml version="1.0" encoding="utf-8"?>
+<p:sldLayout xmlns:a="http://schemas.openxmlformats.org/drawingml/2006/main" xmlns:r="http://schemas.openxmlformats.org/officeDocument/2006/relationships" xmlns:p="http://schemas.openxmlformats.org/presentationml/2006/main" preserve="1">
+  <p:cSld name="Title and Caption">
+    <p:spTree>
+      <p:nvGrpSpPr>
+        <p:cNvPr id="1" name=""/>
+        <p:cNvGrpSpPr/>
+        <p:nvPr/>
+      </p:nvGrpSpPr>
+      <p:grpSpPr>
+        <a:xfrm>
+          <a:off x="0" y="0"/>
+          <a:ext cx="0" cy="0"/>
+          <a:chOff x="0" y="0"/>
+          <a:chExt cx="0" cy="0"/>
+        </a:xfrm>
+      </p:grpSpPr>
+      <p:sp>
+        <p:nvSpPr>
+          <p:cNvPr id="2" name="Title 1"/>
+          <p:cNvSpPr>
+            <a:spLocks noGrp="1"/>
+          </p:cNvSpPr>
+          <p:nvPr>
+            <p:ph type="title"/>
+          </p:nvPr>
+        </p:nvSpPr>
+        <p:spPr>
+          <a:xfrm>
+            <a:off x="913795" y="608437"/>
+            <a:ext cx="10353762" cy="3534344"/>
+          </a:xfrm>
+        </p:spPr>
+        <p:txBody>
+          <a:bodyPr anchor="ctr"/>
+          <a:lstStyle>
+            <a:lvl1pPr>
+              <a:defRPr sz="3200"/>
+            </a:lvl1pPr>
+          </a:lstStyle>
+          <a:p>
+            <a:r>
+              <a:rPr lang="en-US"/>
+              <a:t>Click to edit Master title style</a:t>
+            </a:r>
+            <a:endParaRPr lang="en-US" dirty="0"/>
+          </a:p>
+        </p:txBody>
+      </p:sp>
+      <p:sp>
+        <p:nvSpPr>
+          <p:cNvPr id="4" name="Text Placeholder 3"/>
+          <p:cNvSpPr>
+            <a:spLocks noGrp="1"/>
+          </p:cNvSpPr>
+          <p:nvPr>
+            <p:ph type="body" sz="half" idx="2"/>
+          </p:nvPr>
+        </p:nvSpPr>
+        <p:spPr>
+          <a:xfrm>
+            <a:off x="913794" y="4295180"/>
+            <a:ext cx="10353763" cy="1501826"/>
+          </a:xfrm>
+        </p:spPr>
+        <p:txBody>
+          <a:bodyPr anchor="ctr"/>
+          <a:lstStyle>
+            <a:lvl1pPr marL="0" indent="0" algn="ctr">
+              <a:buNone/>
+              <a:defRPr sz="1600"/>
+            </a:lvl1pPr>
+            <a:lvl2pPr marL="457200" indent="0">
+              <a:buNone/>
+              <a:defRPr sz="1400"/>
+            </a:lvl2pPr>
+            <a:lvl3pPr marL="914400" indent="0">
+              <a:buNone/>
+              <a:defRPr sz="1200"/>
+            </a:lvl3pPr>
+            <a:lvl4pPr marL="1371600" indent="0">
+              <a:buNone/>
+              <a:defRPr sz="1000"/>
+            </a:lvl4pPr>
+            <a:lvl5pPr marL="1828800" indent="0">
+              <a:buNone/>
+              <a:defRPr sz="1000"/>
+            </a:lvl5pPr>
+            <a:lvl6pPr marL="2286000" indent="0">
+              <a:buNone/>
+              <a:defRPr sz="1000"/>
+            </a:lvl6pPr>
+            <a:lvl7pPr marL="2743200" indent="0">
+              <a:buNone/>
+              <a:defRPr sz="1000"/>
+            </a:lvl7pPr>
+            <a:lvl8pPr marL="3200400" indent="0">
+              <a:buNone/>
+              <a:defRPr sz="1000"/>
+            </a:lvl8pPr>
+            <a:lvl9pPr marL="3657600" indent="0">
+              <a:buNone/>
+              <a:defRPr sz="1000"/>
+            </a:lvl9pPr>
+          </a:lstStyle>
+          <a:p>
+            <a:pPr lvl="0"/>
+            <a:r>
+              <a:rPr lang="en-US"/>
+              <a:t>Click to edit Master text styles</a:t>
+            </a:r>
+          </a:p>
+        </p:txBody>
+      </p:sp>
+      <p:sp>
+        <p:nvSpPr>
+          <p:cNvPr id="5" name="Date Placeholder 4"/>
+          <p:cNvSpPr>
+            <a:spLocks noGrp="1"/>
+          </p:cNvSpPr>
+          <p:nvPr>
+            <p:ph type="dt" sz="half" idx="10"/>
+          </p:nvPr>
+        </p:nvSpPr>
+        <p:spPr/>
+        <p:txBody>
+          <a:bodyPr/>
+          <a:lstStyle/>
+          <a:p>
+            <a:fld id="{2C1C4E54-FC0F-46DC-9CC8-DAD5290F7686}" type="datetimeFigureOut">
+              <a:rPr lang="en-US" smtClean="0"/>
+              <a:t>1/17/2020</a:t>
+            </a:fld>
+            <a:endParaRPr lang="en-US"/>
+          </a:p>
+        </p:txBody>
+      </p:sp>
+      <p:sp>
+        <p:nvSpPr>
+          <p:cNvPr id="6" name="Footer Placeholder 5"/>
+          <p:cNvSpPr>
+            <a:spLocks noGrp="1"/>
+          </p:cNvSpPr>
+          <p:nvPr>
+            <p:ph type="ftr" sz="quarter" idx="11"/>
+          </p:nvPr>
+        </p:nvSpPr>
+        <p:spPr/>
+        <p:txBody>
+          <a:bodyPr/>
+          <a:lstStyle/>
+          <a:p>
+            <a:endParaRPr lang="en-US"/>
+          </a:p>
+        </p:txBody>
+      </p:sp>
+      <p:sp>
+        <p:nvSpPr>
+          <p:cNvPr id="7" name="Slide Number Placeholder 6"/>
+          <p:cNvSpPr>
+            <a:spLocks noGrp="1"/>
+          </p:cNvSpPr>
+          <p:nvPr>
+            <p:ph type="sldNum" sz="quarter" idx="12"/>
+          </p:nvPr>
+        </p:nvSpPr>
+        <p:spPr/>
+        <p:txBody>
+          <a:bodyPr/>
+          <a:lstStyle/>
+          <a:p>
+            <a:fld id="{84A480BB-84D4-480D-A09D-BC5078C51330}" type="slidenum">
+              <a:rPr lang="en-US" smtClean="0"/>
+              <a:t>‹#›</a:t>
+            </a:fld>
+            <a:endParaRPr lang="en-US"/>
+          </a:p>
+        </p:txBody>
+      </p:sp>
+    </p:spTree>
+    <p:extLst>
+      <p:ext uri="{BB962C8B-B14F-4D97-AF65-F5344CB8AC3E}">
+        <p14:creationId xmlns:p14="http://schemas.microsoft.com/office/powerpoint/2010/main" val="2496857664"/>
+      </p:ext>
+    </p:extLst>
+  </p:cSld>
+  <p:clrMapOvr>
+    <a:masterClrMapping/>
+  </p:clrMapOvr>
+</p:sldLayout>
+</file>
+
+<file path=ppt/slideLayouts/slideLayout12.xml><?xml version="1.0" encoding="utf-8"?>
+<p:sldLayout xmlns:a="http://schemas.openxmlformats.org/drawingml/2006/main" xmlns:r="http://schemas.openxmlformats.org/officeDocument/2006/relationships" xmlns:p="http://schemas.openxmlformats.org/presentationml/2006/main" preserve="1">
+  <p:cSld name="Quote with Caption">
+    <p:spTree>
+      <p:nvGrpSpPr>
+        <p:cNvPr id="1" name=""/>
+        <p:cNvGrpSpPr/>
+        <p:nvPr/>
+      </p:nvGrpSpPr>
+      <p:grpSpPr>
+        <a:xfrm>
+          <a:off x="0" y="0"/>
+          <a:ext cx="0" cy="0"/>
+          <a:chOff x="0" y="0"/>
+          <a:chExt cx="0" cy="0"/>
+        </a:xfrm>
+      </p:grpSpPr>
+      <p:sp>
+        <p:nvSpPr>
+          <p:cNvPr id="2" name="Title 1"/>
+          <p:cNvSpPr>
+            <a:spLocks noGrp="1"/>
+          </p:cNvSpPr>
+          <p:nvPr>
+            <p:ph type="title"/>
+          </p:nvPr>
+        </p:nvSpPr>
+        <p:spPr>
+          <a:xfrm>
+            <a:off x="1446212" y="609600"/>
+            <a:ext cx="9302752" cy="2992904"/>
+          </a:xfrm>
+        </p:spPr>
+        <p:txBody>
+          <a:bodyPr anchor="ctr"/>
+          <a:lstStyle>
+            <a:lvl1pPr>
+              <a:defRPr sz="3200"/>
+            </a:lvl1pPr>
+          </a:lstStyle>
+          <a:p>
+            <a:r>
+              <a:rPr lang="en-US"/>
+              <a:t>Click to edit Master title style</a:t>
+            </a:r>
+            <a:endParaRPr lang="en-US" dirty="0"/>
+          </a:p>
+        </p:txBody>
+      </p:sp>
+      <p:sp>
+        <p:nvSpPr>
+          <p:cNvPr id="12" name="Text Placeholder 3"/>
+          <p:cNvSpPr>
+            <a:spLocks noGrp="1"/>
+          </p:cNvSpPr>
+          <p:nvPr>
+            <p:ph type="body" sz="half" idx="13"/>
+          </p:nvPr>
+        </p:nvSpPr>
+        <p:spPr>
+          <a:xfrm>
+            <a:off x="1720644" y="3610032"/>
+            <a:ext cx="8752299" cy="532749"/>
+          </a:xfrm>
+        </p:spPr>
+        <p:txBody>
+          <a:bodyPr anchor="t">
+            <a:normAutofit/>
+          </a:bodyPr>
+          <a:lstStyle>
+            <a:lvl1pPr marL="0" indent="0" algn="r">
+              <a:buNone/>
+              <a:defRPr sz="1400"/>
+            </a:lvl1pPr>
+            <a:lvl2pPr marL="457200" indent="0">
+              <a:buNone/>
+              <a:defRPr sz="1400"/>
+            </a:lvl2pPr>
+            <a:lvl3pPr marL="914400" indent="0">
+              <a:buNone/>
+              <a:defRPr sz="1200"/>
+            </a:lvl3pPr>
+            <a:lvl4pPr marL="1371600" indent="0">
+              <a:buNone/>
+              <a:defRPr sz="1000"/>
+            </a:lvl4pPr>
+            <a:lvl5pPr marL="1828800" indent="0">
+              <a:buNone/>
+              <a:defRPr sz="1000"/>
+            </a:lvl5pPr>
+            <a:lvl6pPr marL="2286000" indent="0">
+              <a:buNone/>
+              <a:defRPr sz="1000"/>
+            </a:lvl6pPr>
+            <a:lvl7pPr marL="2743200" indent="0">
+              <a:buNone/>
+              <a:defRPr sz="1000"/>
+            </a:lvl7pPr>
+            <a:lvl8pPr marL="3200400" indent="0">
+              <a:buNone/>
+              <a:defRPr sz="1000"/>
+            </a:lvl8pPr>
+            <a:lvl9pPr marL="3657600" indent="0">
+              <a:buNone/>
+              <a:defRPr sz="1000"/>
+            </a:lvl9pPr>
+          </a:lstStyle>
+          <a:p>
+            <a:pPr lvl="0"/>
+            <a:r>
+              <a:rPr lang="en-US"/>
+              <a:t>Click to edit Master text styles</a:t>
+            </a:r>
+          </a:p>
+        </p:txBody>
+      </p:sp>
+      <p:sp>
+        <p:nvSpPr>
+          <p:cNvPr id="4" name="Text Placeholder 3"/>
+          <p:cNvSpPr>
+            <a:spLocks noGrp="1"/>
+          </p:cNvSpPr>
+          <p:nvPr>
+            <p:ph type="body" sz="half" idx="2"/>
+          </p:nvPr>
+        </p:nvSpPr>
+        <p:spPr>
+          <a:xfrm>
+            <a:off x="913794" y="4304353"/>
+            <a:ext cx="10353763" cy="1489496"/>
+          </a:xfrm>
+        </p:spPr>
+        <p:txBody>
+          <a:bodyPr anchor="ctr">
+            <a:normAutofit/>
+          </a:bodyPr>
+          <a:lstStyle>
+            <a:lvl1pPr marL="0" indent="0" algn="ctr">
+              <a:buNone/>
+              <a:defRPr sz="1600"/>
+            </a:lvl1pPr>
+            <a:lvl2pPr marL="457200" indent="0">
+              <a:buNone/>
+              <a:defRPr sz="1400"/>
+            </a:lvl2pPr>
+            <a:lvl3pPr marL="914400" indent="0">
+              <a:buNone/>
+              <a:defRPr sz="1200"/>
+            </a:lvl3pPr>
+            <a:lvl4pPr marL="1371600" indent="0">
+              <a:buNone/>
+              <a:defRPr sz="1000"/>
+            </a:lvl4pPr>
+            <a:lvl5pPr marL="1828800" indent="0">
+              <a:buNone/>
+              <a:defRPr sz="1000"/>
+            </a:lvl5pPr>
+            <a:lvl6pPr marL="2286000" indent="0">
+              <a:buNone/>
+              <a:defRPr sz="1000"/>
+            </a:lvl6pPr>
+            <a:lvl7pPr marL="2743200" indent="0">
+              <a:buNone/>
+              <a:defRPr sz="1000"/>
+            </a:lvl7pPr>
+            <a:lvl8pPr marL="3200400" indent="0">
+              <a:buNone/>
+              <a:defRPr sz="1000"/>
+            </a:lvl8pPr>
+            <a:lvl9pPr marL="3657600" indent="0">
+              <a:buNone/>
+              <a:defRPr sz="1000"/>
+            </a:lvl9pPr>
+          </a:lstStyle>
+          <a:p>
+            <a:pPr lvl="0"/>
+            <a:r>
+              <a:rPr lang="en-US"/>
+              <a:t>Click to edit Master text styles</a:t>
+            </a:r>
+          </a:p>
+        </p:txBody>
+      </p:sp>
+      <p:sp>
+        <p:nvSpPr>
+          <p:cNvPr id="5" name="Date Placeholder 4"/>
+          <p:cNvSpPr>
+            <a:spLocks noGrp="1"/>
+          </p:cNvSpPr>
+          <p:nvPr>
+            <p:ph type="dt" sz="half" idx="10"/>
+          </p:nvPr>
+        </p:nvSpPr>
+        <p:spPr/>
+        <p:txBody>
+          <a:bodyPr/>
+          <a:lstStyle/>
+          <a:p>
+            <a:fld id="{2C1C4E54-FC0F-46DC-9CC8-DAD5290F7686}" type="datetimeFigureOut">
+              <a:rPr lang="en-US" smtClean="0"/>
+              <a:t>1/17/2020</a:t>
+            </a:fld>
+            <a:endParaRPr lang="en-US"/>
+          </a:p>
+        </p:txBody>
+      </p:sp>
+      <p:sp>
+        <p:nvSpPr>
+          <p:cNvPr id="6" name="Footer Placeholder 5"/>
+          <p:cNvSpPr>
+            <a:spLocks noGrp="1"/>
+          </p:cNvSpPr>
+          <p:nvPr>
+            <p:ph type="ftr" sz="quarter" idx="11"/>
+          </p:nvPr>
+        </p:nvSpPr>
+        <p:spPr/>
+        <p:txBody>
+          <a:bodyPr/>
+          <a:lstStyle/>
+          <a:p>
+            <a:endParaRPr lang="en-US"/>
+          </a:p>
+        </p:txBody>
+      </p:sp>
+      <p:sp>
+        <p:nvSpPr>
+          <p:cNvPr id="7" name="Slide Number Placeholder 6"/>
+          <p:cNvSpPr>
+            <a:spLocks noGrp="1"/>
+          </p:cNvSpPr>
+          <p:nvPr>
+            <p:ph type="sldNum" sz="quarter" idx="12"/>
+          </p:nvPr>
+        </p:nvSpPr>
+        <p:spPr/>
+        <p:txBody>
+          <a:bodyPr/>
+          <a:lstStyle/>
+          <a:p>
+            <a:fld id="{84A480BB-84D4-480D-A09D-BC5078C51330}" type="slidenum">
+              <a:rPr lang="en-US" smtClean="0"/>
+              <a:t>‹#›</a:t>
+            </a:fld>
+            <a:endParaRPr lang="en-US"/>
+          </a:p>
+        </p:txBody>
+      </p:sp>
+      <p:sp>
+        <p:nvSpPr>
+          <p:cNvPr id="11" name="TextBox 10"/>
+          <p:cNvSpPr txBox="1"/>
+          <p:nvPr/>
+        </p:nvSpPr>
+        <p:spPr>
+          <a:xfrm>
+            <a:off x="990600" y="884796"/>
+            <a:ext cx="609600" cy="584776"/>
+          </a:xfrm>
+          <a:prstGeom prst="rect">
+            <a:avLst/>
+          </a:prstGeom>
+        </p:spPr>
+        <p:txBody>
+          <a:bodyPr vert="horz" lIns="91440" tIns="45720" rIns="91440" bIns="45720" rtlCol="0" anchor="ctr">
+            <a:noAutofit/>
+          </a:bodyPr>
+          <a:lstStyle>
+            <a:lvl1pPr>
+              <a:spcBef>
+                <a:spcPct val="0"/>
+              </a:spcBef>
+              <a:buNone/>
+              <a:defRPr sz="3200" b="0" cap="all">
+                <a:ln w="3175" cmpd="sng">
+                  <a:noFill/>
+                </a:ln>
+                <a:effectLst>
+                  <a:glow rad="38100">
+                    <a:schemeClr val="bg1">
+                      <a:lumMod val="65000"/>
+                      <a:lumOff val="35000"/>
+                      <a:alpha val="40000"/>
+                    </a:schemeClr>
+                  </a:glow>
+                  <a:outerShdw blurRad="28575" dist="38100" dir="14040000" algn="tl" rotWithShape="0">
+                    <a:srgbClr val="000000">
+                      <a:alpha val="25000"/>
+                    </a:srgbClr>
+                  </a:outerShdw>
+                </a:effectLst>
+              </a:defRPr>
+            </a:lvl1pPr>
+            <a:lvl2pPr>
+              <a:defRPr>
+                <a:solidFill>
+                  <a:schemeClr val="tx2"/>
+                </a:solidFill>
+              </a:defRPr>
+            </a:lvl2pPr>
+            <a:lvl3pPr>
+              <a:defRPr>
+                <a:solidFill>
+                  <a:schemeClr val="tx2"/>
+                </a:solidFill>
+              </a:defRPr>
+            </a:lvl3pPr>
+            <a:lvl4pPr>
+              <a:defRPr>
+                <a:solidFill>
+                  <a:schemeClr val="tx2"/>
+                </a:solidFill>
+              </a:defRPr>
+            </a:lvl4pPr>
+            <a:lvl5pPr>
+              <a:defRPr>
+                <a:solidFill>
+                  <a:schemeClr val="tx2"/>
+                </a:solidFill>
+              </a:defRPr>
+            </a:lvl5pPr>
+            <a:lvl6pPr>
+              <a:defRPr>
+                <a:solidFill>
+                  <a:schemeClr val="tx2"/>
+                </a:solidFill>
+              </a:defRPr>
+            </a:lvl6pPr>
+            <a:lvl7pPr>
+              <a:defRPr>
+                <a:solidFill>
+                  <a:schemeClr val="tx2"/>
+                </a:solidFill>
+              </a:defRPr>
+            </a:lvl7pPr>
+            <a:lvl8pPr>
+              <a:defRPr>
+                <a:solidFill>
+                  <a:schemeClr val="tx2"/>
+                </a:solidFill>
+              </a:defRPr>
+            </a:lvl8pPr>
+            <a:lvl9pPr>
+              <a:defRPr>
+                <a:solidFill>
+                  <a:schemeClr val="tx2"/>
+                </a:solidFill>
+              </a:defRPr>
+            </a:lvl9pPr>
+          </a:lstStyle>
+          <a:p>
+            <a:pPr lvl="0"/>
+            <a:r>
+              <a:rPr lang="en-US" sz="8000" dirty="0">
+                <a:solidFill>
+                  <a:schemeClr val="tx1"/>
+                </a:solidFill>
+                <a:effectLst/>
+              </a:rPr>
+              <a:t>“</a:t>
+            </a:r>
+          </a:p>
+        </p:txBody>
+      </p:sp>
+      <p:sp>
+        <p:nvSpPr>
+          <p:cNvPr id="13" name="TextBox 12"/>
+          <p:cNvSpPr txBox="1"/>
+          <p:nvPr/>
+        </p:nvSpPr>
+        <p:spPr>
+          <a:xfrm>
+            <a:off x="10504716" y="2928258"/>
+            <a:ext cx="609600" cy="584776"/>
+          </a:xfrm>
+          <a:prstGeom prst="rect">
+            <a:avLst/>
+          </a:prstGeom>
+        </p:spPr>
+        <p:txBody>
+          <a:bodyPr vert="horz" lIns="91440" tIns="45720" rIns="91440" bIns="45720" rtlCol="0" anchor="ctr">
+            <a:noAutofit/>
+          </a:bodyPr>
+          <a:lstStyle>
+            <a:lvl1pPr>
+              <a:spcBef>
+                <a:spcPct val="0"/>
+              </a:spcBef>
+              <a:buNone/>
+              <a:defRPr sz="3200" b="0" cap="all">
+                <a:ln w="3175" cmpd="sng">
+                  <a:noFill/>
+                </a:ln>
+                <a:effectLst>
+                  <a:glow rad="38100">
+                    <a:schemeClr val="bg1">
+                      <a:lumMod val="65000"/>
+                      <a:lumOff val="35000"/>
+                      <a:alpha val="40000"/>
+                    </a:schemeClr>
+                  </a:glow>
+                  <a:outerShdw blurRad="28575" dist="38100" dir="14040000" algn="tl" rotWithShape="0">
+                    <a:srgbClr val="000000">
+                      <a:alpha val="25000"/>
+                    </a:srgbClr>
+                  </a:outerShdw>
+                </a:effectLst>
+              </a:defRPr>
+            </a:lvl1pPr>
+            <a:lvl2pPr>
+              <a:defRPr>
+                <a:solidFill>
+                  <a:schemeClr val="tx2"/>
+                </a:solidFill>
+              </a:defRPr>
+            </a:lvl2pPr>
+            <a:lvl3pPr>
+              <a:defRPr>
+                <a:solidFill>
+                  <a:schemeClr val="tx2"/>
+                </a:solidFill>
+              </a:defRPr>
+            </a:lvl3pPr>
+            <a:lvl4pPr>
+              <a:defRPr>
+                <a:solidFill>
+                  <a:schemeClr val="tx2"/>
+                </a:solidFill>
+              </a:defRPr>
+            </a:lvl4pPr>
+            <a:lvl5pPr>
+              <a:defRPr>
+                <a:solidFill>
+                  <a:schemeClr val="tx2"/>
+                </a:solidFill>
+              </a:defRPr>
+            </a:lvl5pPr>
+            <a:lvl6pPr>
+              <a:defRPr>
+                <a:solidFill>
+                  <a:schemeClr val="tx2"/>
+                </a:solidFill>
+              </a:defRPr>
+            </a:lvl6pPr>
+            <a:lvl7pPr>
+              <a:defRPr>
+                <a:solidFill>
+                  <a:schemeClr val="tx2"/>
+                </a:solidFill>
+              </a:defRPr>
+            </a:lvl7pPr>
+            <a:lvl8pPr>
+              <a:defRPr>
+                <a:solidFill>
+                  <a:schemeClr val="tx2"/>
+                </a:solidFill>
+              </a:defRPr>
+            </a:lvl8pPr>
+            <a:lvl9pPr>
+              <a:defRPr>
+                <a:solidFill>
+                  <a:schemeClr val="tx2"/>
+                </a:solidFill>
+              </a:defRPr>
+            </a:lvl9pPr>
+          </a:lstStyle>
+          <a:p>
+            <a:pPr lvl="0" algn="r"/>
+            <a:r>
+              <a:rPr lang="en-US" sz="8000" dirty="0">
+                <a:solidFill>
+                  <a:schemeClr val="tx1"/>
+                </a:solidFill>
+                <a:effectLst/>
+              </a:rPr>
+              <a:t>”</a:t>
+            </a:r>
+          </a:p>
+        </p:txBody>
+      </p:sp>
+    </p:spTree>
+    <p:extLst>
+      <p:ext uri="{BB962C8B-B14F-4D97-AF65-F5344CB8AC3E}">
+        <p14:creationId xmlns:p14="http://schemas.microsoft.com/office/powerpoint/2010/main" val="1749222731"/>
+      </p:ext>
+    </p:extLst>
+  </p:cSld>
+  <p:clrMapOvr>
+    <a:masterClrMapping/>
+  </p:clrMapOvr>
+</p:sldLayout>
+</file>
+
+<file path=ppt/slideLayouts/slideLayout13.xml><?xml version="1.0" encoding="utf-8"?>
+<p:sldLayout xmlns:a="http://schemas.openxmlformats.org/drawingml/2006/main" xmlns:r="http://schemas.openxmlformats.org/officeDocument/2006/relationships" xmlns:p="http://schemas.openxmlformats.org/presentationml/2006/main" preserve="1">
+  <p:cSld name="Name Card">
+    <p:spTree>
+      <p:nvGrpSpPr>
+        <p:cNvPr id="1" name=""/>
+        <p:cNvGrpSpPr/>
+        <p:nvPr/>
+      </p:nvGrpSpPr>
+      <p:grpSpPr>
+        <a:xfrm>
+          <a:off x="0" y="0"/>
+          <a:ext cx="0" cy="0"/>
+          <a:chOff x="0" y="0"/>
+          <a:chExt cx="0" cy="0"/>
+        </a:xfrm>
+      </p:grpSpPr>
+      <p:sp>
+        <p:nvSpPr>
+          <p:cNvPr id="2" name="Title 1"/>
+          <p:cNvSpPr>
+            <a:spLocks noGrp="1"/>
+          </p:cNvSpPr>
+          <p:nvPr>
+            <p:ph type="title"/>
+          </p:nvPr>
+        </p:nvSpPr>
+        <p:spPr>
+          <a:xfrm>
+            <a:off x="913794" y="2126942"/>
+            <a:ext cx="10353763" cy="2511835"/>
+          </a:xfrm>
+        </p:spPr>
+        <p:txBody>
+          <a:bodyPr anchor="b"/>
+          <a:lstStyle>
+            <a:lvl1pPr>
+              <a:defRPr sz="3200"/>
+            </a:lvl1pPr>
+          </a:lstStyle>
+          <a:p>
+            <a:r>
+              <a:rPr lang="en-US"/>
+              <a:t>Click to edit Master title style</a:t>
+            </a:r>
+            <a:endParaRPr lang="en-US" dirty="0"/>
+          </a:p>
+        </p:txBody>
+      </p:sp>
+      <p:sp>
+        <p:nvSpPr>
+          <p:cNvPr id="4" name="Text Placeholder 3"/>
+          <p:cNvSpPr>
+            <a:spLocks noGrp="1"/>
+          </p:cNvSpPr>
+          <p:nvPr>
+            <p:ph type="body" sz="half" idx="2"/>
+          </p:nvPr>
+        </p:nvSpPr>
+        <p:spPr>
+          <a:xfrm>
+            <a:off x="913784" y="4650556"/>
+            <a:ext cx="10352199" cy="1140644"/>
+          </a:xfrm>
+        </p:spPr>
+        <p:txBody>
+          <a:bodyPr anchor="t"/>
+          <a:lstStyle>
+            <a:lvl1pPr marL="0" indent="0" algn="ctr">
+              <a:buNone/>
+              <a:defRPr sz="1600"/>
+            </a:lvl1pPr>
+            <a:lvl2pPr marL="457200" indent="0">
+              <a:buNone/>
+              <a:defRPr sz="1400"/>
+            </a:lvl2pPr>
+            <a:lvl3pPr marL="914400" indent="0">
+              <a:buNone/>
+              <a:defRPr sz="1200"/>
+            </a:lvl3pPr>
+            <a:lvl4pPr marL="1371600" indent="0">
+              <a:buNone/>
+              <a:defRPr sz="1000"/>
+            </a:lvl4pPr>
+            <a:lvl5pPr marL="1828800" indent="0">
+              <a:buNone/>
+              <a:defRPr sz="1000"/>
+            </a:lvl5pPr>
+            <a:lvl6pPr marL="2286000" indent="0">
+              <a:buNone/>
+              <a:defRPr sz="1000"/>
+            </a:lvl6pPr>
+            <a:lvl7pPr marL="2743200" indent="0">
+              <a:buNone/>
+              <a:defRPr sz="1000"/>
+            </a:lvl7pPr>
+            <a:lvl8pPr marL="3200400" indent="0">
+              <a:buNone/>
+              <a:defRPr sz="1000"/>
+            </a:lvl8pPr>
+            <a:lvl9pPr marL="3657600" indent="0">
+              <a:buNone/>
+              <a:defRPr sz="1000"/>
+            </a:lvl9pPr>
+          </a:lstStyle>
+          <a:p>
+            <a:pPr lvl="0"/>
+            <a:r>
+              <a:rPr lang="en-US"/>
+              <a:t>Click to edit Master text styles</a:t>
+            </a:r>
+          </a:p>
+        </p:txBody>
+      </p:sp>
+      <p:sp>
+        <p:nvSpPr>
+          <p:cNvPr id="5" name="Date Placeholder 4"/>
+          <p:cNvSpPr>
+            <a:spLocks noGrp="1"/>
+          </p:cNvSpPr>
+          <p:nvPr>
+            <p:ph type="dt" sz="half" idx="10"/>
+          </p:nvPr>
+        </p:nvSpPr>
+        <p:spPr/>
+        <p:txBody>
+          <a:bodyPr/>
+          <a:lstStyle/>
+          <a:p>
+            <a:fld id="{2C1C4E54-FC0F-46DC-9CC8-DAD5290F7686}" type="datetimeFigureOut">
+              <a:rPr lang="en-US" smtClean="0"/>
+              <a:t>1/17/2020</a:t>
+            </a:fld>
+            <a:endParaRPr lang="en-US"/>
+          </a:p>
+        </p:txBody>
+      </p:sp>
+      <p:sp>
+        <p:nvSpPr>
+          <p:cNvPr id="6" name="Footer Placeholder 5"/>
+          <p:cNvSpPr>
+            <a:spLocks noGrp="1"/>
+          </p:cNvSpPr>
+          <p:nvPr>
+            <p:ph type="ftr" sz="quarter" idx="11"/>
+          </p:nvPr>
+        </p:nvSpPr>
+        <p:spPr/>
+        <p:txBody>
+          <a:bodyPr/>
+          <a:lstStyle/>
+          <a:p>
+            <a:endParaRPr lang="en-US"/>
+          </a:p>
+        </p:txBody>
+      </p:sp>
+      <p:sp>
+        <p:nvSpPr>
+          <p:cNvPr id="7" name="Slide Number Placeholder 6"/>
+          <p:cNvSpPr>
+            <a:spLocks noGrp="1"/>
+          </p:cNvSpPr>
+          <p:nvPr>
+            <p:ph type="sldNum" sz="quarter" idx="12"/>
+          </p:nvPr>
+        </p:nvSpPr>
+        <p:spPr/>
+        <p:txBody>
+          <a:bodyPr/>
+          <a:lstStyle/>
+          <a:p>
+            <a:fld id="{84A480BB-84D4-480D-A09D-BC5078C51330}" type="slidenum">
+              <a:rPr lang="en-US" smtClean="0"/>
+              <a:t>‹#›</a:t>
+            </a:fld>
+            <a:endParaRPr lang="en-US"/>
+          </a:p>
+        </p:txBody>
+      </p:sp>
+    </p:spTree>
+    <p:extLst>
+      <p:ext uri="{BB962C8B-B14F-4D97-AF65-F5344CB8AC3E}">
+        <p14:creationId xmlns:p14="http://schemas.microsoft.com/office/powerpoint/2010/main" val="2893470327"/>
+      </p:ext>
+    </p:extLst>
+  </p:cSld>
+  <p:clrMapOvr>
+    <a:masterClrMapping/>
+  </p:clrMapOvr>
+</p:sldLayout>
+</file>
+
+<file path=ppt/slideLayouts/slideLayout14.xml><?xml version="1.0" encoding="utf-8"?>
+<p:sldLayout xmlns:a="http://schemas.openxmlformats.org/drawingml/2006/main" xmlns:r="http://schemas.openxmlformats.org/officeDocument/2006/relationships" xmlns:p="http://schemas.openxmlformats.org/presentationml/2006/main" preserve="1">
+  <p:cSld name="3 Column">
+    <p:spTree>
+      <p:nvGrpSpPr>
+        <p:cNvPr id="1" name=""/>
+        <p:cNvGrpSpPr/>
+        <p:nvPr/>
+      </p:nvGrpSpPr>
+      <p:grpSpPr>
+        <a:xfrm>
+          <a:off x="0" y="0"/>
+          <a:ext cx="0" cy="0"/>
+          <a:chOff x="0" y="0"/>
+          <a:chExt cx="0" cy="0"/>
+        </a:xfrm>
+      </p:grpSpPr>
+      <p:sp>
+        <p:nvSpPr>
+          <p:cNvPr id="15" name="Title 1"/>
+          <p:cNvSpPr>
+            <a:spLocks noGrp="1"/>
+          </p:cNvSpPr>
+          <p:nvPr>
+            <p:ph type="title"/>
+          </p:nvPr>
+        </p:nvSpPr>
+        <p:spPr>
+          <a:xfrm>
+            <a:off x="913795" y="609600"/>
+            <a:ext cx="10353762" cy="970450"/>
+          </a:xfrm>
+        </p:spPr>
+        <p:txBody>
+          <a:bodyPr/>
+          <a:lstStyle/>
+          <a:p>
+            <a:r>
+              <a:rPr lang="en-US"/>
+              <a:t>Click to edit Master title style</a:t>
+            </a:r>
+            <a:endParaRPr lang="en-US" dirty="0"/>
+          </a:p>
+        </p:txBody>
+      </p:sp>
+      <p:sp>
+        <p:nvSpPr>
+          <p:cNvPr id="7" name="Text Placeholder 2"/>
+          <p:cNvSpPr>
+            <a:spLocks noGrp="1"/>
+          </p:cNvSpPr>
+          <p:nvPr>
+            <p:ph type="body" idx="1"/>
+          </p:nvPr>
+        </p:nvSpPr>
+        <p:spPr>
+          <a:xfrm>
+            <a:off x="913795" y="1885950"/>
+            <a:ext cx="3300984" cy="576262"/>
+          </a:xfrm>
+        </p:spPr>
+        <p:txBody>
+          <a:bodyPr anchor="b">
+            <a:noAutofit/>
+          </a:bodyPr>
+          <a:lstStyle>
+            <a:lvl1pPr marL="0" indent="0" algn="ctr">
+              <a:buNone/>
+              <a:defRPr sz="2400" b="0">
+                <a:solidFill>
+                  <a:schemeClr val="tx1"/>
+                </a:solidFill>
+              </a:defRPr>
+            </a:lvl1pPr>
+            <a:lvl2pPr marL="457200" indent="0">
+              <a:buNone/>
+              <a:defRPr sz="2000" b="1"/>
+            </a:lvl2pPr>
+            <a:lvl3pPr marL="914400" indent="0">
+              <a:buNone/>
+              <a:defRPr sz="1800" b="1"/>
+            </a:lvl3pPr>
+            <a:lvl4pPr marL="1371600" indent="0">
+              <a:buNone/>
+              <a:defRPr sz="1600" b="1"/>
+            </a:lvl4pPr>
+            <a:lvl5pPr marL="1828800" indent="0">
+              <a:buNone/>
+              <a:defRPr sz="1600" b="1"/>
+            </a:lvl5pPr>
+            <a:lvl6pPr marL="2286000" indent="0">
+              <a:buNone/>
+              <a:defRPr sz="1600" b="1"/>
+            </a:lvl6pPr>
+            <a:lvl7pPr marL="2743200" indent="0">
+              <a:buNone/>
+              <a:defRPr sz="1600" b="1"/>
+            </a:lvl7pPr>
+            <a:lvl8pPr marL="3200400" indent="0">
+              <a:buNone/>
+              <a:defRPr sz="1600" b="1"/>
+            </a:lvl8pPr>
+            <a:lvl9pPr marL="3657600" indent="0">
+              <a:buNone/>
+              <a:defRPr sz="1600" b="1"/>
+            </a:lvl9pPr>
+          </a:lstStyle>
+          <a:p>
+            <a:pPr lvl="0"/>
+            <a:r>
+              <a:rPr lang="en-US"/>
+              <a:t>Click to edit Master text styles</a:t>
+            </a:r>
+          </a:p>
+        </p:txBody>
+      </p:sp>
+      <p:sp>
+        <p:nvSpPr>
+          <p:cNvPr id="8" name="Text Placeholder 3"/>
+          <p:cNvSpPr>
+            <a:spLocks noGrp="1"/>
+          </p:cNvSpPr>
+          <p:nvPr>
+            <p:ph type="body" sz="half" idx="15"/>
+          </p:nvPr>
+        </p:nvSpPr>
+        <p:spPr>
+          <a:xfrm>
+            <a:off x="913795" y="2571750"/>
+            <a:ext cx="3300984" cy="3219450"/>
+          </a:xfrm>
+        </p:spPr>
+        <p:txBody>
+          <a:bodyPr anchor="t">
+            <a:normAutofit/>
+          </a:bodyPr>
+          <a:lstStyle>
+            <a:lvl1pPr marL="0" indent="0" algn="ctr">
+              <a:buNone/>
+              <a:defRPr sz="1400"/>
+            </a:lvl1pPr>
+            <a:lvl2pPr marL="457200" indent="0">
+              <a:buNone/>
+              <a:defRPr sz="1200"/>
+            </a:lvl2pPr>
+            <a:lvl3pPr marL="914400" indent="0">
+              <a:buNone/>
+              <a:defRPr sz="1000"/>
+            </a:lvl3pPr>
+            <a:lvl4pPr marL="1371600" indent="0">
+              <a:buNone/>
+              <a:defRPr sz="900"/>
+            </a:lvl4pPr>
+            <a:lvl5pPr marL="1828800" indent="0">
+              <a:buNone/>
+              <a:defRPr sz="900"/>
+            </a:lvl5pPr>
+            <a:lvl6pPr marL="2286000" indent="0">
+              <a:buNone/>
+              <a:defRPr sz="900"/>
+            </a:lvl6pPr>
+            <a:lvl7pPr marL="2743200" indent="0">
+              <a:buNone/>
+              <a:defRPr sz="900"/>
+            </a:lvl7pPr>
+            <a:lvl8pPr marL="3200400" indent="0">
+              <a:buNone/>
+              <a:defRPr sz="900"/>
+            </a:lvl8pPr>
+            <a:lvl9pPr marL="3657600" indent="0">
+              <a:buNone/>
+              <a:defRPr sz="900"/>
+            </a:lvl9pPr>
+          </a:lstStyle>
+          <a:p>
+            <a:pPr lvl="0"/>
+            <a:r>
+              <a:rPr lang="en-US"/>
+              <a:t>Click to edit Master text styles</a:t>
+            </a:r>
+          </a:p>
+        </p:txBody>
+      </p:sp>
+      <p:sp>
+        <p:nvSpPr>
+          <p:cNvPr id="9" name="Text Placeholder 4"/>
+          <p:cNvSpPr>
+            <a:spLocks noGrp="1"/>
+          </p:cNvSpPr>
+          <p:nvPr>
+            <p:ph type="body" sz="quarter" idx="3"/>
+          </p:nvPr>
+        </p:nvSpPr>
+        <p:spPr>
+          <a:xfrm>
+            <a:off x="4446711" y="1885950"/>
+            <a:ext cx="3300984" cy="576262"/>
+          </a:xfrm>
+        </p:spPr>
+        <p:txBody>
+          <a:bodyPr anchor="b">
+            <a:noAutofit/>
+          </a:bodyPr>
+          <a:lstStyle>
+            <a:lvl1pPr marL="0" indent="0" algn="ctr">
+              <a:buNone/>
+              <a:defRPr sz="2400" b="0">
+                <a:solidFill>
+                  <a:schemeClr val="tx1"/>
+                </a:solidFill>
+              </a:defRPr>
+            </a:lvl1pPr>
+            <a:lvl2pPr marL="457200" indent="0">
+              <a:buNone/>
+              <a:defRPr sz="2000" b="1"/>
+            </a:lvl2pPr>
+            <a:lvl3pPr marL="914400" indent="0">
+              <a:buNone/>
+              <a:defRPr sz="1800" b="1"/>
+            </a:lvl3pPr>
+            <a:lvl4pPr marL="1371600" indent="0">
+              <a:buNone/>
+              <a:defRPr sz="1600" b="1"/>
+            </a:lvl4pPr>
+            <a:lvl5pPr marL="1828800" indent="0">
+              <a:buNone/>
+              <a:defRPr sz="1600" b="1"/>
+            </a:lvl5pPr>
+            <a:lvl6pPr marL="2286000" indent="0">
+              <a:buNone/>
+              <a:defRPr sz="1600" b="1"/>
+            </a:lvl6pPr>
+            <a:lvl7pPr marL="2743200" indent="0">
+              <a:buNone/>
+              <a:defRPr sz="1600" b="1"/>
+            </a:lvl7pPr>
+            <a:lvl8pPr marL="3200400" indent="0">
+              <a:buNone/>
+              <a:defRPr sz="1600" b="1"/>
+            </a:lvl8pPr>
+            <a:lvl9pPr marL="3657600" indent="0">
+              <a:buNone/>
+              <a:defRPr sz="1600" b="1"/>
+            </a:lvl9pPr>
+          </a:lstStyle>
+          <a:p>
+            <a:pPr lvl="0"/>
+            <a:r>
+              <a:rPr lang="en-US"/>
+              <a:t>Click to edit Master text styles</a:t>
+            </a:r>
+          </a:p>
+        </p:txBody>
+      </p:sp>
+      <p:sp>
+        <p:nvSpPr>
+          <p:cNvPr id="10" name="Text Placeholder 3"/>
+          <p:cNvSpPr>
+            <a:spLocks noGrp="1"/>
+          </p:cNvSpPr>
+          <p:nvPr>
+            <p:ph type="body" sz="half" idx="16"/>
+          </p:nvPr>
+        </p:nvSpPr>
+        <p:spPr>
+          <a:xfrm>
+            <a:off x="4441435" y="2571750"/>
+            <a:ext cx="3300984" cy="3219450"/>
+          </a:xfrm>
+        </p:spPr>
+        <p:txBody>
+          <a:bodyPr anchor="t">
+            <a:normAutofit/>
+          </a:bodyPr>
+          <a:lstStyle>
+            <a:lvl1pPr marL="0" indent="0" algn="ctr">
+              <a:buNone/>
+              <a:defRPr sz="1400"/>
+            </a:lvl1pPr>
+            <a:lvl2pPr marL="457200" indent="0">
+              <a:buNone/>
+              <a:defRPr sz="1200"/>
+            </a:lvl2pPr>
+            <a:lvl3pPr marL="914400" indent="0">
+              <a:buNone/>
+              <a:defRPr sz="1000"/>
+            </a:lvl3pPr>
+            <a:lvl4pPr marL="1371600" indent="0">
+              <a:buNone/>
+              <a:defRPr sz="900"/>
+            </a:lvl4pPr>
+            <a:lvl5pPr marL="1828800" indent="0">
+              <a:buNone/>
+              <a:defRPr sz="900"/>
+            </a:lvl5pPr>
+            <a:lvl6pPr marL="2286000" indent="0">
+              <a:buNone/>
+              <a:defRPr sz="900"/>
+            </a:lvl6pPr>
+            <a:lvl7pPr marL="2743200" indent="0">
+              <a:buNone/>
+              <a:defRPr sz="900"/>
+            </a:lvl7pPr>
+            <a:lvl8pPr marL="3200400" indent="0">
+              <a:buNone/>
+              <a:defRPr sz="900"/>
+            </a:lvl8pPr>
+            <a:lvl9pPr marL="3657600" indent="0">
+              <a:buNone/>
+              <a:defRPr sz="900"/>
+            </a:lvl9pPr>
+          </a:lstStyle>
+          <a:p>
+            <a:pPr lvl="0"/>
+            <a:r>
+              <a:rPr lang="en-US"/>
+              <a:t>Click to edit Master text styles</a:t>
+            </a:r>
+          </a:p>
+        </p:txBody>
+      </p:sp>
+      <p:sp>
+        <p:nvSpPr>
+          <p:cNvPr id="11" name="Text Placeholder 4"/>
+          <p:cNvSpPr>
+            <a:spLocks noGrp="1"/>
+          </p:cNvSpPr>
+          <p:nvPr>
+            <p:ph type="body" sz="quarter" idx="13"/>
+          </p:nvPr>
+        </p:nvSpPr>
+        <p:spPr>
+          <a:xfrm>
+            <a:off x="7966572" y="1885950"/>
+            <a:ext cx="3300984" cy="576262"/>
+          </a:xfrm>
+        </p:spPr>
+        <p:txBody>
+          <a:bodyPr anchor="b">
+            <a:noAutofit/>
+          </a:bodyPr>
+          <a:lstStyle>
+            <a:lvl1pPr marL="0" indent="0" algn="ctr">
+              <a:buNone/>
+              <a:defRPr sz="2400" b="0">
+                <a:solidFill>
+                  <a:schemeClr val="tx1"/>
+                </a:solidFill>
+              </a:defRPr>
+            </a:lvl1pPr>
+            <a:lvl2pPr marL="457200" indent="0">
+              <a:buNone/>
+              <a:defRPr sz="2000" b="1"/>
+            </a:lvl2pPr>
+            <a:lvl3pPr marL="914400" indent="0">
+              <a:buNone/>
+              <a:defRPr sz="1800" b="1"/>
+            </a:lvl3pPr>
+            <a:lvl4pPr marL="1371600" indent="0">
+              <a:buNone/>
+              <a:defRPr sz="1600" b="1"/>
+            </a:lvl4pPr>
+            <a:lvl5pPr marL="1828800" indent="0">
+              <a:buNone/>
+              <a:defRPr sz="1600" b="1"/>
+            </a:lvl5pPr>
+            <a:lvl6pPr marL="2286000" indent="0">
+              <a:buNone/>
+              <a:defRPr sz="1600" b="1"/>
+            </a:lvl6pPr>
+            <a:lvl7pPr marL="2743200" indent="0">
+              <a:buNone/>
+              <a:defRPr sz="1600" b="1"/>
+            </a:lvl7pPr>
+            <a:lvl8pPr marL="3200400" indent="0">
+              <a:buNone/>
+              <a:defRPr sz="1600" b="1"/>
+            </a:lvl8pPr>
+            <a:lvl9pPr marL="3657600" indent="0">
+              <a:buNone/>
+              <a:defRPr sz="1600" b="1"/>
+            </a:lvl9pPr>
+          </a:lstStyle>
+          <a:p>
+            <a:pPr lvl="0"/>
+            <a:r>
+              <a:rPr lang="en-US"/>
+              <a:t>Click to edit Master text styles</a:t>
+            </a:r>
+          </a:p>
+        </p:txBody>
+      </p:sp>
+      <p:sp>
+        <p:nvSpPr>
+          <p:cNvPr id="12" name="Text Placeholder 3"/>
+          <p:cNvSpPr>
+            <a:spLocks noGrp="1"/>
+          </p:cNvSpPr>
+          <p:nvPr>
+            <p:ph type="body" sz="half" idx="17"/>
+          </p:nvPr>
+        </p:nvSpPr>
+        <p:spPr>
+          <a:xfrm>
+            <a:off x="7966572" y="2571750"/>
+            <a:ext cx="3300984" cy="3219450"/>
+          </a:xfrm>
+        </p:spPr>
+        <p:txBody>
+          <a:bodyPr anchor="t">
+            <a:normAutofit/>
+          </a:bodyPr>
+          <a:lstStyle>
+            <a:lvl1pPr marL="0" indent="0" algn="ctr">
+              <a:buNone/>
+              <a:defRPr sz="1400"/>
+            </a:lvl1pPr>
+            <a:lvl2pPr marL="457200" indent="0">
+              <a:buNone/>
+              <a:defRPr sz="1200"/>
+            </a:lvl2pPr>
+            <a:lvl3pPr marL="914400" indent="0">
+              <a:buNone/>
+              <a:defRPr sz="1000"/>
+            </a:lvl3pPr>
+            <a:lvl4pPr marL="1371600" indent="0">
+              <a:buNone/>
+              <a:defRPr sz="900"/>
+            </a:lvl4pPr>
+            <a:lvl5pPr marL="1828800" indent="0">
+              <a:buNone/>
+              <a:defRPr sz="900"/>
+            </a:lvl5pPr>
+            <a:lvl6pPr marL="2286000" indent="0">
+              <a:buNone/>
+              <a:defRPr sz="900"/>
+            </a:lvl6pPr>
+            <a:lvl7pPr marL="2743200" indent="0">
+              <a:buNone/>
+              <a:defRPr sz="900"/>
+            </a:lvl7pPr>
+            <a:lvl8pPr marL="3200400" indent="0">
+              <a:buNone/>
+              <a:defRPr sz="900"/>
+            </a:lvl8pPr>
+            <a:lvl9pPr marL="3657600" indent="0">
+              <a:buNone/>
+              <a:defRPr sz="900"/>
+            </a:lvl9pPr>
+          </a:lstStyle>
+          <a:p>
+            <a:pPr lvl="0"/>
+            <a:r>
+              <a:rPr lang="en-US"/>
+              <a:t>Click to edit Master text styles</a:t>
+            </a:r>
+          </a:p>
+        </p:txBody>
+      </p:sp>
+      <p:sp>
+        <p:nvSpPr>
+          <p:cNvPr id="3" name="Date Placeholder 2"/>
+          <p:cNvSpPr>
+            <a:spLocks noGrp="1"/>
+          </p:cNvSpPr>
+          <p:nvPr>
+            <p:ph type="dt" sz="half" idx="10"/>
+          </p:nvPr>
+        </p:nvSpPr>
+        <p:spPr/>
+        <p:txBody>
+          <a:bodyPr/>
+          <a:lstStyle/>
+          <a:p>
+            <a:fld id="{2C1C4E54-FC0F-46DC-9CC8-DAD5290F7686}" type="datetimeFigureOut">
+              <a:rPr lang="en-US" smtClean="0"/>
+              <a:t>1/17/2020</a:t>
+            </a:fld>
+            <a:endParaRPr lang="en-US"/>
+          </a:p>
+        </p:txBody>
+      </p:sp>
+      <p:sp>
+        <p:nvSpPr>
+          <p:cNvPr id="4" name="Footer Placeholder 3"/>
+          <p:cNvSpPr>
+            <a:spLocks noGrp="1"/>
+          </p:cNvSpPr>
+          <p:nvPr>
+            <p:ph type="ftr" sz="quarter" idx="11"/>
+          </p:nvPr>
+        </p:nvSpPr>
+        <p:spPr/>
+        <p:txBody>
+          <a:bodyPr/>
+          <a:lstStyle/>
+          <a:p>
+            <a:endParaRPr lang="en-US"/>
+          </a:p>
+        </p:txBody>
+      </p:sp>
+      <p:sp>
+        <p:nvSpPr>
+          <p:cNvPr id="5" name="Slide Number Placeholder 4"/>
+          <p:cNvSpPr>
+            <a:spLocks noGrp="1"/>
+          </p:cNvSpPr>
+          <p:nvPr>
+            <p:ph type="sldNum" sz="quarter" idx="12"/>
+          </p:nvPr>
+        </p:nvSpPr>
+        <p:spPr/>
+        <p:txBody>
+          <a:bodyPr/>
+          <a:lstStyle/>
+          <a:p>
+            <a:fld id="{84A480BB-84D4-480D-A09D-BC5078C51330}" type="slidenum">
+              <a:rPr lang="en-US" smtClean="0"/>
+              <a:t>‹#›</a:t>
+            </a:fld>
+            <a:endParaRPr lang="en-US"/>
+          </a:p>
+        </p:txBody>
+      </p:sp>
+    </p:spTree>
+    <p:extLst>
+      <p:ext uri="{BB962C8B-B14F-4D97-AF65-F5344CB8AC3E}">
+        <p14:creationId xmlns:p14="http://schemas.microsoft.com/office/powerpoint/2010/main" val="4019837510"/>
+      </p:ext>
+    </p:extLst>
+  </p:cSld>
+  <p:clrMapOvr>
+    <a:masterClrMapping/>
+  </p:clrMapOvr>
+</p:sldLayout>
+</file>
+
+<file path=ppt/slideLayouts/slideLayout15.xml><?xml version="1.0" encoding="utf-8"?>
+<p:sldLayout xmlns:a="http://schemas.openxmlformats.org/drawingml/2006/main" xmlns:r="http://schemas.openxmlformats.org/officeDocument/2006/relationships" xmlns:p="http://schemas.openxmlformats.org/presentationml/2006/main" preserve="1">
+  <p:cSld name="3 Picture Column">
+    <p:spTree>
+      <p:nvGrpSpPr>
+        <p:cNvPr id="1" name=""/>
+        <p:cNvGrpSpPr/>
+        <p:nvPr/>
+      </p:nvGrpSpPr>
+      <p:grpSpPr>
+        <a:xfrm>
+          <a:off x="0" y="0"/>
+          <a:ext cx="0" cy="0"/>
+          <a:chOff x="0" y="0"/>
+          <a:chExt cx="0" cy="0"/>
+        </a:xfrm>
+      </p:grpSpPr>
+      <p:pic>
+        <p:nvPicPr>
+          <p:cNvPr id="2" name="Picture 1" descr="Slate-V2-HD-3colPhotoInset.png"/>
+          <p:cNvPicPr>
+            <a:picLocks noChangeAspect="1"/>
+          </p:cNvPicPr>
+          <p:nvPr/>
+        </p:nvPicPr>
+        <p:blipFill>
+          <a:blip r:embed="rId2">
+            <a:extLst>
+              <a:ext uri="{28A0092B-C50C-407E-A947-70E740481C1C}">
+                <a14:useLocalDpi xmlns:a14="http://schemas.microsoft.com/office/drawing/2010/main" val="0"/>
+              </a:ext>
+            </a:extLst>
+          </a:blip>
+          <a:stretch>
+            <a:fillRect/>
+          </a:stretch>
+        </p:blipFill>
+        <p:spPr>
+          <a:xfrm>
+            <a:off x="897962" y="1818214"/>
+            <a:ext cx="3339972" cy="1847851"/>
+          </a:xfrm>
+          <a:prstGeom prst="rect">
+            <a:avLst/>
+          </a:prstGeom>
+        </p:spPr>
+      </p:pic>
+      <p:pic>
+        <p:nvPicPr>
+          <p:cNvPr id="36" name="Picture 35" descr="Slate-V2-HD-3colPhotoInset.png"/>
+          <p:cNvPicPr>
+            <a:picLocks noChangeAspect="1"/>
+          </p:cNvPicPr>
+          <p:nvPr/>
+        </p:nvPicPr>
+        <p:blipFill>
+          <a:blip r:embed="rId2">
+            <a:extLst>
+              <a:ext uri="{28A0092B-C50C-407E-A947-70E740481C1C}">
+                <a14:useLocalDpi xmlns:a14="http://schemas.microsoft.com/office/drawing/2010/main" val="0"/>
+              </a:ext>
+            </a:extLst>
+          </a:blip>
+          <a:stretch>
+            <a:fillRect/>
+          </a:stretch>
+        </p:blipFill>
+        <p:spPr>
+          <a:xfrm>
+            <a:off x="4403800" y="1818214"/>
+            <a:ext cx="3339972" cy="1847851"/>
+          </a:xfrm>
+          <a:prstGeom prst="rect">
+            <a:avLst/>
+          </a:prstGeom>
+        </p:spPr>
+      </p:pic>
+      <p:pic>
+        <p:nvPicPr>
+          <p:cNvPr id="37" name="Picture 36" descr="Slate-V2-HD-3colPhotoInset.png"/>
+          <p:cNvPicPr>
+            <a:picLocks noChangeAspect="1"/>
+          </p:cNvPicPr>
+          <p:nvPr/>
+        </p:nvPicPr>
+        <p:blipFill>
+          <a:blip r:embed="rId2">
+            <a:extLst>
+              <a:ext uri="{28A0092B-C50C-407E-A947-70E740481C1C}">
+                <a14:useLocalDpi xmlns:a14="http://schemas.microsoft.com/office/drawing/2010/main" val="0"/>
+              </a:ext>
+            </a:extLst>
+          </a:blip>
+          <a:stretch>
+            <a:fillRect/>
+          </a:stretch>
+        </p:blipFill>
+        <p:spPr>
+          <a:xfrm>
+            <a:off x="7936051" y="1818214"/>
+            <a:ext cx="3339972" cy="1847851"/>
+          </a:xfrm>
+          <a:prstGeom prst="rect">
+            <a:avLst/>
+          </a:prstGeom>
+        </p:spPr>
+      </p:pic>
+      <p:sp>
+        <p:nvSpPr>
+          <p:cNvPr id="30" name="Title 1"/>
+          <p:cNvSpPr>
+            <a:spLocks noGrp="1"/>
+          </p:cNvSpPr>
+          <p:nvPr>
+            <p:ph type="title"/>
+          </p:nvPr>
+        </p:nvSpPr>
+        <p:spPr>
+          <a:xfrm>
+            <a:off x="913794" y="609600"/>
+            <a:ext cx="10353763" cy="970450"/>
+          </a:xfrm>
+        </p:spPr>
+        <p:txBody>
+          <a:bodyPr/>
+          <a:lstStyle/>
+          <a:p>
+            <a:r>
+              <a:rPr lang="en-US"/>
+              <a:t>Click to edit Master title style</a:t>
+            </a:r>
+            <a:endParaRPr lang="en-US" dirty="0"/>
+          </a:p>
+        </p:txBody>
+      </p:sp>
+      <p:sp>
+        <p:nvSpPr>
+          <p:cNvPr id="19" name="Text Placeholder 2"/>
+          <p:cNvSpPr>
+            <a:spLocks noGrp="1"/>
+          </p:cNvSpPr>
+          <p:nvPr>
+            <p:ph type="body" idx="1"/>
+          </p:nvPr>
+        </p:nvSpPr>
+        <p:spPr>
+          <a:xfrm>
+            <a:off x="913795" y="3904106"/>
+            <a:ext cx="3300984" cy="576262"/>
+          </a:xfrm>
+        </p:spPr>
+        <p:txBody>
+          <a:bodyPr anchor="b">
+            <a:noAutofit/>
+          </a:bodyPr>
+          <a:lstStyle>
+            <a:lvl1pPr marL="0" indent="0" algn="ctr">
+              <a:buNone/>
+              <a:defRPr sz="2000" b="0">
+                <a:solidFill>
+                  <a:schemeClr val="tx1"/>
+                </a:solidFill>
+              </a:defRPr>
+            </a:lvl1pPr>
+            <a:lvl2pPr marL="457200" indent="0">
+              <a:buNone/>
+              <a:defRPr sz="2000" b="1"/>
+            </a:lvl2pPr>
+            <a:lvl3pPr marL="914400" indent="0">
+              <a:buNone/>
+              <a:defRPr sz="1800" b="1"/>
+            </a:lvl3pPr>
+            <a:lvl4pPr marL="1371600" indent="0">
+              <a:buNone/>
+              <a:defRPr sz="1600" b="1"/>
+            </a:lvl4pPr>
+            <a:lvl5pPr marL="1828800" indent="0">
+              <a:buNone/>
+              <a:defRPr sz="1600" b="1"/>
+            </a:lvl5pPr>
+            <a:lvl6pPr marL="2286000" indent="0">
+              <a:buNone/>
+              <a:defRPr sz="1600" b="1"/>
+            </a:lvl6pPr>
+            <a:lvl7pPr marL="2743200" indent="0">
+              <a:buNone/>
+              <a:defRPr sz="1600" b="1"/>
+            </a:lvl7pPr>
+            <a:lvl8pPr marL="3200400" indent="0">
+              <a:buNone/>
+              <a:defRPr sz="1600" b="1"/>
+            </a:lvl8pPr>
+            <a:lvl9pPr marL="3657600" indent="0">
+              <a:buNone/>
+              <a:defRPr sz="1600" b="1"/>
+            </a:lvl9pPr>
+          </a:lstStyle>
+          <a:p>
+            <a:pPr lvl="0"/>
+            <a:r>
+              <a:rPr lang="en-US"/>
+              <a:t>Click to edit Master text styles</a:t>
+            </a:r>
+          </a:p>
+        </p:txBody>
+      </p:sp>
+      <p:sp>
+        <p:nvSpPr>
+          <p:cNvPr id="20" name="Picture Placeholder 2"/>
+          <p:cNvSpPr>
+            <a:spLocks noGrp="1" noChangeAspect="1"/>
+          </p:cNvSpPr>
+          <p:nvPr>
+            <p:ph type="pic" idx="15"/>
+          </p:nvPr>
+        </p:nvSpPr>
+        <p:spPr>
+          <a:xfrm>
+            <a:off x="1018102" y="1938918"/>
+            <a:ext cx="3092368" cy="1602954"/>
+          </a:xfrm>
+          <a:prstGeom prst="roundRect">
+            <a:avLst>
+              <a:gd name="adj" fmla="val 1858"/>
+            </a:avLst>
+          </a:prstGeom>
+          <a:effectLst>
+            <a:outerShdw blurRad="38100" dist="25400" dir="4440000">
+              <a:srgbClr val="000000">
+                <a:alpha val="36000"/>
+              </a:srgbClr>
+            </a:outerShdw>
+          </a:effectLst>
+        </p:spPr>
+        <p:txBody>
+          <a:bodyPr anchor="t">
+            <a:normAutofit/>
+          </a:bodyPr>
+          <a:lstStyle>
+            <a:lvl1pPr marL="0" indent="0" algn="ctr">
+              <a:buNone/>
+              <a:defRPr sz="1600"/>
+            </a:lvl1pPr>
+            <a:lvl2pPr marL="457200" indent="0">
+              <a:buNone/>
+              <a:defRPr sz="1600"/>
+            </a:lvl2pPr>
+            <a:lvl3pPr marL="914400" indent="0">
+              <a:buNone/>
+              <a:defRPr sz="1600"/>
+            </a:lvl3pPr>
+            <a:lvl4pPr marL="1371600" indent="0">
+              <a:buNone/>
+              <a:defRPr sz="1600"/>
+            </a:lvl4pPr>
+            <a:lvl5pPr marL="1828800" indent="0">
+              <a:buNone/>
+              <a:defRPr sz="1600"/>
+            </a:lvl5pPr>
+            <a:lvl6pPr marL="2286000" indent="0">
+              <a:buNone/>
+              <a:defRPr sz="1600"/>
+            </a:lvl6pPr>
+            <a:lvl7pPr marL="2743200" indent="0">
+              <a:buNone/>
+              <a:defRPr sz="1600"/>
+            </a:lvl7pPr>
+            <a:lvl8pPr marL="3200400" indent="0">
+              <a:buNone/>
+              <a:defRPr sz="1600"/>
+            </a:lvl8pPr>
+            <a:lvl9pPr marL="3657600" indent="0">
+              <a:buNone/>
+              <a:defRPr sz="1600"/>
+            </a:lvl9pPr>
+          </a:lstStyle>
+          <a:p>
+            <a:r>
+              <a:rPr lang="en-US"/>
+              <a:t>Click icon to add picture</a:t>
+            </a:r>
+            <a:endParaRPr lang="en-US" dirty="0"/>
+          </a:p>
+        </p:txBody>
+      </p:sp>
+      <p:sp>
+        <p:nvSpPr>
+          <p:cNvPr id="21" name="Text Placeholder 3"/>
+          <p:cNvSpPr>
+            <a:spLocks noGrp="1"/>
+          </p:cNvSpPr>
+          <p:nvPr>
+            <p:ph type="body" sz="half" idx="18"/>
+          </p:nvPr>
+        </p:nvSpPr>
+        <p:spPr>
+          <a:xfrm>
+            <a:off x="913795" y="4480368"/>
+            <a:ext cx="3300984" cy="1310833"/>
+          </a:xfrm>
+        </p:spPr>
+        <p:txBody>
+          <a:bodyPr anchor="t">
+            <a:normAutofit/>
+          </a:bodyPr>
+          <a:lstStyle>
+            <a:lvl1pPr marL="0" indent="0" algn="ctr">
+              <a:buNone/>
+              <a:defRPr sz="1400"/>
+            </a:lvl1pPr>
+            <a:lvl2pPr marL="457200" indent="0">
+              <a:buNone/>
+              <a:defRPr sz="1200"/>
+            </a:lvl2pPr>
+            <a:lvl3pPr marL="914400" indent="0">
+              <a:buNone/>
+              <a:defRPr sz="1000"/>
+            </a:lvl3pPr>
+            <a:lvl4pPr marL="1371600" indent="0">
+              <a:buNone/>
+              <a:defRPr sz="900"/>
+            </a:lvl4pPr>
+            <a:lvl5pPr marL="1828800" indent="0">
+              <a:buNone/>
+              <a:defRPr sz="900"/>
+            </a:lvl5pPr>
+            <a:lvl6pPr marL="2286000" indent="0">
+              <a:buNone/>
+              <a:defRPr sz="900"/>
+            </a:lvl6pPr>
+            <a:lvl7pPr marL="2743200" indent="0">
+              <a:buNone/>
+              <a:defRPr sz="900"/>
+            </a:lvl7pPr>
+            <a:lvl8pPr marL="3200400" indent="0">
+              <a:buNone/>
+              <a:defRPr sz="900"/>
+            </a:lvl8pPr>
+            <a:lvl9pPr marL="3657600" indent="0">
+              <a:buNone/>
+              <a:defRPr sz="900"/>
+            </a:lvl9pPr>
+          </a:lstStyle>
+          <a:p>
+            <a:pPr lvl="0"/>
+            <a:r>
+              <a:rPr lang="en-US"/>
+              <a:t>Click to edit Master text styles</a:t>
+            </a:r>
+          </a:p>
+        </p:txBody>
+      </p:sp>
+      <p:sp>
+        <p:nvSpPr>
+          <p:cNvPr id="22" name="Text Placeholder 4"/>
+          <p:cNvSpPr>
+            <a:spLocks noGrp="1"/>
+          </p:cNvSpPr>
+          <p:nvPr>
+            <p:ph type="body" sz="quarter" idx="3"/>
+          </p:nvPr>
+        </p:nvSpPr>
+        <p:spPr>
+          <a:xfrm>
+            <a:off x="4442788" y="3904106"/>
+            <a:ext cx="3300984" cy="576262"/>
+          </a:xfrm>
+        </p:spPr>
+        <p:txBody>
+          <a:bodyPr anchor="b">
+            <a:noAutofit/>
+          </a:bodyPr>
+          <a:lstStyle>
+            <a:lvl1pPr marL="0" indent="0" algn="ctr">
+              <a:buNone/>
+              <a:defRPr sz="2000" b="0">
+                <a:solidFill>
+                  <a:schemeClr val="tx1"/>
+                </a:solidFill>
+              </a:defRPr>
+            </a:lvl1pPr>
+            <a:lvl2pPr marL="457200" indent="0">
+              <a:buNone/>
+              <a:defRPr sz="2000" b="1"/>
+            </a:lvl2pPr>
+            <a:lvl3pPr marL="914400" indent="0">
+              <a:buNone/>
+              <a:defRPr sz="1800" b="1"/>
+            </a:lvl3pPr>
+            <a:lvl4pPr marL="1371600" indent="0">
+              <a:buNone/>
+              <a:defRPr sz="1600" b="1"/>
+            </a:lvl4pPr>
+            <a:lvl5pPr marL="1828800" indent="0">
+              <a:buNone/>
+              <a:defRPr sz="1600" b="1"/>
+            </a:lvl5pPr>
+            <a:lvl6pPr marL="2286000" indent="0">
+              <a:buNone/>
+              <a:defRPr sz="1600" b="1"/>
+            </a:lvl6pPr>
+            <a:lvl7pPr marL="2743200" indent="0">
+              <a:buNone/>
+              <a:defRPr sz="1600" b="1"/>
+            </a:lvl7pPr>
+            <a:lvl8pPr marL="3200400" indent="0">
+              <a:buNone/>
+              <a:defRPr sz="1600" b="1"/>
+            </a:lvl8pPr>
+            <a:lvl9pPr marL="3657600" indent="0">
+              <a:buNone/>
+              <a:defRPr sz="1600" b="1"/>
+            </a:lvl9pPr>
+          </a:lstStyle>
+          <a:p>
+            <a:pPr lvl="0"/>
+            <a:r>
+              <a:rPr lang="en-US"/>
+              <a:t>Click to edit Master text styles</a:t>
+            </a:r>
+          </a:p>
+        </p:txBody>
+      </p:sp>
+      <p:sp>
+        <p:nvSpPr>
+          <p:cNvPr id="23" name="Picture Placeholder 2"/>
+          <p:cNvSpPr>
+            <a:spLocks noGrp="1" noChangeAspect="1"/>
+          </p:cNvSpPr>
+          <p:nvPr>
+            <p:ph type="pic" idx="21"/>
+          </p:nvPr>
+        </p:nvSpPr>
+        <p:spPr>
+          <a:xfrm>
+            <a:off x="4545743" y="1939094"/>
+            <a:ext cx="3092368" cy="1608164"/>
+          </a:xfrm>
+          <a:prstGeom prst="roundRect">
+            <a:avLst>
+              <a:gd name="adj" fmla="val 1858"/>
+            </a:avLst>
+          </a:prstGeom>
+          <a:effectLst>
+            <a:outerShdw blurRad="38100" dist="25400" dir="4440000">
+              <a:srgbClr val="000000">
+                <a:alpha val="36000"/>
+              </a:srgbClr>
+            </a:outerShdw>
+          </a:effectLst>
+        </p:spPr>
+        <p:txBody>
+          <a:bodyPr anchor="t">
+            <a:normAutofit/>
+          </a:bodyPr>
+          <a:lstStyle>
+            <a:lvl1pPr marL="0" indent="0" algn="ctr">
+              <a:buNone/>
+              <a:defRPr sz="1600"/>
+            </a:lvl1pPr>
+            <a:lvl2pPr marL="457200" indent="0">
+              <a:buNone/>
+              <a:defRPr sz="1600"/>
+            </a:lvl2pPr>
+            <a:lvl3pPr marL="914400" indent="0">
+              <a:buNone/>
+              <a:defRPr sz="1600"/>
+            </a:lvl3pPr>
+            <a:lvl4pPr marL="1371600" indent="0">
+              <a:buNone/>
+              <a:defRPr sz="1600"/>
+            </a:lvl4pPr>
+            <a:lvl5pPr marL="1828800" indent="0">
+              <a:buNone/>
+              <a:defRPr sz="1600"/>
+            </a:lvl5pPr>
+            <a:lvl6pPr marL="2286000" indent="0">
+              <a:buNone/>
+              <a:defRPr sz="1600"/>
+            </a:lvl6pPr>
+            <a:lvl7pPr marL="2743200" indent="0">
+              <a:buNone/>
+              <a:defRPr sz="1600"/>
+            </a:lvl7pPr>
+            <a:lvl8pPr marL="3200400" indent="0">
+              <a:buNone/>
+              <a:defRPr sz="1600"/>
+            </a:lvl8pPr>
+            <a:lvl9pPr marL="3657600" indent="0">
+              <a:buNone/>
+              <a:defRPr sz="1600"/>
+            </a:lvl9pPr>
+          </a:lstStyle>
+          <a:p>
+            <a:r>
+              <a:rPr lang="en-US"/>
+              <a:t>Click icon to add picture</a:t>
+            </a:r>
+            <a:endParaRPr lang="en-US" dirty="0"/>
+          </a:p>
+        </p:txBody>
+      </p:sp>
+      <p:sp>
+        <p:nvSpPr>
+          <p:cNvPr id="24" name="Text Placeholder 3"/>
+          <p:cNvSpPr>
+            <a:spLocks noGrp="1"/>
+          </p:cNvSpPr>
+          <p:nvPr>
+            <p:ph type="body" sz="half" idx="19"/>
+          </p:nvPr>
+        </p:nvSpPr>
+        <p:spPr>
+          <a:xfrm>
+            <a:off x="4441435" y="4480367"/>
+            <a:ext cx="3300984" cy="1310833"/>
+          </a:xfrm>
+        </p:spPr>
+        <p:txBody>
+          <a:bodyPr anchor="t">
+            <a:normAutofit/>
+          </a:bodyPr>
+          <a:lstStyle>
+            <a:lvl1pPr marL="0" indent="0" algn="ctr">
+              <a:buNone/>
+              <a:defRPr sz="1400"/>
+            </a:lvl1pPr>
+            <a:lvl2pPr marL="457200" indent="0">
+              <a:buNone/>
+              <a:defRPr sz="1200"/>
+            </a:lvl2pPr>
+            <a:lvl3pPr marL="914400" indent="0">
+              <a:buNone/>
+              <a:defRPr sz="1000"/>
+            </a:lvl3pPr>
+            <a:lvl4pPr marL="1371600" indent="0">
+              <a:buNone/>
+              <a:defRPr sz="900"/>
+            </a:lvl4pPr>
+            <a:lvl5pPr marL="1828800" indent="0">
+              <a:buNone/>
+              <a:defRPr sz="900"/>
+            </a:lvl5pPr>
+            <a:lvl6pPr marL="2286000" indent="0">
+              <a:buNone/>
+              <a:defRPr sz="900"/>
+            </a:lvl6pPr>
+            <a:lvl7pPr marL="2743200" indent="0">
+              <a:buNone/>
+              <a:defRPr sz="900"/>
+            </a:lvl7pPr>
+            <a:lvl8pPr marL="3200400" indent="0">
+              <a:buNone/>
+              <a:defRPr sz="900"/>
+            </a:lvl8pPr>
+            <a:lvl9pPr marL="3657600" indent="0">
+              <a:buNone/>
+              <a:defRPr sz="900"/>
+            </a:lvl9pPr>
+          </a:lstStyle>
+          <a:p>
+            <a:pPr lvl="0"/>
+            <a:r>
+              <a:rPr lang="en-US"/>
+              <a:t>Click to edit Master text styles</a:t>
+            </a:r>
+          </a:p>
+        </p:txBody>
+      </p:sp>
+      <p:sp>
+        <p:nvSpPr>
+          <p:cNvPr id="25" name="Text Placeholder 4"/>
+          <p:cNvSpPr>
+            <a:spLocks noGrp="1"/>
+          </p:cNvSpPr>
+          <p:nvPr>
+            <p:ph type="body" sz="quarter" idx="13"/>
+          </p:nvPr>
+        </p:nvSpPr>
+        <p:spPr>
+          <a:xfrm>
+            <a:off x="7966697" y="3904106"/>
+            <a:ext cx="3300984" cy="576262"/>
+          </a:xfrm>
+        </p:spPr>
+        <p:txBody>
+          <a:bodyPr anchor="b">
+            <a:noAutofit/>
+          </a:bodyPr>
+          <a:lstStyle>
+            <a:lvl1pPr marL="0" indent="0" algn="ctr">
+              <a:buNone/>
+              <a:defRPr sz="2000" b="0">
+                <a:solidFill>
+                  <a:schemeClr val="tx1"/>
+                </a:solidFill>
+              </a:defRPr>
+            </a:lvl1pPr>
+            <a:lvl2pPr marL="457200" indent="0">
+              <a:buNone/>
+              <a:defRPr sz="2000" b="1"/>
+            </a:lvl2pPr>
+            <a:lvl3pPr marL="914400" indent="0">
+              <a:buNone/>
+              <a:defRPr sz="1800" b="1"/>
+            </a:lvl3pPr>
+            <a:lvl4pPr marL="1371600" indent="0">
+              <a:buNone/>
+              <a:defRPr sz="1600" b="1"/>
+            </a:lvl4pPr>
+            <a:lvl5pPr marL="1828800" indent="0">
+              <a:buNone/>
+              <a:defRPr sz="1600" b="1"/>
+            </a:lvl5pPr>
+            <a:lvl6pPr marL="2286000" indent="0">
+              <a:buNone/>
+              <a:defRPr sz="1600" b="1"/>
+            </a:lvl6pPr>
+            <a:lvl7pPr marL="2743200" indent="0">
+              <a:buNone/>
+              <a:defRPr sz="1600" b="1"/>
+            </a:lvl7pPr>
+            <a:lvl8pPr marL="3200400" indent="0">
+              <a:buNone/>
+              <a:defRPr sz="1600" b="1"/>
+            </a:lvl8pPr>
+            <a:lvl9pPr marL="3657600" indent="0">
+              <a:buNone/>
+              <a:defRPr sz="1600" b="1"/>
+            </a:lvl9pPr>
+          </a:lstStyle>
+          <a:p>
+            <a:pPr lvl="0"/>
+            <a:r>
+              <a:rPr lang="en-US"/>
+              <a:t>Click to edit Master text styles</a:t>
+            </a:r>
+          </a:p>
+        </p:txBody>
+      </p:sp>
+      <p:sp>
+        <p:nvSpPr>
+          <p:cNvPr id="26" name="Picture Placeholder 2"/>
+          <p:cNvSpPr>
+            <a:spLocks noGrp="1" noChangeAspect="1"/>
+          </p:cNvSpPr>
+          <p:nvPr>
+            <p:ph type="pic" idx="22"/>
+          </p:nvPr>
+        </p:nvSpPr>
+        <p:spPr>
+          <a:xfrm>
+            <a:off x="8075698" y="1934432"/>
+            <a:ext cx="3092368" cy="1607294"/>
+          </a:xfrm>
+          <a:prstGeom prst="roundRect">
+            <a:avLst>
+              <a:gd name="adj" fmla="val 1858"/>
+            </a:avLst>
+          </a:prstGeom>
+          <a:effectLst>
+            <a:outerShdw blurRad="38100" dist="25400" dir="4440000">
+              <a:srgbClr val="000000">
+                <a:alpha val="36000"/>
+              </a:srgbClr>
+            </a:outerShdw>
+          </a:effectLst>
+        </p:spPr>
+        <p:txBody>
+          <a:bodyPr anchor="t">
+            <a:normAutofit/>
+          </a:bodyPr>
+          <a:lstStyle>
+            <a:lvl1pPr marL="0" indent="0" algn="ctr">
+              <a:buNone/>
+              <a:defRPr sz="1600"/>
+            </a:lvl1pPr>
+            <a:lvl2pPr marL="457200" indent="0">
+              <a:buNone/>
+              <a:defRPr sz="1600"/>
+            </a:lvl2pPr>
+            <a:lvl3pPr marL="914400" indent="0">
+              <a:buNone/>
+              <a:defRPr sz="1600"/>
+            </a:lvl3pPr>
+            <a:lvl4pPr marL="1371600" indent="0">
+              <a:buNone/>
+              <a:defRPr sz="1600"/>
+            </a:lvl4pPr>
+            <a:lvl5pPr marL="1828800" indent="0">
+              <a:buNone/>
+              <a:defRPr sz="1600"/>
+            </a:lvl5pPr>
+            <a:lvl6pPr marL="2286000" indent="0">
+              <a:buNone/>
+              <a:defRPr sz="1600"/>
+            </a:lvl6pPr>
+            <a:lvl7pPr marL="2743200" indent="0">
+              <a:buNone/>
+              <a:defRPr sz="1600"/>
+            </a:lvl7pPr>
+            <a:lvl8pPr marL="3200400" indent="0">
+              <a:buNone/>
+              <a:defRPr sz="1600"/>
+            </a:lvl8pPr>
+            <a:lvl9pPr marL="3657600" indent="0">
+              <a:buNone/>
+              <a:defRPr sz="1600"/>
+            </a:lvl9pPr>
+          </a:lstStyle>
+          <a:p>
+            <a:r>
+              <a:rPr lang="en-US"/>
+              <a:t>Click icon to add picture</a:t>
+            </a:r>
+            <a:endParaRPr lang="en-US" dirty="0"/>
+          </a:p>
+        </p:txBody>
+      </p:sp>
+      <p:sp>
+        <p:nvSpPr>
+          <p:cNvPr id="27" name="Text Placeholder 3"/>
+          <p:cNvSpPr>
+            <a:spLocks noGrp="1"/>
+          </p:cNvSpPr>
+          <p:nvPr>
+            <p:ph type="body" sz="half" idx="20"/>
+          </p:nvPr>
+        </p:nvSpPr>
+        <p:spPr>
+          <a:xfrm>
+            <a:off x="7966572" y="4480365"/>
+            <a:ext cx="3300984" cy="1310835"/>
+          </a:xfrm>
+        </p:spPr>
+        <p:txBody>
+          <a:bodyPr anchor="t">
+            <a:normAutofit/>
+          </a:bodyPr>
+          <a:lstStyle>
+            <a:lvl1pPr marL="0" indent="0" algn="ctr">
+              <a:buNone/>
+              <a:defRPr sz="1400"/>
+            </a:lvl1pPr>
+            <a:lvl2pPr marL="457200" indent="0">
+              <a:buNone/>
+              <a:defRPr sz="1200"/>
+            </a:lvl2pPr>
+            <a:lvl3pPr marL="914400" indent="0">
+              <a:buNone/>
+              <a:defRPr sz="1000"/>
+            </a:lvl3pPr>
+            <a:lvl4pPr marL="1371600" indent="0">
+              <a:buNone/>
+              <a:defRPr sz="900"/>
+            </a:lvl4pPr>
+            <a:lvl5pPr marL="1828800" indent="0">
+              <a:buNone/>
+              <a:defRPr sz="900"/>
+            </a:lvl5pPr>
+            <a:lvl6pPr marL="2286000" indent="0">
+              <a:buNone/>
+              <a:defRPr sz="900"/>
+            </a:lvl6pPr>
+            <a:lvl7pPr marL="2743200" indent="0">
+              <a:buNone/>
+              <a:defRPr sz="900"/>
+            </a:lvl7pPr>
+            <a:lvl8pPr marL="3200400" indent="0">
+              <a:buNone/>
+              <a:defRPr sz="900"/>
+            </a:lvl8pPr>
+            <a:lvl9pPr marL="3657600" indent="0">
+              <a:buNone/>
+              <a:defRPr sz="900"/>
+            </a:lvl9pPr>
+          </a:lstStyle>
+          <a:p>
+            <a:pPr lvl="0"/>
+            <a:r>
+              <a:rPr lang="en-US"/>
+              <a:t>Click to edit Master text styles</a:t>
+            </a:r>
+          </a:p>
+        </p:txBody>
+      </p:sp>
+      <p:sp>
+        <p:nvSpPr>
+          <p:cNvPr id="3" name="Date Placeholder 2"/>
+          <p:cNvSpPr>
+            <a:spLocks noGrp="1"/>
+          </p:cNvSpPr>
+          <p:nvPr>
+            <p:ph type="dt" sz="half" idx="10"/>
+          </p:nvPr>
+        </p:nvSpPr>
+        <p:spPr/>
+        <p:txBody>
+          <a:bodyPr/>
+          <a:lstStyle/>
+          <a:p>
+            <a:fld id="{2C1C4E54-FC0F-46DC-9CC8-DAD5290F7686}" type="datetimeFigureOut">
+              <a:rPr lang="en-US" smtClean="0"/>
+              <a:t>1/17/2020</a:t>
+            </a:fld>
+            <a:endParaRPr lang="en-US"/>
+          </a:p>
+        </p:txBody>
+      </p:sp>
+      <p:sp>
+        <p:nvSpPr>
+          <p:cNvPr id="4" name="Footer Placeholder 3"/>
+          <p:cNvSpPr>
+            <a:spLocks noGrp="1"/>
+          </p:cNvSpPr>
+          <p:nvPr>
+            <p:ph type="ftr" sz="quarter" idx="11"/>
+          </p:nvPr>
+        </p:nvSpPr>
+        <p:spPr/>
+        <p:txBody>
+          <a:bodyPr/>
+          <a:lstStyle/>
+          <a:p>
+            <a:endParaRPr lang="en-US"/>
+          </a:p>
+        </p:txBody>
+      </p:sp>
+      <p:sp>
+        <p:nvSpPr>
+          <p:cNvPr id="5" name="Slide Number Placeholder 4"/>
+          <p:cNvSpPr>
+            <a:spLocks noGrp="1"/>
+          </p:cNvSpPr>
+          <p:nvPr>
+            <p:ph type="sldNum" sz="quarter" idx="12"/>
+          </p:nvPr>
+        </p:nvSpPr>
+        <p:spPr/>
+        <p:txBody>
+          <a:bodyPr/>
+          <a:lstStyle/>
+          <a:p>
+            <a:fld id="{84A480BB-84D4-480D-A09D-BC5078C51330}" type="slidenum">
+              <a:rPr lang="en-US" smtClean="0"/>
+              <a:t>‹#›</a:t>
+            </a:fld>
+            <a:endParaRPr lang="en-US"/>
+          </a:p>
+        </p:txBody>
+      </p:sp>
+    </p:spTree>
+    <p:extLst>
+      <p:ext uri="{BB962C8B-B14F-4D97-AF65-F5344CB8AC3E}">
+        <p14:creationId xmlns:p14="http://schemas.microsoft.com/office/powerpoint/2010/main" val="588153893"/>
+      </p:ext>
+    </p:extLst>
+  </p:cSld>
+  <p:clrMapOvr>
+    <a:masterClrMapping/>
+  </p:clrMapOvr>
+</p:sldLayout>
+</file>
+
+<file path=ppt/slideLayouts/slideLayout16.xml><?xml version="1.0" encoding="utf-8"?>
 <p:sldLayout xmlns:a="http://schemas.openxmlformats.org/drawingml/2006/main" xmlns:r="http://schemas.openxmlformats.org/officeDocument/2006/relationships" xmlns:p="http://schemas.openxmlformats.org/presentationml/2006/main" type="vertTx" preserve="1">
   <p:cSld name="Title and Vertical Text">
     <p:spTree>
@@ -351,13 +2954,7 @@
       </p:grpSpPr>
       <p:sp>
         <p:nvSpPr>
-          <p:cNvPr id="2" name="Title 1">
-            <a:extLst>
-              <a:ext uri="{FF2B5EF4-FFF2-40B4-BE49-F238E27FC236}">
-                <a16:creationId xmlns:a16="http://schemas.microsoft.com/office/drawing/2014/main" id="{5F86325E-CD32-45DC-B260-AB193943806C}"/>
-              </a:ext>
-            </a:extLst>
-          </p:cNvPr>
+          <p:cNvPr id="2" name="Title 1"/>
           <p:cNvSpPr>
             <a:spLocks noGrp="1"/>
           </p:cNvSpPr>
@@ -374,18 +2971,13 @@
               <a:rPr lang="en-US"/>
               <a:t>Click to edit Master title style</a:t>
             </a:r>
-          </a:p>
-        </p:txBody>
-      </p:sp>
-      <p:sp>
-        <p:nvSpPr>
-          <p:cNvPr id="3" name="Vertical Text Placeholder 2">
-            <a:extLst>
-              <a:ext uri="{FF2B5EF4-FFF2-40B4-BE49-F238E27FC236}">
-                <a16:creationId xmlns:a16="http://schemas.microsoft.com/office/drawing/2014/main" id="{6D53B35D-9CFE-409F-8B52-0B74DEE960D1}"/>
-              </a:ext>
-            </a:extLst>
-          </p:cNvPr>
+            <a:endParaRPr lang="en-US" dirty="0"/>
+          </a:p>
+        </p:txBody>
+      </p:sp>
+      <p:sp>
+        <p:nvSpPr>
+          <p:cNvPr id="3" name="Vertical Text Placeholder 2"/>
           <p:cNvSpPr>
             <a:spLocks noGrp="1"/>
           </p:cNvSpPr>
@@ -395,13 +2987,13 @@
         </p:nvSpPr>
         <p:spPr/>
         <p:txBody>
-          <a:bodyPr vert="eaVert"/>
+          <a:bodyPr vert="eaVert" anchor="t"/>
           <a:lstStyle/>
           <a:p>
             <a:pPr lvl="0"/>
             <a:r>
               <a:rPr lang="en-US"/>
-              <a:t>Edit Master text styles</a:t>
+              <a:t>Click to edit Master text styles</a:t>
             </a:r>
           </a:p>
           <a:p>
@@ -431,18 +3023,13 @@
               <a:rPr lang="en-US"/>
               <a:t>Fifth level</a:t>
             </a:r>
-          </a:p>
-        </p:txBody>
-      </p:sp>
-      <p:sp>
-        <p:nvSpPr>
-          <p:cNvPr id="4" name="Date Placeholder 3">
-            <a:extLst>
-              <a:ext uri="{FF2B5EF4-FFF2-40B4-BE49-F238E27FC236}">
-                <a16:creationId xmlns:a16="http://schemas.microsoft.com/office/drawing/2014/main" id="{918A2392-D238-4292-9CC3-C6D4EEFF98C6}"/>
-              </a:ext>
-            </a:extLst>
-          </p:cNvPr>
+            <a:endParaRPr lang="en-US" dirty="0"/>
+          </a:p>
+        </p:txBody>
+      </p:sp>
+      <p:sp>
+        <p:nvSpPr>
+          <p:cNvPr id="4" name="Date Placeholder 3"/>
           <p:cNvSpPr>
             <a:spLocks noGrp="1"/>
           </p:cNvSpPr>
@@ -457,7 +3044,7 @@
           <a:p>
             <a:fld id="{2C1C4E54-FC0F-46DC-9CC8-DAD5290F7686}" type="datetimeFigureOut">
               <a:rPr lang="en-US" smtClean="0"/>
-              <a:t>7/1/2019</a:t>
+              <a:t>1/17/2020</a:t>
             </a:fld>
             <a:endParaRPr lang="en-US"/>
           </a:p>
@@ -465,13 +3052,7 @@
       </p:sp>
       <p:sp>
         <p:nvSpPr>
-          <p:cNvPr id="5" name="Footer Placeholder 4">
-            <a:extLst>
-              <a:ext uri="{FF2B5EF4-FFF2-40B4-BE49-F238E27FC236}">
-                <a16:creationId xmlns:a16="http://schemas.microsoft.com/office/drawing/2014/main" id="{FCA2DC52-8384-4BC5-95E8-05708C05C53E}"/>
-              </a:ext>
-            </a:extLst>
-          </p:cNvPr>
+          <p:cNvPr id="5" name="Footer Placeholder 4"/>
           <p:cNvSpPr>
             <a:spLocks noGrp="1"/>
           </p:cNvSpPr>
@@ -490,13 +3071,7 @@
       </p:sp>
       <p:sp>
         <p:nvSpPr>
-          <p:cNvPr id="6" name="Slide Number Placeholder 5">
-            <a:extLst>
-              <a:ext uri="{FF2B5EF4-FFF2-40B4-BE49-F238E27FC236}">
-                <a16:creationId xmlns:a16="http://schemas.microsoft.com/office/drawing/2014/main" id="{A70BBB87-E1A6-480E-BF74-4D1097DF9316}"/>
-              </a:ext>
-            </a:extLst>
-          </p:cNvPr>
+          <p:cNvPr id="6" name="Slide Number Placeholder 5"/>
           <p:cNvSpPr>
             <a:spLocks noGrp="1"/>
           </p:cNvSpPr>
@@ -520,7 +3095,7 @@
     </p:spTree>
     <p:extLst>
       <p:ext uri="{BB962C8B-B14F-4D97-AF65-F5344CB8AC3E}">
-        <p14:creationId xmlns:p14="http://schemas.microsoft.com/office/powerpoint/2010/main" val="1650862977"/>
+        <p14:creationId xmlns:p14="http://schemas.microsoft.com/office/powerpoint/2010/main" val="3616221719"/>
       </p:ext>
     </p:extLst>
   </p:cSld>
@@ -530,7 +3105,7 @@
 </p:sldLayout>
 </file>
 
-<file path=ppt/slideLayouts/slideLayout11.xml><?xml version="1.0" encoding="utf-8"?>
+<file path=ppt/slideLayouts/slideLayout17.xml><?xml version="1.0" encoding="utf-8"?>
 <p:sldLayout xmlns:a="http://schemas.openxmlformats.org/drawingml/2006/main" xmlns:r="http://schemas.openxmlformats.org/officeDocument/2006/relationships" xmlns:p="http://schemas.openxmlformats.org/presentationml/2006/main" type="vertTitleAndTx" preserve="1">
   <p:cSld name="Vertical Title and Text">
     <p:spTree>
@@ -549,13 +3124,7 @@
       </p:grpSpPr>
       <p:sp>
         <p:nvSpPr>
-          <p:cNvPr id="2" name="Vertical Title 1">
-            <a:extLst>
-              <a:ext uri="{FF2B5EF4-FFF2-40B4-BE49-F238E27FC236}">
-                <a16:creationId xmlns:a16="http://schemas.microsoft.com/office/drawing/2014/main" id="{F7ECF28F-D89E-4F7F-92BE-E5849FC02572}"/>
-              </a:ext>
-            </a:extLst>
-          </p:cNvPr>
+          <p:cNvPr id="2" name="Vertical Title 1"/>
           <p:cNvSpPr>
             <a:spLocks noGrp="1"/>
           </p:cNvSpPr>
@@ -565,30 +3134,29 @@
         </p:nvSpPr>
         <p:spPr>
           <a:xfrm>
-            <a:off x="8724900" y="365125"/>
-            <a:ext cx="2628900" cy="5811838"/>
+            <a:off x="8983068" y="609599"/>
+            <a:ext cx="2284487" cy="5181601"/>
           </a:xfrm>
         </p:spPr>
         <p:txBody>
           <a:bodyPr vert="eaVert"/>
-          <a:lstStyle/>
+          <a:lstStyle>
+            <a:lvl1pPr algn="l">
+              <a:defRPr/>
+            </a:lvl1pPr>
+          </a:lstStyle>
           <a:p>
             <a:r>
               <a:rPr lang="en-US"/>
               <a:t>Click to edit Master title style</a:t>
             </a:r>
-          </a:p>
-        </p:txBody>
-      </p:sp>
-      <p:sp>
-        <p:nvSpPr>
-          <p:cNvPr id="3" name="Vertical Text Placeholder 2">
-            <a:extLst>
-              <a:ext uri="{FF2B5EF4-FFF2-40B4-BE49-F238E27FC236}">
-                <a16:creationId xmlns:a16="http://schemas.microsoft.com/office/drawing/2014/main" id="{C3C3AB77-8A2D-4240-8910-E5D4CE2EAE10}"/>
-              </a:ext>
-            </a:extLst>
-          </p:cNvPr>
+            <a:endParaRPr lang="en-US" dirty="0"/>
+          </a:p>
+        </p:txBody>
+      </p:sp>
+      <p:sp>
+        <p:nvSpPr>
+          <p:cNvPr id="3" name="Vertical Text Placeholder 2"/>
           <p:cNvSpPr>
             <a:spLocks noGrp="1"/>
           </p:cNvSpPr>
@@ -598,18 +3166,18 @@
         </p:nvSpPr>
         <p:spPr>
           <a:xfrm>
-            <a:off x="838200" y="365125"/>
-            <a:ext cx="7734300" cy="5811838"/>
-          </a:xfrm>
-        </p:spPr>
-        <p:txBody>
-          <a:bodyPr vert="eaVert"/>
+            <a:off x="913796" y="609599"/>
+            <a:ext cx="7916872" cy="5181601"/>
+          </a:xfrm>
+        </p:spPr>
+        <p:txBody>
+          <a:bodyPr vert="eaVert" anchor="t"/>
           <a:lstStyle/>
           <a:p>
             <a:pPr lvl="0"/>
             <a:r>
               <a:rPr lang="en-US"/>
-              <a:t>Edit Master text styles</a:t>
+              <a:t>Click to edit Master text styles</a:t>
             </a:r>
           </a:p>
           <a:p>
@@ -639,18 +3207,13 @@
               <a:rPr lang="en-US"/>
               <a:t>Fifth level</a:t>
             </a:r>
-          </a:p>
-        </p:txBody>
-      </p:sp>
-      <p:sp>
-        <p:nvSpPr>
-          <p:cNvPr id="4" name="Date Placeholder 3">
-            <a:extLst>
-              <a:ext uri="{FF2B5EF4-FFF2-40B4-BE49-F238E27FC236}">
-                <a16:creationId xmlns:a16="http://schemas.microsoft.com/office/drawing/2014/main" id="{84D52690-DEC4-46D8-BA8F-0BBBB560DEEC}"/>
-              </a:ext>
-            </a:extLst>
-          </p:cNvPr>
+            <a:endParaRPr lang="en-US" dirty="0"/>
+          </a:p>
+        </p:txBody>
+      </p:sp>
+      <p:sp>
+        <p:nvSpPr>
+          <p:cNvPr id="4" name="Date Placeholder 3"/>
           <p:cNvSpPr>
             <a:spLocks noGrp="1"/>
           </p:cNvSpPr>
@@ -665,7 +3228,7 @@
           <a:p>
             <a:fld id="{2C1C4E54-FC0F-46DC-9CC8-DAD5290F7686}" type="datetimeFigureOut">
               <a:rPr lang="en-US" smtClean="0"/>
-              <a:t>7/1/2019</a:t>
+              <a:t>1/17/2020</a:t>
             </a:fld>
             <a:endParaRPr lang="en-US"/>
           </a:p>
@@ -673,13 +3236,7 @@
       </p:sp>
       <p:sp>
         <p:nvSpPr>
-          <p:cNvPr id="5" name="Footer Placeholder 4">
-            <a:extLst>
-              <a:ext uri="{FF2B5EF4-FFF2-40B4-BE49-F238E27FC236}">
-                <a16:creationId xmlns:a16="http://schemas.microsoft.com/office/drawing/2014/main" id="{2B0E9B87-F89E-4014-B1F7-CEA3BFEC6058}"/>
-              </a:ext>
-            </a:extLst>
-          </p:cNvPr>
+          <p:cNvPr id="5" name="Footer Placeholder 4"/>
           <p:cNvSpPr>
             <a:spLocks noGrp="1"/>
           </p:cNvSpPr>
@@ -698,13 +3255,7 @@
       </p:sp>
       <p:sp>
         <p:nvSpPr>
-          <p:cNvPr id="6" name="Slide Number Placeholder 5">
-            <a:extLst>
-              <a:ext uri="{FF2B5EF4-FFF2-40B4-BE49-F238E27FC236}">
-                <a16:creationId xmlns:a16="http://schemas.microsoft.com/office/drawing/2014/main" id="{4DF28283-8F0E-4B0B-ABB2-CC93E1B191B7}"/>
-              </a:ext>
-            </a:extLst>
-          </p:cNvPr>
+          <p:cNvPr id="6" name="Slide Number Placeholder 5"/>
           <p:cNvSpPr>
             <a:spLocks noGrp="1"/>
           </p:cNvSpPr>
@@ -728,7 +3279,7 @@
     </p:spTree>
     <p:extLst>
       <p:ext uri="{BB962C8B-B14F-4D97-AF65-F5344CB8AC3E}">
-        <p14:creationId xmlns:p14="http://schemas.microsoft.com/office/powerpoint/2010/main" val="3709349092"/>
+        <p14:creationId xmlns:p14="http://schemas.microsoft.com/office/powerpoint/2010/main" val="3777557857"/>
       </p:ext>
     </p:extLst>
   </p:cSld>
@@ -757,13 +3308,7 @@
       </p:grpSpPr>
       <p:sp>
         <p:nvSpPr>
-          <p:cNvPr id="2" name="Title 1">
-            <a:extLst>
-              <a:ext uri="{FF2B5EF4-FFF2-40B4-BE49-F238E27FC236}">
-                <a16:creationId xmlns:a16="http://schemas.microsoft.com/office/drawing/2014/main" id="{2734D1D4-0D3A-478D-B3F1-FE21FC9BC81D}"/>
-              </a:ext>
-            </a:extLst>
-          </p:cNvPr>
+          <p:cNvPr id="2" name="Title 1"/>
           <p:cNvSpPr>
             <a:spLocks noGrp="1"/>
           </p:cNvSpPr>
@@ -780,18 +3325,13 @@
               <a:rPr lang="en-US"/>
               <a:t>Click to edit Master title style</a:t>
             </a:r>
-          </a:p>
-        </p:txBody>
-      </p:sp>
-      <p:sp>
-        <p:nvSpPr>
-          <p:cNvPr id="3" name="Content Placeholder 2">
-            <a:extLst>
-              <a:ext uri="{FF2B5EF4-FFF2-40B4-BE49-F238E27FC236}">
-                <a16:creationId xmlns:a16="http://schemas.microsoft.com/office/drawing/2014/main" id="{A0718FBB-971A-4594-8F72-E07923BDF826}"/>
-              </a:ext>
-            </a:extLst>
-          </p:cNvPr>
+            <a:endParaRPr lang="en-US" dirty="0"/>
+          </a:p>
+        </p:txBody>
+      </p:sp>
+      <p:sp>
+        <p:nvSpPr>
+          <p:cNvPr id="3" name="Content Placeholder 2"/>
           <p:cNvSpPr>
             <a:spLocks noGrp="1"/>
           </p:cNvSpPr>
@@ -807,7 +3347,7 @@
             <a:pPr lvl="0"/>
             <a:r>
               <a:rPr lang="en-US"/>
-              <a:t>Edit Master text styles</a:t>
+              <a:t>Click to edit Master text styles</a:t>
             </a:r>
           </a:p>
           <a:p>
@@ -837,18 +3377,13 @@
               <a:rPr lang="en-US"/>
               <a:t>Fifth level</a:t>
             </a:r>
-          </a:p>
-        </p:txBody>
-      </p:sp>
-      <p:sp>
-        <p:nvSpPr>
-          <p:cNvPr id="4" name="Date Placeholder 3">
-            <a:extLst>
-              <a:ext uri="{FF2B5EF4-FFF2-40B4-BE49-F238E27FC236}">
-                <a16:creationId xmlns:a16="http://schemas.microsoft.com/office/drawing/2014/main" id="{821694BE-412C-4F52-83CC-943B66998077}"/>
-              </a:ext>
-            </a:extLst>
-          </p:cNvPr>
+            <a:endParaRPr lang="en-US" dirty="0"/>
+          </a:p>
+        </p:txBody>
+      </p:sp>
+      <p:sp>
+        <p:nvSpPr>
+          <p:cNvPr id="4" name="Date Placeholder 3"/>
           <p:cNvSpPr>
             <a:spLocks noGrp="1"/>
           </p:cNvSpPr>
@@ -863,7 +3398,7 @@
           <a:p>
             <a:fld id="{2C1C4E54-FC0F-46DC-9CC8-DAD5290F7686}" type="datetimeFigureOut">
               <a:rPr lang="en-US" smtClean="0"/>
-              <a:t>7/1/2019</a:t>
+              <a:t>1/17/2020</a:t>
             </a:fld>
             <a:endParaRPr lang="en-US"/>
           </a:p>
@@ -871,13 +3406,7 @@
       </p:sp>
       <p:sp>
         <p:nvSpPr>
-          <p:cNvPr id="5" name="Footer Placeholder 4">
-            <a:extLst>
-              <a:ext uri="{FF2B5EF4-FFF2-40B4-BE49-F238E27FC236}">
-                <a16:creationId xmlns:a16="http://schemas.microsoft.com/office/drawing/2014/main" id="{6931F754-DAD7-4B65-818F-129286C2C702}"/>
-              </a:ext>
-            </a:extLst>
-          </p:cNvPr>
+          <p:cNvPr id="5" name="Footer Placeholder 4"/>
           <p:cNvSpPr>
             <a:spLocks noGrp="1"/>
           </p:cNvSpPr>
@@ -896,13 +3425,7 @@
       </p:sp>
       <p:sp>
         <p:nvSpPr>
-          <p:cNvPr id="6" name="Slide Number Placeholder 5">
-            <a:extLst>
-              <a:ext uri="{FF2B5EF4-FFF2-40B4-BE49-F238E27FC236}">
-                <a16:creationId xmlns:a16="http://schemas.microsoft.com/office/drawing/2014/main" id="{C28084E9-A530-4432-873C-5A4ACAC84A7A}"/>
-              </a:ext>
-            </a:extLst>
-          </p:cNvPr>
+          <p:cNvPr id="6" name="Slide Number Placeholder 5"/>
           <p:cNvSpPr>
             <a:spLocks noGrp="1"/>
           </p:cNvSpPr>
@@ -926,7 +3449,7 @@
     </p:spTree>
     <p:extLst>
       <p:ext uri="{BB962C8B-B14F-4D97-AF65-F5344CB8AC3E}">
-        <p14:creationId xmlns:p14="http://schemas.microsoft.com/office/powerpoint/2010/main" val="4071668902"/>
+        <p14:creationId xmlns:p14="http://schemas.microsoft.com/office/powerpoint/2010/main" val="3844593155"/>
       </p:ext>
     </p:extLst>
   </p:cSld>
@@ -955,13 +3478,7 @@
       </p:grpSpPr>
       <p:sp>
         <p:nvSpPr>
-          <p:cNvPr id="2" name="Title 1">
-            <a:extLst>
-              <a:ext uri="{FF2B5EF4-FFF2-40B4-BE49-F238E27FC236}">
-                <a16:creationId xmlns:a16="http://schemas.microsoft.com/office/drawing/2014/main" id="{AAA3F3E7-BBE8-4137-8C8C-56DE39E4924D}"/>
-              </a:ext>
-            </a:extLst>
-          </p:cNvPr>
+          <p:cNvPr id="2" name="Title 1"/>
           <p:cNvSpPr>
             <a:spLocks noGrp="1"/>
           </p:cNvSpPr>
@@ -971,15 +3488,15 @@
         </p:nvSpPr>
         <p:spPr>
           <a:xfrm>
-            <a:off x="831850" y="1709738"/>
-            <a:ext cx="10515600" cy="2852737"/>
+            <a:off x="1295401" y="1761067"/>
+            <a:ext cx="9590550" cy="1828813"/>
           </a:xfrm>
         </p:spPr>
         <p:txBody>
           <a:bodyPr anchor="b"/>
           <a:lstStyle>
-            <a:lvl1pPr>
-              <a:defRPr sz="6000"/>
+            <a:lvl1pPr algn="ctr">
+              <a:defRPr sz="4000" b="0" cap="none"/>
             </a:lvl1pPr>
           </a:lstStyle>
           <a:p>
@@ -987,18 +3504,13 @@
               <a:rPr lang="en-US"/>
               <a:t>Click to edit Master title style</a:t>
             </a:r>
-          </a:p>
-        </p:txBody>
-      </p:sp>
-      <p:sp>
-        <p:nvSpPr>
-          <p:cNvPr id="3" name="Text Placeholder 2">
-            <a:extLst>
-              <a:ext uri="{FF2B5EF4-FFF2-40B4-BE49-F238E27FC236}">
-                <a16:creationId xmlns:a16="http://schemas.microsoft.com/office/drawing/2014/main" id="{C751557B-D846-4BDA-A1B5-D3C6187891DA}"/>
-              </a:ext>
-            </a:extLst>
-          </p:cNvPr>
+            <a:endParaRPr lang="en-US" dirty="0"/>
+          </a:p>
+        </p:txBody>
+      </p:sp>
+      <p:sp>
+        <p:nvSpPr>
+          <p:cNvPr id="3" name="Text Placeholder 2"/>
           <p:cNvSpPr>
             <a:spLocks noGrp="1"/>
           </p:cNvSpPr>
@@ -1008,26 +3520,24 @@
         </p:nvSpPr>
         <p:spPr>
           <a:xfrm>
-            <a:off x="831850" y="4589463"/>
-            <a:ext cx="10515600" cy="1500187"/>
-          </a:xfrm>
-        </p:spPr>
-        <p:txBody>
-          <a:bodyPr/>
+            <a:off x="1295401" y="3589879"/>
+            <a:ext cx="9590550" cy="1507054"/>
+          </a:xfrm>
+        </p:spPr>
+        <p:txBody>
+          <a:bodyPr anchor="t"/>
           <a:lstStyle>
-            <a:lvl1pPr marL="0" indent="0">
-              <a:buNone/>
-              <a:defRPr sz="2400">
+            <a:lvl1pPr marL="0" indent="0" algn="ctr">
+              <a:buNone/>
+              <a:defRPr sz="2000">
                 <a:solidFill>
-                  <a:schemeClr val="tx1">
-                    <a:tint val="75000"/>
-                  </a:schemeClr>
+                  <a:schemeClr val="tx1"/>
                 </a:solidFill>
               </a:defRPr>
             </a:lvl1pPr>
             <a:lvl2pPr marL="457200" indent="0">
               <a:buNone/>
-              <a:defRPr sz="2000">
+              <a:defRPr sz="1800">
                 <a:solidFill>
                   <a:schemeClr val="tx1">
                     <a:tint val="75000"/>
@@ -1037,7 +3547,7 @@
             </a:lvl2pPr>
             <a:lvl3pPr marL="914400" indent="0">
               <a:buNone/>
-              <a:defRPr sz="1800">
+              <a:defRPr sz="1600">
                 <a:solidFill>
                   <a:schemeClr val="tx1">
                     <a:tint val="75000"/>
@@ -1047,7 +3557,7 @@
             </a:lvl3pPr>
             <a:lvl4pPr marL="1371600" indent="0">
               <a:buNone/>
-              <a:defRPr sz="1600">
+              <a:defRPr sz="1400">
                 <a:solidFill>
                   <a:schemeClr val="tx1">
                     <a:tint val="75000"/>
@@ -1057,7 +3567,7 @@
             </a:lvl4pPr>
             <a:lvl5pPr marL="1828800" indent="0">
               <a:buNone/>
-              <a:defRPr sz="1600">
+              <a:defRPr sz="1400">
                 <a:solidFill>
                   <a:schemeClr val="tx1">
                     <a:tint val="75000"/>
@@ -1067,7 +3577,7 @@
             </a:lvl5pPr>
             <a:lvl6pPr marL="2286000" indent="0">
               <a:buNone/>
-              <a:defRPr sz="1600">
+              <a:defRPr sz="1400">
                 <a:solidFill>
                   <a:schemeClr val="tx1">
                     <a:tint val="75000"/>
@@ -1077,7 +3587,7 @@
             </a:lvl6pPr>
             <a:lvl7pPr marL="2743200" indent="0">
               <a:buNone/>
-              <a:defRPr sz="1600">
+              <a:defRPr sz="1400">
                 <a:solidFill>
                   <a:schemeClr val="tx1">
                     <a:tint val="75000"/>
@@ -1087,7 +3597,7 @@
             </a:lvl7pPr>
             <a:lvl8pPr marL="3200400" indent="0">
               <a:buNone/>
-              <a:defRPr sz="1600">
+              <a:defRPr sz="1400">
                 <a:solidFill>
                   <a:schemeClr val="tx1">
                     <a:tint val="75000"/>
@@ -1097,7 +3607,7 @@
             </a:lvl8pPr>
             <a:lvl9pPr marL="3657600" indent="0">
               <a:buNone/>
-              <a:defRPr sz="1600">
+              <a:defRPr sz="1400">
                 <a:solidFill>
                   <a:schemeClr val="tx1">
                     <a:tint val="75000"/>
@@ -1110,20 +3620,14 @@
             <a:pPr lvl="0"/>
             <a:r>
               <a:rPr lang="en-US"/>
-              <a:t>Edit Master text styles</a:t>
-            </a:r>
-          </a:p>
-        </p:txBody>
-      </p:sp>
-      <p:sp>
-        <p:nvSpPr>
-          <p:cNvPr id="4" name="Date Placeholder 3">
-            <a:extLst>
-              <a:ext uri="{FF2B5EF4-FFF2-40B4-BE49-F238E27FC236}">
-                <a16:creationId xmlns:a16="http://schemas.microsoft.com/office/drawing/2014/main" id="{81EF1EDB-1891-4017-9674-8839FD35C14B}"/>
-              </a:ext>
-            </a:extLst>
-          </p:cNvPr>
+              <a:t>Click to edit Master text styles</a:t>
+            </a:r>
+          </a:p>
+        </p:txBody>
+      </p:sp>
+      <p:sp>
+        <p:nvSpPr>
+          <p:cNvPr id="4" name="Date Placeholder 3"/>
           <p:cNvSpPr>
             <a:spLocks noGrp="1"/>
           </p:cNvSpPr>
@@ -1138,7 +3642,7 @@
           <a:p>
             <a:fld id="{2C1C4E54-FC0F-46DC-9CC8-DAD5290F7686}" type="datetimeFigureOut">
               <a:rPr lang="en-US" smtClean="0"/>
-              <a:t>7/1/2019</a:t>
+              <a:t>1/17/2020</a:t>
             </a:fld>
             <a:endParaRPr lang="en-US"/>
           </a:p>
@@ -1146,13 +3650,7 @@
       </p:sp>
       <p:sp>
         <p:nvSpPr>
-          <p:cNvPr id="5" name="Footer Placeholder 4">
-            <a:extLst>
-              <a:ext uri="{FF2B5EF4-FFF2-40B4-BE49-F238E27FC236}">
-                <a16:creationId xmlns:a16="http://schemas.microsoft.com/office/drawing/2014/main" id="{719C6697-235A-457E-944F-6CA582D126DA}"/>
-              </a:ext>
-            </a:extLst>
-          </p:cNvPr>
+          <p:cNvPr id="5" name="Footer Placeholder 4"/>
           <p:cNvSpPr>
             <a:spLocks noGrp="1"/>
           </p:cNvSpPr>
@@ -1171,13 +3669,7 @@
       </p:sp>
       <p:sp>
         <p:nvSpPr>
-          <p:cNvPr id="6" name="Slide Number Placeholder 5">
-            <a:extLst>
-              <a:ext uri="{FF2B5EF4-FFF2-40B4-BE49-F238E27FC236}">
-                <a16:creationId xmlns:a16="http://schemas.microsoft.com/office/drawing/2014/main" id="{0FCD7794-CD11-4ED9-88B5-A2E65510D104}"/>
-              </a:ext>
-            </a:extLst>
-          </p:cNvPr>
+          <p:cNvPr id="6" name="Slide Number Placeholder 5"/>
           <p:cNvSpPr>
             <a:spLocks noGrp="1"/>
           </p:cNvSpPr>
@@ -1201,7 +3693,7 @@
     </p:spTree>
     <p:extLst>
       <p:ext uri="{BB962C8B-B14F-4D97-AF65-F5344CB8AC3E}">
-        <p14:creationId xmlns:p14="http://schemas.microsoft.com/office/powerpoint/2010/main" val="3763721833"/>
+        <p14:creationId xmlns:p14="http://schemas.microsoft.com/office/powerpoint/2010/main" val="2152472462"/>
       </p:ext>
     </p:extLst>
   </p:cSld>
@@ -1230,13 +3722,7 @@
       </p:grpSpPr>
       <p:sp>
         <p:nvSpPr>
-          <p:cNvPr id="2" name="Title 1">
-            <a:extLst>
-              <a:ext uri="{FF2B5EF4-FFF2-40B4-BE49-F238E27FC236}">
-                <a16:creationId xmlns:a16="http://schemas.microsoft.com/office/drawing/2014/main" id="{6389AF65-A537-4810-B03A-5489B97B5F38}"/>
-              </a:ext>
-            </a:extLst>
-          </p:cNvPr>
+          <p:cNvPr id="2" name="Title 1"/>
           <p:cNvSpPr>
             <a:spLocks noGrp="1"/>
           </p:cNvSpPr>
@@ -1253,18 +3739,13 @@
               <a:rPr lang="en-US"/>
               <a:t>Click to edit Master title style</a:t>
             </a:r>
-          </a:p>
-        </p:txBody>
-      </p:sp>
-      <p:sp>
-        <p:nvSpPr>
-          <p:cNvPr id="3" name="Content Placeholder 2">
-            <a:extLst>
-              <a:ext uri="{FF2B5EF4-FFF2-40B4-BE49-F238E27FC236}">
-                <a16:creationId xmlns:a16="http://schemas.microsoft.com/office/drawing/2014/main" id="{B7A0EC7E-17BD-4F0A-B92B-EABDAA2AF31A}"/>
-              </a:ext>
-            </a:extLst>
-          </p:cNvPr>
+            <a:endParaRPr lang="en-US" dirty="0"/>
+          </a:p>
+        </p:txBody>
+      </p:sp>
+      <p:sp>
+        <p:nvSpPr>
+          <p:cNvPr id="3" name="Content Placeholder 2"/>
           <p:cNvSpPr>
             <a:spLocks noGrp="1"/>
           </p:cNvSpPr>
@@ -1274,18 +3755,20 @@
         </p:nvSpPr>
         <p:spPr>
           <a:xfrm>
-            <a:off x="838200" y="1825625"/>
-            <a:ext cx="5181600" cy="4351338"/>
-          </a:xfrm>
-        </p:spPr>
-        <p:txBody>
-          <a:bodyPr/>
+            <a:off x="913795" y="1732449"/>
+            <a:ext cx="5060497" cy="4058750"/>
+          </a:xfrm>
+        </p:spPr>
+        <p:txBody>
+          <a:bodyPr anchor="t">
+            <a:normAutofit/>
+          </a:bodyPr>
           <a:lstStyle/>
           <a:p>
             <a:pPr lvl="0"/>
             <a:r>
               <a:rPr lang="en-US"/>
-              <a:t>Edit Master text styles</a:t>
+              <a:t>Click to edit Master text styles</a:t>
             </a:r>
           </a:p>
           <a:p>
@@ -1315,18 +3798,13 @@
               <a:rPr lang="en-US"/>
               <a:t>Fifth level</a:t>
             </a:r>
-          </a:p>
-        </p:txBody>
-      </p:sp>
-      <p:sp>
-        <p:nvSpPr>
-          <p:cNvPr id="4" name="Content Placeholder 3">
-            <a:extLst>
-              <a:ext uri="{FF2B5EF4-FFF2-40B4-BE49-F238E27FC236}">
-                <a16:creationId xmlns:a16="http://schemas.microsoft.com/office/drawing/2014/main" id="{53CEB2B3-9D76-419D-9876-4E1E642E7E71}"/>
-              </a:ext>
-            </a:extLst>
-          </p:cNvPr>
+            <a:endParaRPr lang="en-US" dirty="0"/>
+          </a:p>
+        </p:txBody>
+      </p:sp>
+      <p:sp>
+        <p:nvSpPr>
+          <p:cNvPr id="4" name="Content Placeholder 3"/>
           <p:cNvSpPr>
             <a:spLocks noGrp="1"/>
           </p:cNvSpPr>
@@ -1336,18 +3814,20 @@
         </p:nvSpPr>
         <p:spPr>
           <a:xfrm>
-            <a:off x="6172200" y="1825625"/>
-            <a:ext cx="5181600" cy="4351338"/>
-          </a:xfrm>
-        </p:spPr>
-        <p:txBody>
-          <a:bodyPr/>
+            <a:off x="6202892" y="1732449"/>
+            <a:ext cx="5064665" cy="4058751"/>
+          </a:xfrm>
+        </p:spPr>
+        <p:txBody>
+          <a:bodyPr anchor="t">
+            <a:normAutofit/>
+          </a:bodyPr>
           <a:lstStyle/>
           <a:p>
             <a:pPr lvl="0"/>
             <a:r>
               <a:rPr lang="en-US"/>
-              <a:t>Edit Master text styles</a:t>
+              <a:t>Click to edit Master text styles</a:t>
             </a:r>
           </a:p>
           <a:p>
@@ -1377,18 +3857,13 @@
               <a:rPr lang="en-US"/>
               <a:t>Fifth level</a:t>
             </a:r>
-          </a:p>
-        </p:txBody>
-      </p:sp>
-      <p:sp>
-        <p:nvSpPr>
-          <p:cNvPr id="5" name="Date Placeholder 4">
-            <a:extLst>
-              <a:ext uri="{FF2B5EF4-FFF2-40B4-BE49-F238E27FC236}">
-                <a16:creationId xmlns:a16="http://schemas.microsoft.com/office/drawing/2014/main" id="{E75711D7-8A73-432D-9B2C-43D636DD4B93}"/>
-              </a:ext>
-            </a:extLst>
-          </p:cNvPr>
+            <a:endParaRPr lang="en-US" dirty="0"/>
+          </a:p>
+        </p:txBody>
+      </p:sp>
+      <p:sp>
+        <p:nvSpPr>
+          <p:cNvPr id="5" name="Date Placeholder 4"/>
           <p:cNvSpPr>
             <a:spLocks noGrp="1"/>
           </p:cNvSpPr>
@@ -1403,7 +3878,7 @@
           <a:p>
             <a:fld id="{2C1C4E54-FC0F-46DC-9CC8-DAD5290F7686}" type="datetimeFigureOut">
               <a:rPr lang="en-US" smtClean="0"/>
-              <a:t>7/1/2019</a:t>
+              <a:t>1/17/2020</a:t>
             </a:fld>
             <a:endParaRPr lang="en-US"/>
           </a:p>
@@ -1411,13 +3886,7 @@
       </p:sp>
       <p:sp>
         <p:nvSpPr>
-          <p:cNvPr id="6" name="Footer Placeholder 5">
-            <a:extLst>
-              <a:ext uri="{FF2B5EF4-FFF2-40B4-BE49-F238E27FC236}">
-                <a16:creationId xmlns:a16="http://schemas.microsoft.com/office/drawing/2014/main" id="{20834630-9C0C-4AD0-87C7-DB20B46988BB}"/>
-              </a:ext>
-            </a:extLst>
-          </p:cNvPr>
+          <p:cNvPr id="6" name="Footer Placeholder 5"/>
           <p:cNvSpPr>
             <a:spLocks noGrp="1"/>
           </p:cNvSpPr>
@@ -1436,13 +3905,7 @@
       </p:sp>
       <p:sp>
         <p:nvSpPr>
-          <p:cNvPr id="7" name="Slide Number Placeholder 6">
-            <a:extLst>
-              <a:ext uri="{FF2B5EF4-FFF2-40B4-BE49-F238E27FC236}">
-                <a16:creationId xmlns:a16="http://schemas.microsoft.com/office/drawing/2014/main" id="{675B0ED3-5E76-4ED0-93C2-B682619296DC}"/>
-              </a:ext>
-            </a:extLst>
-          </p:cNvPr>
+          <p:cNvPr id="7" name="Slide Number Placeholder 6"/>
           <p:cNvSpPr>
             <a:spLocks noGrp="1"/>
           </p:cNvSpPr>
@@ -1466,7 +3929,7 @@
     </p:spTree>
     <p:extLst>
       <p:ext uri="{BB962C8B-B14F-4D97-AF65-F5344CB8AC3E}">
-        <p14:creationId xmlns:p14="http://schemas.microsoft.com/office/powerpoint/2010/main" val="2329506634"/>
+        <p14:creationId xmlns:p14="http://schemas.microsoft.com/office/powerpoint/2010/main" val="3574352040"/>
       </p:ext>
     </p:extLst>
   </p:cSld>
@@ -1493,48 +3956,96 @@
           <a:chExt cx="0" cy="0"/>
         </a:xfrm>
       </p:grpSpPr>
-      <p:sp>
-        <p:nvSpPr>
-          <p:cNvPr id="2" name="Title 1">
+      <p:pic>
+        <p:nvPicPr>
+          <p:cNvPr id="20" name="Picture 19" descr="Slate-V2-HD-compPhotoInset.png"/>
+          <p:cNvPicPr>
+            <a:picLocks noChangeAspect="1"/>
+          </p:cNvPicPr>
+          <p:nvPr/>
+        </p:nvPicPr>
+        <p:blipFill>
+          <a:blip r:embed="rId2">
             <a:extLst>
-              <a:ext uri="{FF2B5EF4-FFF2-40B4-BE49-F238E27FC236}">
-                <a16:creationId xmlns:a16="http://schemas.microsoft.com/office/drawing/2014/main" id="{CE2381E3-DA1B-407A-B9C0-DAE446577248}"/>
+              <a:ext uri="{28A0092B-C50C-407E-A947-70E740481C1C}">
+                <a14:useLocalDpi xmlns:a14="http://schemas.microsoft.com/office/drawing/2010/main" val="0"/>
               </a:ext>
             </a:extLst>
-          </p:cNvPr>
-          <p:cNvSpPr>
-            <a:spLocks noGrp="1"/>
-          </p:cNvSpPr>
-          <p:nvPr>
-            <p:ph type="title"/>
-          </p:nvPr>
-        </p:nvSpPr>
-        <p:spPr>
-          <a:xfrm>
-            <a:off x="839788" y="365125"/>
-            <a:ext cx="10515600" cy="1325563"/>
-          </a:xfrm>
-        </p:spPr>
-        <p:txBody>
-          <a:bodyPr/>
-          <a:lstStyle/>
-          <a:p>
-            <a:r>
-              <a:rPr lang="en-US"/>
-              <a:t>Click to edit Master title style</a:t>
-            </a:r>
-          </a:p>
-        </p:txBody>
-      </p:sp>
-      <p:sp>
-        <p:nvSpPr>
-          <p:cNvPr id="3" name="Text Placeholder 2">
+          </a:blip>
+          <a:stretch>
+            <a:fillRect/>
+          </a:stretch>
+        </p:blipFill>
+        <p:spPr>
+          <a:xfrm>
+            <a:off x="913795" y="1734506"/>
+            <a:ext cx="5089072" cy="4148769"/>
+          </a:xfrm>
+          <a:prstGeom prst="rect">
+            <a:avLst/>
+          </a:prstGeom>
+        </p:spPr>
+      </p:pic>
+      <p:pic>
+        <p:nvPicPr>
+          <p:cNvPr id="21" name="Picture 20" descr="Slate-V2-HD-compPhotoInset.png"/>
+          <p:cNvPicPr>
+            <a:picLocks noChangeAspect="1"/>
+          </p:cNvPicPr>
+          <p:nvPr/>
+        </p:nvPicPr>
+        <p:blipFill>
+          <a:blip r:embed="rId2">
             <a:extLst>
-              <a:ext uri="{FF2B5EF4-FFF2-40B4-BE49-F238E27FC236}">
-                <a16:creationId xmlns:a16="http://schemas.microsoft.com/office/drawing/2014/main" id="{2B01B902-63CC-44FB-8085-63CC8A9719F5}"/>
+              <a:ext uri="{28A0092B-C50C-407E-A947-70E740481C1C}">
+                <a14:useLocalDpi xmlns:a14="http://schemas.microsoft.com/office/drawing/2010/main" val="0"/>
               </a:ext>
             </a:extLst>
-          </p:cNvPr>
+          </a:blip>
+          <a:stretch>
+            <a:fillRect/>
+          </a:stretch>
+        </p:blipFill>
+        <p:spPr>
+          <a:xfrm>
+            <a:off x="6178485" y="1734506"/>
+            <a:ext cx="5089072" cy="4148769"/>
+          </a:xfrm>
+          <a:prstGeom prst="rect">
+            <a:avLst/>
+          </a:prstGeom>
+        </p:spPr>
+      </p:pic>
+      <p:sp>
+        <p:nvSpPr>
+          <p:cNvPr id="2" name="Title 1"/>
+          <p:cNvSpPr>
+            <a:spLocks noGrp="1"/>
+          </p:cNvSpPr>
+          <p:nvPr>
+            <p:ph type="title"/>
+          </p:nvPr>
+        </p:nvSpPr>
+        <p:spPr/>
+        <p:txBody>
+          <a:bodyPr/>
+          <a:lstStyle>
+            <a:lvl1pPr>
+              <a:defRPr/>
+            </a:lvl1pPr>
+          </a:lstStyle>
+          <a:p>
+            <a:r>
+              <a:rPr lang="en-US"/>
+              <a:t>Click to edit Master title style</a:t>
+            </a:r>
+            <a:endParaRPr lang="en-US" dirty="0"/>
+          </a:p>
+        </p:txBody>
+      </p:sp>
+      <p:sp>
+        <p:nvSpPr>
+          <p:cNvPr id="3" name="Text Placeholder 2"/>
           <p:cNvSpPr>
             <a:spLocks noGrp="1"/>
           </p:cNvSpPr>
@@ -1544,16 +4055,18 @@
         </p:nvSpPr>
         <p:spPr>
           <a:xfrm>
-            <a:off x="839788" y="1681163"/>
-            <a:ext cx="5157787" cy="823912"/>
-          </a:xfrm>
-        </p:spPr>
-        <p:txBody>
-          <a:bodyPr anchor="b"/>
+            <a:off x="1005872" y="1835254"/>
+            <a:ext cx="4876344" cy="544884"/>
+          </a:xfrm>
+        </p:spPr>
+        <p:txBody>
+          <a:bodyPr anchor="b">
+            <a:noAutofit/>
+          </a:bodyPr>
           <a:lstStyle>
-            <a:lvl1pPr marL="0" indent="0">
-              <a:buNone/>
-              <a:defRPr sz="2400" b="1"/>
+            <a:lvl1pPr marL="0" indent="0" algn="ctr">
+              <a:buNone/>
+              <a:defRPr sz="2400" b="0"/>
             </a:lvl1pPr>
             <a:lvl2pPr marL="457200" indent="0">
               <a:buNone/>
@@ -1592,20 +4105,14 @@
             <a:pPr lvl="0"/>
             <a:r>
               <a:rPr lang="en-US"/>
-              <a:t>Edit Master text styles</a:t>
-            </a:r>
-          </a:p>
-        </p:txBody>
-      </p:sp>
-      <p:sp>
-        <p:nvSpPr>
-          <p:cNvPr id="4" name="Content Placeholder 3">
-            <a:extLst>
-              <a:ext uri="{FF2B5EF4-FFF2-40B4-BE49-F238E27FC236}">
-                <a16:creationId xmlns:a16="http://schemas.microsoft.com/office/drawing/2014/main" id="{3FD2D837-0601-40DE-8496-52AF839582DC}"/>
-              </a:ext>
-            </a:extLst>
-          </p:cNvPr>
+              <a:t>Click to edit Master text styles</a:t>
+            </a:r>
+          </a:p>
+        </p:txBody>
+      </p:sp>
+      <p:sp>
+        <p:nvSpPr>
+          <p:cNvPr id="4" name="Content Placeholder 3"/>
           <p:cNvSpPr>
             <a:spLocks noGrp="1"/>
           </p:cNvSpPr>
@@ -1615,18 +4122,36 @@
         </p:nvSpPr>
         <p:spPr>
           <a:xfrm>
-            <a:off x="839788" y="2505075"/>
-            <a:ext cx="5157787" cy="3684588"/>
-          </a:xfrm>
-        </p:spPr>
-        <p:txBody>
-          <a:bodyPr/>
-          <a:lstStyle/>
+            <a:off x="1005872" y="2380137"/>
+            <a:ext cx="4876344" cy="3411063"/>
+          </a:xfrm>
+        </p:spPr>
+        <p:txBody>
+          <a:bodyPr anchor="t">
+            <a:normAutofit/>
+          </a:bodyPr>
+          <a:lstStyle>
+            <a:lvl1pPr>
+              <a:defRPr sz="1800"/>
+            </a:lvl1pPr>
+            <a:lvl2pPr>
+              <a:defRPr sz="1600"/>
+            </a:lvl2pPr>
+            <a:lvl3pPr>
+              <a:defRPr sz="1400"/>
+            </a:lvl3pPr>
+            <a:lvl4pPr>
+              <a:defRPr sz="1200"/>
+            </a:lvl4pPr>
+            <a:lvl5pPr>
+              <a:defRPr sz="1200"/>
+            </a:lvl5pPr>
+          </a:lstStyle>
           <a:p>
             <a:pPr lvl="0"/>
             <a:r>
               <a:rPr lang="en-US"/>
-              <a:t>Edit Master text styles</a:t>
+              <a:t>Click to edit Master text styles</a:t>
             </a:r>
           </a:p>
           <a:p>
@@ -1656,18 +4181,13 @@
               <a:rPr lang="en-US"/>
               <a:t>Fifth level</a:t>
             </a:r>
-          </a:p>
-        </p:txBody>
-      </p:sp>
-      <p:sp>
-        <p:nvSpPr>
-          <p:cNvPr id="5" name="Text Placeholder 4">
-            <a:extLst>
-              <a:ext uri="{FF2B5EF4-FFF2-40B4-BE49-F238E27FC236}">
-                <a16:creationId xmlns:a16="http://schemas.microsoft.com/office/drawing/2014/main" id="{DAF9FE2B-0D6E-4FCE-98B6-866EC65001C2}"/>
-              </a:ext>
-            </a:extLst>
-          </p:cNvPr>
+            <a:endParaRPr lang="en-US" dirty="0"/>
+          </a:p>
+        </p:txBody>
+      </p:sp>
+      <p:sp>
+        <p:nvSpPr>
+          <p:cNvPr id="5" name="Text Placeholder 4"/>
           <p:cNvSpPr>
             <a:spLocks noGrp="1"/>
           </p:cNvSpPr>
@@ -1677,16 +4197,18 @@
         </p:nvSpPr>
         <p:spPr>
           <a:xfrm>
-            <a:off x="6172200" y="1681163"/>
-            <a:ext cx="5183188" cy="823912"/>
-          </a:xfrm>
-        </p:spPr>
-        <p:txBody>
-          <a:bodyPr anchor="b"/>
+            <a:off x="6294967" y="1835254"/>
+            <a:ext cx="4895330" cy="544883"/>
+          </a:xfrm>
+        </p:spPr>
+        <p:txBody>
+          <a:bodyPr anchor="b">
+            <a:noAutofit/>
+          </a:bodyPr>
           <a:lstStyle>
-            <a:lvl1pPr marL="0" indent="0">
-              <a:buNone/>
-              <a:defRPr sz="2400" b="1"/>
+            <a:lvl1pPr marL="0" indent="0" algn="ctr">
+              <a:buNone/>
+              <a:defRPr sz="2400" b="0"/>
             </a:lvl1pPr>
             <a:lvl2pPr marL="457200" indent="0">
               <a:buNone/>
@@ -1725,20 +4247,14 @@
             <a:pPr lvl="0"/>
             <a:r>
               <a:rPr lang="en-US"/>
-              <a:t>Edit Master text styles</a:t>
-            </a:r>
-          </a:p>
-        </p:txBody>
-      </p:sp>
-      <p:sp>
-        <p:nvSpPr>
-          <p:cNvPr id="6" name="Content Placeholder 5">
-            <a:extLst>
-              <a:ext uri="{FF2B5EF4-FFF2-40B4-BE49-F238E27FC236}">
-                <a16:creationId xmlns:a16="http://schemas.microsoft.com/office/drawing/2014/main" id="{DCF92DF1-A930-4B1C-A86E-D3736A2DFAA3}"/>
-              </a:ext>
-            </a:extLst>
-          </p:cNvPr>
+              <a:t>Click to edit Master text styles</a:t>
+            </a:r>
+          </a:p>
+        </p:txBody>
+      </p:sp>
+      <p:sp>
+        <p:nvSpPr>
+          <p:cNvPr id="6" name="Content Placeholder 5"/>
           <p:cNvSpPr>
             <a:spLocks noGrp="1"/>
           </p:cNvSpPr>
@@ -1748,18 +4264,36 @@
         </p:nvSpPr>
         <p:spPr>
           <a:xfrm>
-            <a:off x="6172200" y="2505075"/>
-            <a:ext cx="5183188" cy="3684588"/>
-          </a:xfrm>
-        </p:spPr>
-        <p:txBody>
-          <a:bodyPr/>
-          <a:lstStyle/>
+            <a:off x="6294967" y="2380137"/>
+            <a:ext cx="4895330" cy="3411063"/>
+          </a:xfrm>
+        </p:spPr>
+        <p:txBody>
+          <a:bodyPr anchor="t">
+            <a:normAutofit/>
+          </a:bodyPr>
+          <a:lstStyle>
+            <a:lvl1pPr>
+              <a:defRPr sz="1800"/>
+            </a:lvl1pPr>
+            <a:lvl2pPr>
+              <a:defRPr sz="1600"/>
+            </a:lvl2pPr>
+            <a:lvl3pPr>
+              <a:defRPr sz="1400"/>
+            </a:lvl3pPr>
+            <a:lvl4pPr>
+              <a:defRPr sz="1200"/>
+            </a:lvl4pPr>
+            <a:lvl5pPr>
+              <a:defRPr sz="1200"/>
+            </a:lvl5pPr>
+          </a:lstStyle>
           <a:p>
             <a:pPr lvl="0"/>
             <a:r>
               <a:rPr lang="en-US"/>
-              <a:t>Edit Master text styles</a:t>
+              <a:t>Click to edit Master text styles</a:t>
             </a:r>
           </a:p>
           <a:p>
@@ -1789,18 +4323,13 @@
               <a:rPr lang="en-US"/>
               <a:t>Fifth level</a:t>
             </a:r>
-          </a:p>
-        </p:txBody>
-      </p:sp>
-      <p:sp>
-        <p:nvSpPr>
-          <p:cNvPr id="7" name="Date Placeholder 6">
-            <a:extLst>
-              <a:ext uri="{FF2B5EF4-FFF2-40B4-BE49-F238E27FC236}">
-                <a16:creationId xmlns:a16="http://schemas.microsoft.com/office/drawing/2014/main" id="{C8253F3A-56C0-4CBE-B270-82D6975AE165}"/>
-              </a:ext>
-            </a:extLst>
-          </p:cNvPr>
+            <a:endParaRPr lang="en-US" dirty="0"/>
+          </a:p>
+        </p:txBody>
+      </p:sp>
+      <p:sp>
+        <p:nvSpPr>
+          <p:cNvPr id="7" name="Date Placeholder 6"/>
           <p:cNvSpPr>
             <a:spLocks noGrp="1"/>
           </p:cNvSpPr>
@@ -1815,7 +4344,7 @@
           <a:p>
             <a:fld id="{2C1C4E54-FC0F-46DC-9CC8-DAD5290F7686}" type="datetimeFigureOut">
               <a:rPr lang="en-US" smtClean="0"/>
-              <a:t>7/1/2019</a:t>
+              <a:t>1/17/2020</a:t>
             </a:fld>
             <a:endParaRPr lang="en-US"/>
           </a:p>
@@ -1823,13 +4352,7 @@
       </p:sp>
       <p:sp>
         <p:nvSpPr>
-          <p:cNvPr id="8" name="Footer Placeholder 7">
-            <a:extLst>
-              <a:ext uri="{FF2B5EF4-FFF2-40B4-BE49-F238E27FC236}">
-                <a16:creationId xmlns:a16="http://schemas.microsoft.com/office/drawing/2014/main" id="{DAEE592B-CA7A-4E75-8F9B-F4A6F86E0CCB}"/>
-              </a:ext>
-            </a:extLst>
-          </p:cNvPr>
+          <p:cNvPr id="8" name="Footer Placeholder 7"/>
           <p:cNvSpPr>
             <a:spLocks noGrp="1"/>
           </p:cNvSpPr>
@@ -1848,13 +4371,7 @@
       </p:sp>
       <p:sp>
         <p:nvSpPr>
-          <p:cNvPr id="9" name="Slide Number Placeholder 8">
-            <a:extLst>
-              <a:ext uri="{FF2B5EF4-FFF2-40B4-BE49-F238E27FC236}">
-                <a16:creationId xmlns:a16="http://schemas.microsoft.com/office/drawing/2014/main" id="{8CBBD36B-C486-4FE3-9859-471124107C33}"/>
-              </a:ext>
-            </a:extLst>
-          </p:cNvPr>
+          <p:cNvPr id="9" name="Slide Number Placeholder 8"/>
           <p:cNvSpPr>
             <a:spLocks noGrp="1"/>
           </p:cNvSpPr>
@@ -1878,7 +4395,7 @@
     </p:spTree>
     <p:extLst>
       <p:ext uri="{BB962C8B-B14F-4D97-AF65-F5344CB8AC3E}">
-        <p14:creationId xmlns:p14="http://schemas.microsoft.com/office/powerpoint/2010/main" val="113964285"/>
+        <p14:creationId xmlns:p14="http://schemas.microsoft.com/office/powerpoint/2010/main" val="3823966571"/>
       </p:ext>
     </p:extLst>
   </p:cSld>
@@ -1907,13 +4424,7 @@
       </p:grpSpPr>
       <p:sp>
         <p:nvSpPr>
-          <p:cNvPr id="2" name="Title 1">
-            <a:extLst>
-              <a:ext uri="{FF2B5EF4-FFF2-40B4-BE49-F238E27FC236}">
-                <a16:creationId xmlns:a16="http://schemas.microsoft.com/office/drawing/2014/main" id="{AF05EAED-E0AC-4BD1-B25E-014C2A8FC327}"/>
-              </a:ext>
-            </a:extLst>
-          </p:cNvPr>
+          <p:cNvPr id="2" name="Title 1"/>
           <p:cNvSpPr>
             <a:spLocks noGrp="1"/>
           </p:cNvSpPr>
@@ -1930,18 +4441,13 @@
               <a:rPr lang="en-US"/>
               <a:t>Click to edit Master title style</a:t>
             </a:r>
-          </a:p>
-        </p:txBody>
-      </p:sp>
-      <p:sp>
-        <p:nvSpPr>
-          <p:cNvPr id="3" name="Date Placeholder 2">
-            <a:extLst>
-              <a:ext uri="{FF2B5EF4-FFF2-40B4-BE49-F238E27FC236}">
-                <a16:creationId xmlns:a16="http://schemas.microsoft.com/office/drawing/2014/main" id="{023EDBB7-7D99-4A11-B68A-62546194D3CA}"/>
-              </a:ext>
-            </a:extLst>
-          </p:cNvPr>
+            <a:endParaRPr lang="en-US" dirty="0"/>
+          </a:p>
+        </p:txBody>
+      </p:sp>
+      <p:sp>
+        <p:nvSpPr>
+          <p:cNvPr id="3" name="Date Placeholder 2"/>
           <p:cNvSpPr>
             <a:spLocks noGrp="1"/>
           </p:cNvSpPr>
@@ -1956,7 +4462,7 @@
           <a:p>
             <a:fld id="{2C1C4E54-FC0F-46DC-9CC8-DAD5290F7686}" type="datetimeFigureOut">
               <a:rPr lang="en-US" smtClean="0"/>
-              <a:t>7/1/2019</a:t>
+              <a:t>1/17/2020</a:t>
             </a:fld>
             <a:endParaRPr lang="en-US"/>
           </a:p>
@@ -1964,13 +4470,7 @@
       </p:sp>
       <p:sp>
         <p:nvSpPr>
-          <p:cNvPr id="4" name="Footer Placeholder 3">
-            <a:extLst>
-              <a:ext uri="{FF2B5EF4-FFF2-40B4-BE49-F238E27FC236}">
-                <a16:creationId xmlns:a16="http://schemas.microsoft.com/office/drawing/2014/main" id="{9FC769B8-EF6E-42A5-B033-A8B719803F4D}"/>
-              </a:ext>
-            </a:extLst>
-          </p:cNvPr>
+          <p:cNvPr id="4" name="Footer Placeholder 3"/>
           <p:cNvSpPr>
             <a:spLocks noGrp="1"/>
           </p:cNvSpPr>
@@ -1989,13 +4489,7 @@
       </p:sp>
       <p:sp>
         <p:nvSpPr>
-          <p:cNvPr id="5" name="Slide Number Placeholder 4">
-            <a:extLst>
-              <a:ext uri="{FF2B5EF4-FFF2-40B4-BE49-F238E27FC236}">
-                <a16:creationId xmlns:a16="http://schemas.microsoft.com/office/drawing/2014/main" id="{EB52F2A9-FB64-463A-B943-A330922B855C}"/>
-              </a:ext>
-            </a:extLst>
-          </p:cNvPr>
+          <p:cNvPr id="5" name="Slide Number Placeholder 4"/>
           <p:cNvSpPr>
             <a:spLocks noGrp="1"/>
           </p:cNvSpPr>
@@ -2019,7 +4513,7 @@
     </p:spTree>
     <p:extLst>
       <p:ext uri="{BB962C8B-B14F-4D97-AF65-F5344CB8AC3E}">
-        <p14:creationId xmlns:p14="http://schemas.microsoft.com/office/powerpoint/2010/main" val="681453716"/>
+        <p14:creationId xmlns:p14="http://schemas.microsoft.com/office/powerpoint/2010/main" val="1561721987"/>
       </p:ext>
     </p:extLst>
   </p:cSld>
@@ -2048,13 +4542,7 @@
       </p:grpSpPr>
       <p:sp>
         <p:nvSpPr>
-          <p:cNvPr id="2" name="Date Placeholder 1">
-            <a:extLst>
-              <a:ext uri="{FF2B5EF4-FFF2-40B4-BE49-F238E27FC236}">
-                <a16:creationId xmlns:a16="http://schemas.microsoft.com/office/drawing/2014/main" id="{7CD71DE4-0093-4186-A766-9E759565EE1A}"/>
-              </a:ext>
-            </a:extLst>
-          </p:cNvPr>
+          <p:cNvPr id="2" name="Date Placeholder 1"/>
           <p:cNvSpPr>
             <a:spLocks noGrp="1"/>
           </p:cNvSpPr>
@@ -2069,7 +4557,7 @@
           <a:p>
             <a:fld id="{2C1C4E54-FC0F-46DC-9CC8-DAD5290F7686}" type="datetimeFigureOut">
               <a:rPr lang="en-US" smtClean="0"/>
-              <a:t>7/1/2019</a:t>
+              <a:t>1/17/2020</a:t>
             </a:fld>
             <a:endParaRPr lang="en-US"/>
           </a:p>
@@ -2077,13 +4565,7 @@
       </p:sp>
       <p:sp>
         <p:nvSpPr>
-          <p:cNvPr id="3" name="Footer Placeholder 2">
-            <a:extLst>
-              <a:ext uri="{FF2B5EF4-FFF2-40B4-BE49-F238E27FC236}">
-                <a16:creationId xmlns:a16="http://schemas.microsoft.com/office/drawing/2014/main" id="{FCAA86DD-2485-4510-BCEB-2B08FB3AFC7F}"/>
-              </a:ext>
-            </a:extLst>
-          </p:cNvPr>
+          <p:cNvPr id="3" name="Footer Placeholder 2"/>
           <p:cNvSpPr>
             <a:spLocks noGrp="1"/>
           </p:cNvSpPr>
@@ -2102,13 +4584,7 @@
       </p:sp>
       <p:sp>
         <p:nvSpPr>
-          <p:cNvPr id="4" name="Slide Number Placeholder 3">
-            <a:extLst>
-              <a:ext uri="{FF2B5EF4-FFF2-40B4-BE49-F238E27FC236}">
-                <a16:creationId xmlns:a16="http://schemas.microsoft.com/office/drawing/2014/main" id="{465C5078-44A9-4F57-927E-BF9D0DCBAD05}"/>
-              </a:ext>
-            </a:extLst>
-          </p:cNvPr>
+          <p:cNvPr id="4" name="Slide Number Placeholder 3"/>
           <p:cNvSpPr>
             <a:spLocks noGrp="1"/>
           </p:cNvSpPr>
@@ -2132,7 +4608,7 @@
     </p:spTree>
     <p:extLst>
       <p:ext uri="{BB962C8B-B14F-4D97-AF65-F5344CB8AC3E}">
-        <p14:creationId xmlns:p14="http://schemas.microsoft.com/office/powerpoint/2010/main" val="1150502084"/>
+        <p14:creationId xmlns:p14="http://schemas.microsoft.com/office/powerpoint/2010/main" val="2940182339"/>
       </p:ext>
     </p:extLst>
   </p:cSld>
@@ -2161,13 +4637,7 @@
       </p:grpSpPr>
       <p:sp>
         <p:nvSpPr>
-          <p:cNvPr id="2" name="Title 1">
-            <a:extLst>
-              <a:ext uri="{FF2B5EF4-FFF2-40B4-BE49-F238E27FC236}">
-                <a16:creationId xmlns:a16="http://schemas.microsoft.com/office/drawing/2014/main" id="{841D3AA3-80FF-4109-9948-5F397287C7C9}"/>
-              </a:ext>
-            </a:extLst>
-          </p:cNvPr>
+          <p:cNvPr id="2" name="Title 1"/>
           <p:cNvSpPr>
             <a:spLocks noGrp="1"/>
           </p:cNvSpPr>
@@ -2177,15 +4647,17 @@
         </p:nvSpPr>
         <p:spPr>
           <a:xfrm>
-            <a:off x="839788" y="457200"/>
-            <a:ext cx="3932237" cy="1600200"/>
-          </a:xfrm>
-        </p:spPr>
-        <p:txBody>
-          <a:bodyPr anchor="b"/>
+            <a:off x="913795" y="609600"/>
+            <a:ext cx="3706889" cy="1821918"/>
+          </a:xfrm>
+        </p:spPr>
+        <p:txBody>
+          <a:bodyPr anchor="b">
+            <a:normAutofit/>
+          </a:bodyPr>
           <a:lstStyle>
-            <a:lvl1pPr>
-              <a:defRPr sz="3200"/>
+            <a:lvl1pPr algn="ctr">
+              <a:defRPr sz="2400" b="0"/>
             </a:lvl1pPr>
           </a:lstStyle>
           <a:p>
@@ -2193,18 +4665,13 @@
               <a:rPr lang="en-US"/>
               <a:t>Click to edit Master title style</a:t>
             </a:r>
-          </a:p>
-        </p:txBody>
-      </p:sp>
-      <p:sp>
-        <p:nvSpPr>
-          <p:cNvPr id="3" name="Content Placeholder 2">
-            <a:extLst>
-              <a:ext uri="{FF2B5EF4-FFF2-40B4-BE49-F238E27FC236}">
-                <a16:creationId xmlns:a16="http://schemas.microsoft.com/office/drawing/2014/main" id="{5E971979-BEF6-4364-8F35-9A58E6F21F28}"/>
-              </a:ext>
-            </a:extLst>
-          </p:cNvPr>
+            <a:endParaRPr lang="en-US" dirty="0"/>
+          </a:p>
+        </p:txBody>
+      </p:sp>
+      <p:sp>
+        <p:nvSpPr>
+          <p:cNvPr id="3" name="Content Placeholder 2"/>
           <p:cNvSpPr>
             <a:spLocks noGrp="1"/>
           </p:cNvSpPr>
@@ -2214,158 +4681,123 @@
         </p:nvSpPr>
         <p:spPr>
           <a:xfrm>
-            <a:off x="5183188" y="987425"/>
-            <a:ext cx="6172200" cy="4873625"/>
-          </a:xfrm>
-        </p:spPr>
-        <p:txBody>
-          <a:bodyPr/>
+            <a:off x="4855633" y="609600"/>
+            <a:ext cx="6411924" cy="5181600"/>
+          </a:xfrm>
+        </p:spPr>
+        <p:txBody>
+          <a:bodyPr>
+            <a:normAutofit/>
+          </a:bodyPr>
+          <a:lstStyle/>
+          <a:p>
+            <a:pPr lvl="0"/>
+            <a:r>
+              <a:rPr lang="en-US"/>
+              <a:t>Click to edit Master text styles</a:t>
+            </a:r>
+          </a:p>
+          <a:p>
+            <a:pPr lvl="1"/>
+            <a:r>
+              <a:rPr lang="en-US"/>
+              <a:t>Second level</a:t>
+            </a:r>
+          </a:p>
+          <a:p>
+            <a:pPr lvl="2"/>
+            <a:r>
+              <a:rPr lang="en-US"/>
+              <a:t>Third level</a:t>
+            </a:r>
+          </a:p>
+          <a:p>
+            <a:pPr lvl="3"/>
+            <a:r>
+              <a:rPr lang="en-US"/>
+              <a:t>Fourth level</a:t>
+            </a:r>
+          </a:p>
+          <a:p>
+            <a:pPr lvl="4"/>
+            <a:r>
+              <a:rPr lang="en-US"/>
+              <a:t>Fifth level</a:t>
+            </a:r>
+            <a:endParaRPr lang="en-US" dirty="0"/>
+          </a:p>
+        </p:txBody>
+      </p:sp>
+      <p:sp>
+        <p:nvSpPr>
+          <p:cNvPr id="4" name="Text Placeholder 3"/>
+          <p:cNvSpPr>
+            <a:spLocks noGrp="1"/>
+          </p:cNvSpPr>
+          <p:nvPr>
+            <p:ph type="body" sz="half" idx="2"/>
+          </p:nvPr>
+        </p:nvSpPr>
+        <p:spPr>
+          <a:xfrm>
+            <a:off x="913795" y="2431518"/>
+            <a:ext cx="3706889" cy="3359681"/>
+          </a:xfrm>
+        </p:spPr>
+        <p:txBody>
+          <a:bodyPr anchor="t">
+            <a:normAutofit/>
+          </a:bodyPr>
           <a:lstStyle>
-            <a:lvl1pPr>
-              <a:defRPr sz="3200"/>
-            </a:lvl1pPr>
-            <a:lvl2pPr>
-              <a:defRPr sz="2800"/>
-            </a:lvl2pPr>
-            <a:lvl3pPr>
-              <a:defRPr sz="2400"/>
-            </a:lvl3pPr>
-            <a:lvl4pPr>
-              <a:defRPr sz="2000"/>
-            </a:lvl4pPr>
-            <a:lvl5pPr>
-              <a:defRPr sz="2000"/>
-            </a:lvl5pPr>
-            <a:lvl6pPr>
-              <a:defRPr sz="2000"/>
-            </a:lvl6pPr>
-            <a:lvl7pPr>
-              <a:defRPr sz="2000"/>
-            </a:lvl7pPr>
-            <a:lvl8pPr>
-              <a:defRPr sz="2000"/>
-            </a:lvl8pPr>
-            <a:lvl9pPr>
-              <a:defRPr sz="2000"/>
-            </a:lvl9pPr>
-          </a:lstStyle>
-          <a:p>
-            <a:pPr lvl="0"/>
-            <a:r>
-              <a:rPr lang="en-US"/>
-              <a:t>Edit Master text styles</a:t>
-            </a:r>
-          </a:p>
-          <a:p>
-            <a:pPr lvl="1"/>
-            <a:r>
-              <a:rPr lang="en-US"/>
-              <a:t>Second level</a:t>
-            </a:r>
-          </a:p>
-          <a:p>
-            <a:pPr lvl="2"/>
-            <a:r>
-              <a:rPr lang="en-US"/>
-              <a:t>Third level</a:t>
-            </a:r>
-          </a:p>
-          <a:p>
-            <a:pPr lvl="3"/>
-            <a:r>
-              <a:rPr lang="en-US"/>
-              <a:t>Fourth level</a:t>
-            </a:r>
-          </a:p>
-          <a:p>
-            <a:pPr lvl="4"/>
-            <a:r>
-              <a:rPr lang="en-US"/>
-              <a:t>Fifth level</a:t>
-            </a:r>
-          </a:p>
-        </p:txBody>
-      </p:sp>
-      <p:sp>
-        <p:nvSpPr>
-          <p:cNvPr id="4" name="Text Placeholder 3">
-            <a:extLst>
-              <a:ext uri="{FF2B5EF4-FFF2-40B4-BE49-F238E27FC236}">
-                <a16:creationId xmlns:a16="http://schemas.microsoft.com/office/drawing/2014/main" id="{2D1FF444-8702-4EC6-B27F-946A655CECEB}"/>
-              </a:ext>
-            </a:extLst>
-          </p:cNvPr>
-          <p:cNvSpPr>
-            <a:spLocks noGrp="1"/>
-          </p:cNvSpPr>
-          <p:nvPr>
-            <p:ph type="body" sz="half" idx="2"/>
-          </p:nvPr>
-        </p:nvSpPr>
-        <p:spPr>
-          <a:xfrm>
-            <a:off x="839788" y="2057400"/>
-            <a:ext cx="3932237" cy="3811588"/>
-          </a:xfrm>
-        </p:spPr>
-        <p:txBody>
-          <a:bodyPr/>
-          <a:lstStyle>
-            <a:lvl1pPr marL="0" indent="0">
+            <a:lvl1pPr marL="0" indent="0" algn="ctr">
               <a:buNone/>
               <a:defRPr sz="1600"/>
             </a:lvl1pPr>
             <a:lvl2pPr marL="457200" indent="0">
               <a:buNone/>
-              <a:defRPr sz="1400"/>
+              <a:defRPr sz="1200"/>
             </a:lvl2pPr>
             <a:lvl3pPr marL="914400" indent="0">
               <a:buNone/>
-              <a:defRPr sz="1200"/>
+              <a:defRPr sz="1000"/>
             </a:lvl3pPr>
             <a:lvl4pPr marL="1371600" indent="0">
               <a:buNone/>
-              <a:defRPr sz="1000"/>
+              <a:defRPr sz="900"/>
             </a:lvl4pPr>
             <a:lvl5pPr marL="1828800" indent="0">
               <a:buNone/>
-              <a:defRPr sz="1000"/>
+              <a:defRPr sz="900"/>
             </a:lvl5pPr>
             <a:lvl6pPr marL="2286000" indent="0">
               <a:buNone/>
-              <a:defRPr sz="1000"/>
+              <a:defRPr sz="900"/>
             </a:lvl6pPr>
             <a:lvl7pPr marL="2743200" indent="0">
               <a:buNone/>
-              <a:defRPr sz="1000"/>
+              <a:defRPr sz="900"/>
             </a:lvl7pPr>
             <a:lvl8pPr marL="3200400" indent="0">
               <a:buNone/>
-              <a:defRPr sz="1000"/>
+              <a:defRPr sz="900"/>
             </a:lvl8pPr>
             <a:lvl9pPr marL="3657600" indent="0">
               <a:buNone/>
-              <a:defRPr sz="1000"/>
+              <a:defRPr sz="900"/>
             </a:lvl9pPr>
           </a:lstStyle>
           <a:p>
             <a:pPr lvl="0"/>
             <a:r>
               <a:rPr lang="en-US"/>
-              <a:t>Edit Master text styles</a:t>
-            </a:r>
-          </a:p>
-        </p:txBody>
-      </p:sp>
-      <p:sp>
-        <p:nvSpPr>
-          <p:cNvPr id="5" name="Date Placeholder 4">
-            <a:extLst>
-              <a:ext uri="{FF2B5EF4-FFF2-40B4-BE49-F238E27FC236}">
-                <a16:creationId xmlns:a16="http://schemas.microsoft.com/office/drawing/2014/main" id="{89B57FA7-4033-4D88-AA99-CDCDB8E7640B}"/>
-              </a:ext>
-            </a:extLst>
-          </p:cNvPr>
+              <a:t>Click to edit Master text styles</a:t>
+            </a:r>
+          </a:p>
+        </p:txBody>
+      </p:sp>
+      <p:sp>
+        <p:nvSpPr>
+          <p:cNvPr id="5" name="Date Placeholder 4"/>
           <p:cNvSpPr>
             <a:spLocks noGrp="1"/>
           </p:cNvSpPr>
@@ -2380,7 +4812,7 @@
           <a:p>
             <a:fld id="{2C1C4E54-FC0F-46DC-9CC8-DAD5290F7686}" type="datetimeFigureOut">
               <a:rPr lang="en-US" smtClean="0"/>
-              <a:t>7/1/2019</a:t>
+              <a:t>1/17/2020</a:t>
             </a:fld>
             <a:endParaRPr lang="en-US"/>
           </a:p>
@@ -2388,13 +4820,7 @@
       </p:sp>
       <p:sp>
         <p:nvSpPr>
-          <p:cNvPr id="6" name="Footer Placeholder 5">
-            <a:extLst>
-              <a:ext uri="{FF2B5EF4-FFF2-40B4-BE49-F238E27FC236}">
-                <a16:creationId xmlns:a16="http://schemas.microsoft.com/office/drawing/2014/main" id="{40FB8286-A8D1-4B8E-AF46-80C51500CC3D}"/>
-              </a:ext>
-            </a:extLst>
-          </p:cNvPr>
+          <p:cNvPr id="6" name="Footer Placeholder 5"/>
           <p:cNvSpPr>
             <a:spLocks noGrp="1"/>
           </p:cNvSpPr>
@@ -2413,13 +4839,7 @@
       </p:sp>
       <p:sp>
         <p:nvSpPr>
-          <p:cNvPr id="7" name="Slide Number Placeholder 6">
-            <a:extLst>
-              <a:ext uri="{FF2B5EF4-FFF2-40B4-BE49-F238E27FC236}">
-                <a16:creationId xmlns:a16="http://schemas.microsoft.com/office/drawing/2014/main" id="{0686AC46-F8DB-40F3-998C-5D528AE3749F}"/>
-              </a:ext>
-            </a:extLst>
-          </p:cNvPr>
+          <p:cNvPr id="7" name="Slide Number Placeholder 6"/>
           <p:cNvSpPr>
             <a:spLocks noGrp="1"/>
           </p:cNvSpPr>
@@ -2443,7 +4863,7 @@
     </p:spTree>
     <p:extLst>
       <p:ext uri="{BB962C8B-B14F-4D97-AF65-F5344CB8AC3E}">
-        <p14:creationId xmlns:p14="http://schemas.microsoft.com/office/powerpoint/2010/main" val="864920595"/>
+        <p14:creationId xmlns:p14="http://schemas.microsoft.com/office/powerpoint/2010/main" val="2398766008"/>
       </p:ext>
     </p:extLst>
   </p:cSld>
@@ -2470,15 +4890,39 @@
           <a:chExt cx="0" cy="0"/>
         </a:xfrm>
       </p:grpSpPr>
-      <p:sp>
-        <p:nvSpPr>
-          <p:cNvPr id="2" name="Title 1">
+      <p:pic>
+        <p:nvPicPr>
+          <p:cNvPr id="22" name="Picture 21" descr="Slate-V2-HD-vertPhotoInset.png"/>
+          <p:cNvPicPr>
+            <a:picLocks noChangeAspect="1"/>
+          </p:cNvPicPr>
+          <p:nvPr/>
+        </p:nvPicPr>
+        <p:blipFill>
+          <a:blip r:embed="rId2">
             <a:extLst>
-              <a:ext uri="{FF2B5EF4-FFF2-40B4-BE49-F238E27FC236}">
-                <a16:creationId xmlns:a16="http://schemas.microsoft.com/office/drawing/2014/main" id="{5A2D64C5-39A9-43E7-A9C4-A78F5ADC1536}"/>
+              <a:ext uri="{28A0092B-C50C-407E-A947-70E740481C1C}">
+                <a14:useLocalDpi xmlns:a14="http://schemas.microsoft.com/office/drawing/2010/main" val="0"/>
               </a:ext>
             </a:extLst>
-          </p:cNvPr>
+          </a:blip>
+          <a:stretch>
+            <a:fillRect/>
+          </a:stretch>
+        </p:blipFill>
+        <p:spPr>
+          <a:xfrm>
+            <a:off x="7293665" y="609600"/>
+            <a:ext cx="3584166" cy="5204832"/>
+          </a:xfrm>
+          <a:prstGeom prst="rect">
+            <a:avLst/>
+          </a:prstGeom>
+        </p:spPr>
+      </p:pic>
+      <p:sp>
+        <p:nvSpPr>
+          <p:cNvPr id="2" name="Title 1"/>
           <p:cNvSpPr>
             <a:spLocks noGrp="1"/>
           </p:cNvSpPr>
@@ -2488,15 +4932,17 @@
         </p:nvSpPr>
         <p:spPr>
           <a:xfrm>
-            <a:off x="839788" y="457200"/>
-            <a:ext cx="3932237" cy="1600200"/>
-          </a:xfrm>
-        </p:spPr>
-        <p:txBody>
-          <a:bodyPr anchor="b"/>
+            <a:off x="913795" y="609923"/>
+            <a:ext cx="5934949" cy="1829338"/>
+          </a:xfrm>
+        </p:spPr>
+        <p:txBody>
+          <a:bodyPr anchor="b">
+            <a:noAutofit/>
+          </a:bodyPr>
           <a:lstStyle>
-            <a:lvl1pPr>
-              <a:defRPr sz="3200"/>
+            <a:lvl1pPr algn="ctr">
+              <a:defRPr sz="3200" b="0"/>
             </a:lvl1pPr>
           </a:lstStyle>
           <a:p>
@@ -2504,20 +4950,15 @@
               <a:rPr lang="en-US"/>
               <a:t>Click to edit Master title style</a:t>
             </a:r>
-          </a:p>
-        </p:txBody>
-      </p:sp>
-      <p:sp>
-        <p:nvSpPr>
-          <p:cNvPr id="3" name="Picture Placeholder 2">
-            <a:extLst>
-              <a:ext uri="{FF2B5EF4-FFF2-40B4-BE49-F238E27FC236}">
-                <a16:creationId xmlns:a16="http://schemas.microsoft.com/office/drawing/2014/main" id="{AC0209E7-142E-4979-968A-50B364635BF9}"/>
-              </a:ext>
-            </a:extLst>
-          </p:cNvPr>
-          <p:cNvSpPr>
-            <a:spLocks noGrp="1"/>
+            <a:endParaRPr lang="en-US" dirty="0"/>
+          </a:p>
+        </p:txBody>
+      </p:sp>
+      <p:sp>
+        <p:nvSpPr>
+          <p:cNvPr id="3" name="Picture Placeholder 2"/>
+          <p:cNvSpPr>
+            <a:spLocks noGrp="1" noChangeAspect="1"/>
           </p:cNvSpPr>
           <p:nvPr>
             <p:ph type="pic" idx="1"/>
@@ -2525,135 +4966,138 @@
         </p:nvSpPr>
         <p:spPr>
           <a:xfrm>
-            <a:off x="5183188" y="987425"/>
-            <a:ext cx="6172200" cy="4873625"/>
-          </a:xfrm>
-        </p:spPr>
-        <p:txBody>
-          <a:bodyPr/>
+            <a:off x="7442551" y="763702"/>
+            <a:ext cx="3275751" cy="4912822"/>
+          </a:xfrm>
+          <a:effectLst>
+            <a:outerShdw blurRad="38100" dist="25400" dir="4440000">
+              <a:srgbClr val="000000">
+                <a:alpha val="36000"/>
+              </a:srgbClr>
+            </a:outerShdw>
+          </a:effectLst>
+        </p:spPr>
+        <p:txBody>
+          <a:bodyPr anchor="t">
+            <a:normAutofit/>
+          </a:bodyPr>
           <a:lstStyle>
-            <a:lvl1pPr marL="0" indent="0">
-              <a:buNone/>
-              <a:defRPr sz="3200"/>
-            </a:lvl1pPr>
-            <a:lvl2pPr marL="457200" indent="0">
-              <a:buNone/>
-              <a:defRPr sz="2800"/>
-            </a:lvl2pPr>
-            <a:lvl3pPr marL="914400" indent="0">
-              <a:buNone/>
-              <a:defRPr sz="2400"/>
-            </a:lvl3pPr>
-            <a:lvl4pPr marL="1371600" indent="0">
-              <a:buNone/>
-              <a:defRPr sz="2000"/>
-            </a:lvl4pPr>
-            <a:lvl5pPr marL="1828800" indent="0">
-              <a:buNone/>
-              <a:defRPr sz="2000"/>
-            </a:lvl5pPr>
-            <a:lvl6pPr marL="2286000" indent="0">
-              <a:buNone/>
-              <a:defRPr sz="2000"/>
-            </a:lvl6pPr>
-            <a:lvl7pPr marL="2743200" indent="0">
-              <a:buNone/>
-              <a:defRPr sz="2000"/>
-            </a:lvl7pPr>
-            <a:lvl8pPr marL="3200400" indent="0">
-              <a:buNone/>
-              <a:defRPr sz="2000"/>
-            </a:lvl8pPr>
-            <a:lvl9pPr marL="3657600" indent="0">
-              <a:buNone/>
-              <a:defRPr sz="2000"/>
-            </a:lvl9pPr>
-          </a:lstStyle>
-          <a:p>
-            <a:endParaRPr lang="en-US"/>
-          </a:p>
-        </p:txBody>
-      </p:sp>
-      <p:sp>
-        <p:nvSpPr>
-          <p:cNvPr id="4" name="Text Placeholder 3">
-            <a:extLst>
-              <a:ext uri="{FF2B5EF4-FFF2-40B4-BE49-F238E27FC236}">
-                <a16:creationId xmlns:a16="http://schemas.microsoft.com/office/drawing/2014/main" id="{D69A932E-3293-4518-8A9D-75A8749BD7BD}"/>
-              </a:ext>
-            </a:extLst>
-          </p:cNvPr>
-          <p:cNvSpPr>
-            <a:spLocks noGrp="1"/>
-          </p:cNvSpPr>
-          <p:nvPr>
-            <p:ph type="body" sz="half" idx="2"/>
-          </p:nvPr>
-        </p:nvSpPr>
-        <p:spPr>
-          <a:xfrm>
-            <a:off x="839788" y="2057400"/>
-            <a:ext cx="3932237" cy="3811588"/>
-          </a:xfrm>
-        </p:spPr>
-        <p:txBody>
-          <a:bodyPr/>
-          <a:lstStyle>
-            <a:lvl1pPr marL="0" indent="0">
+            <a:lvl1pPr marL="0" indent="0" algn="ctr">
               <a:buNone/>
               <a:defRPr sz="1600"/>
             </a:lvl1pPr>
             <a:lvl2pPr marL="457200" indent="0">
               <a:buNone/>
-              <a:defRPr sz="1400"/>
+              <a:defRPr sz="1600"/>
             </a:lvl2pPr>
             <a:lvl3pPr marL="914400" indent="0">
               <a:buNone/>
-              <a:defRPr sz="1200"/>
+              <a:defRPr sz="1600"/>
             </a:lvl3pPr>
             <a:lvl4pPr marL="1371600" indent="0">
               <a:buNone/>
-              <a:defRPr sz="1000"/>
+              <a:defRPr sz="1600"/>
             </a:lvl4pPr>
             <a:lvl5pPr marL="1828800" indent="0">
               <a:buNone/>
-              <a:defRPr sz="1000"/>
+              <a:defRPr sz="1600"/>
             </a:lvl5pPr>
             <a:lvl6pPr marL="2286000" indent="0">
               <a:buNone/>
-              <a:defRPr sz="1000"/>
+              <a:defRPr sz="1600"/>
             </a:lvl6pPr>
             <a:lvl7pPr marL="2743200" indent="0">
               <a:buNone/>
-              <a:defRPr sz="1000"/>
+              <a:defRPr sz="1600"/>
             </a:lvl7pPr>
             <a:lvl8pPr marL="3200400" indent="0">
               <a:buNone/>
-              <a:defRPr sz="1000"/>
+              <a:defRPr sz="1600"/>
             </a:lvl8pPr>
             <a:lvl9pPr marL="3657600" indent="0">
               <a:buNone/>
-              <a:defRPr sz="1000"/>
+              <a:defRPr sz="1600"/>
             </a:lvl9pPr>
           </a:lstStyle>
           <a:p>
+            <a:r>
+              <a:rPr lang="en-US"/>
+              <a:t>Click icon to add picture</a:t>
+            </a:r>
+            <a:endParaRPr lang="en-US" dirty="0"/>
+          </a:p>
+        </p:txBody>
+      </p:sp>
+      <p:sp>
+        <p:nvSpPr>
+          <p:cNvPr id="4" name="Text Placeholder 3"/>
+          <p:cNvSpPr>
+            <a:spLocks noGrp="1"/>
+          </p:cNvSpPr>
+          <p:nvPr>
+            <p:ph type="body" sz="half" idx="2"/>
+          </p:nvPr>
+        </p:nvSpPr>
+        <p:spPr>
+          <a:xfrm>
+            <a:off x="913795" y="2439261"/>
+            <a:ext cx="5934949" cy="3376134"/>
+          </a:xfrm>
+        </p:spPr>
+        <p:txBody>
+          <a:bodyPr anchor="t">
+            <a:normAutofit/>
+          </a:bodyPr>
+          <a:lstStyle>
+            <a:lvl1pPr marL="0" indent="0" algn="ctr">
+              <a:buNone/>
+              <a:defRPr sz="1600"/>
+            </a:lvl1pPr>
+            <a:lvl2pPr marL="457200" indent="0">
+              <a:buNone/>
+              <a:defRPr sz="1200"/>
+            </a:lvl2pPr>
+            <a:lvl3pPr marL="914400" indent="0">
+              <a:buNone/>
+              <a:defRPr sz="1000"/>
+            </a:lvl3pPr>
+            <a:lvl4pPr marL="1371600" indent="0">
+              <a:buNone/>
+              <a:defRPr sz="900"/>
+            </a:lvl4pPr>
+            <a:lvl5pPr marL="1828800" indent="0">
+              <a:buNone/>
+              <a:defRPr sz="900"/>
+            </a:lvl5pPr>
+            <a:lvl6pPr marL="2286000" indent="0">
+              <a:buNone/>
+              <a:defRPr sz="900"/>
+            </a:lvl6pPr>
+            <a:lvl7pPr marL="2743200" indent="0">
+              <a:buNone/>
+              <a:defRPr sz="900"/>
+            </a:lvl7pPr>
+            <a:lvl8pPr marL="3200400" indent="0">
+              <a:buNone/>
+              <a:defRPr sz="900"/>
+            </a:lvl8pPr>
+            <a:lvl9pPr marL="3657600" indent="0">
+              <a:buNone/>
+              <a:defRPr sz="900"/>
+            </a:lvl9pPr>
+          </a:lstStyle>
+          <a:p>
             <a:pPr lvl="0"/>
             <a:r>
               <a:rPr lang="en-US"/>
-              <a:t>Edit Master text styles</a:t>
-            </a:r>
-          </a:p>
-        </p:txBody>
-      </p:sp>
-      <p:sp>
-        <p:nvSpPr>
-          <p:cNvPr id="5" name="Date Placeholder 4">
-            <a:extLst>
-              <a:ext uri="{FF2B5EF4-FFF2-40B4-BE49-F238E27FC236}">
-                <a16:creationId xmlns:a16="http://schemas.microsoft.com/office/drawing/2014/main" id="{DE4148C2-EB6D-4BAB-AEDF-607333AD0EE3}"/>
-              </a:ext>
-            </a:extLst>
-          </p:cNvPr>
+              <a:t>Click to edit Master text styles</a:t>
+            </a:r>
+          </a:p>
+        </p:txBody>
+      </p:sp>
+      <p:sp>
+        <p:nvSpPr>
+          <p:cNvPr id="5" name="Date Placeholder 4"/>
           <p:cNvSpPr>
             <a:spLocks noGrp="1"/>
           </p:cNvSpPr>
@@ -2668,7 +5112,7 @@
           <a:p>
             <a:fld id="{2C1C4E54-FC0F-46DC-9CC8-DAD5290F7686}" type="datetimeFigureOut">
               <a:rPr lang="en-US" smtClean="0"/>
-              <a:t>7/1/2019</a:t>
+              <a:t>1/17/2020</a:t>
             </a:fld>
             <a:endParaRPr lang="en-US"/>
           </a:p>
@@ -2676,13 +5120,7 @@
       </p:sp>
       <p:sp>
         <p:nvSpPr>
-          <p:cNvPr id="6" name="Footer Placeholder 5">
-            <a:extLst>
-              <a:ext uri="{FF2B5EF4-FFF2-40B4-BE49-F238E27FC236}">
-                <a16:creationId xmlns:a16="http://schemas.microsoft.com/office/drawing/2014/main" id="{F21DAD26-6EDA-4DBB-9EA5-28949E4B827C}"/>
-              </a:ext>
-            </a:extLst>
-          </p:cNvPr>
+          <p:cNvPr id="6" name="Footer Placeholder 5"/>
           <p:cNvSpPr>
             <a:spLocks noGrp="1"/>
           </p:cNvSpPr>
@@ -2701,13 +5139,7 @@
       </p:sp>
       <p:sp>
         <p:nvSpPr>
-          <p:cNvPr id="7" name="Slide Number Placeholder 6">
-            <a:extLst>
-              <a:ext uri="{FF2B5EF4-FFF2-40B4-BE49-F238E27FC236}">
-                <a16:creationId xmlns:a16="http://schemas.microsoft.com/office/drawing/2014/main" id="{694EA31B-8C6A-424E-BA8B-B160387AC550}"/>
-              </a:ext>
-            </a:extLst>
-          </p:cNvPr>
+          <p:cNvPr id="7" name="Slide Number Placeholder 6"/>
           <p:cNvSpPr>
             <a:spLocks noGrp="1"/>
           </p:cNvSpPr>
@@ -2731,7 +5163,7 @@
     </p:spTree>
     <p:extLst>
       <p:ext uri="{BB962C8B-B14F-4D97-AF65-F5344CB8AC3E}">
-        <p14:creationId xmlns:p14="http://schemas.microsoft.com/office/powerpoint/2010/main" val="2560160472"/>
+        <p14:creationId xmlns:p14="http://schemas.microsoft.com/office/powerpoint/2010/main" val="4256572319"/>
       </p:ext>
     </p:extLst>
   </p:cSld>
@@ -2745,8 +5177,8 @@
 <p:sldMaster xmlns:a="http://schemas.openxmlformats.org/drawingml/2006/main" xmlns:r="http://schemas.openxmlformats.org/officeDocument/2006/relationships" xmlns:p="http://schemas.openxmlformats.org/presentationml/2006/main">
   <p:cSld>
     <p:bg>
-      <p:bgRef idx="1001">
-        <a:schemeClr val="bg1"/>
+      <p:bgRef idx="1003">
+        <a:schemeClr val="bg2"/>
       </p:bgRef>
     </p:bg>
     <p:spTree>
@@ -2765,13 +5197,7 @@
       </p:grpSpPr>
       <p:sp>
         <p:nvSpPr>
-          <p:cNvPr id="2" name="Title Placeholder 1">
-            <a:extLst>
-              <a:ext uri="{FF2B5EF4-FFF2-40B4-BE49-F238E27FC236}">
-                <a16:creationId xmlns:a16="http://schemas.microsoft.com/office/drawing/2014/main" id="{E193B8A8-3AC8-431F-BBFA-EC0C781DBA00}"/>
-              </a:ext>
-            </a:extLst>
-          </p:cNvPr>
+          <p:cNvPr id="2" name="Title Placeholder 1"/>
           <p:cNvSpPr>
             <a:spLocks noGrp="1"/>
           </p:cNvSpPr>
@@ -2781,12 +5207,19 @@
         </p:nvSpPr>
         <p:spPr>
           <a:xfrm>
-            <a:off x="838200" y="365125"/>
-            <a:ext cx="10515600" cy="1325563"/>
+            <a:off x="913795" y="609600"/>
+            <a:ext cx="10353762" cy="970450"/>
           </a:xfrm>
           <a:prstGeom prst="rect">
             <a:avLst/>
           </a:prstGeom>
+          <a:effectLst>
+            <a:outerShdw blurRad="25400" dir="17880000">
+              <a:srgbClr val="000000">
+                <a:alpha val="46000"/>
+              </a:srgbClr>
+            </a:outerShdw>
+          </a:effectLst>
         </p:spPr>
         <p:txBody>
           <a:bodyPr vert="horz" lIns="91440" tIns="45720" rIns="91440" bIns="45720" rtlCol="0" anchor="ctr">
@@ -2798,18 +5231,13 @@
               <a:rPr lang="en-US"/>
               <a:t>Click to edit Master title style</a:t>
             </a:r>
-          </a:p>
-        </p:txBody>
-      </p:sp>
-      <p:sp>
-        <p:nvSpPr>
-          <p:cNvPr id="3" name="Text Placeholder 2">
-            <a:extLst>
-              <a:ext uri="{FF2B5EF4-FFF2-40B4-BE49-F238E27FC236}">
-                <a16:creationId xmlns:a16="http://schemas.microsoft.com/office/drawing/2014/main" id="{F27D3E99-4DE6-4216-9D6A-EF7B7A76FCB0}"/>
-              </a:ext>
-            </a:extLst>
-          </p:cNvPr>
+            <a:endParaRPr lang="en-US" dirty="0"/>
+          </a:p>
+        </p:txBody>
+      </p:sp>
+      <p:sp>
+        <p:nvSpPr>
+          <p:cNvPr id="3" name="Text Placeholder 2"/>
           <p:cNvSpPr>
             <a:spLocks noGrp="1"/>
           </p:cNvSpPr>
@@ -2819,15 +5247,22 @@
         </p:nvSpPr>
         <p:spPr>
           <a:xfrm>
-            <a:off x="838200" y="1825625"/>
-            <a:ext cx="10515600" cy="4351338"/>
+            <a:off x="913795" y="1732449"/>
+            <a:ext cx="10353762" cy="4058751"/>
           </a:xfrm>
           <a:prstGeom prst="rect">
             <a:avLst/>
           </a:prstGeom>
-        </p:spPr>
-        <p:txBody>
-          <a:bodyPr vert="horz" lIns="91440" tIns="45720" rIns="91440" bIns="45720" rtlCol="0">
+          <a:effectLst>
+            <a:outerShdw blurRad="25400" dir="17880000">
+              <a:srgbClr val="000000">
+                <a:alpha val="46000"/>
+              </a:srgbClr>
+            </a:outerShdw>
+          </a:effectLst>
+        </p:spPr>
+        <p:txBody>
+          <a:bodyPr vert="horz" lIns="91440" tIns="45720" rIns="91440" bIns="45720" rtlCol="0" anchor="t">
             <a:normAutofit/>
           </a:bodyPr>
           <a:lstStyle/>
@@ -2835,7 +5270,7 @@
             <a:pPr lvl="0"/>
             <a:r>
               <a:rPr lang="en-US"/>
-              <a:t>Edit Master text styles</a:t>
+              <a:t>Click to edit Master text styles</a:t>
             </a:r>
           </a:p>
           <a:p>
@@ -2865,18 +5300,13 @@
               <a:rPr lang="en-US"/>
               <a:t>Fifth level</a:t>
             </a:r>
-          </a:p>
-        </p:txBody>
-      </p:sp>
-      <p:sp>
-        <p:nvSpPr>
-          <p:cNvPr id="4" name="Date Placeholder 3">
-            <a:extLst>
-              <a:ext uri="{FF2B5EF4-FFF2-40B4-BE49-F238E27FC236}">
-                <a16:creationId xmlns:a16="http://schemas.microsoft.com/office/drawing/2014/main" id="{85833DC4-445D-462A-AB2D-970A42A57976}"/>
-              </a:ext>
-            </a:extLst>
-          </p:cNvPr>
+            <a:endParaRPr lang="en-US" dirty="0"/>
+          </a:p>
+        </p:txBody>
+      </p:sp>
+      <p:sp>
+        <p:nvSpPr>
+          <p:cNvPr id="4" name="Date Placeholder 3"/>
           <p:cNvSpPr>
             <a:spLocks noGrp="1"/>
           </p:cNvSpPr>
@@ -2886,7 +5316,7 @@
         </p:nvSpPr>
         <p:spPr>
           <a:xfrm>
-            <a:off x="838200" y="6356350"/>
+            <a:off x="7678736" y="5883275"/>
             <a:ext cx="2743200" cy="365125"/>
           </a:xfrm>
           <a:prstGeom prst="rect">
@@ -2896,20 +5326,27 @@
         <p:txBody>
           <a:bodyPr vert="horz" lIns="91440" tIns="45720" rIns="91440" bIns="45720" rtlCol="0" anchor="ctr"/>
           <a:lstStyle>
-            <a:lvl1pPr algn="l">
-              <a:defRPr sz="1200">
+            <a:lvl1pPr algn="r">
+              <a:defRPr sz="1000">
                 <a:solidFill>
                   <a:schemeClr val="tx1">
-                    <a:tint val="75000"/>
+                    <a:lumMod val="95000"/>
                   </a:schemeClr>
                 </a:solidFill>
+                <a:effectLst>
+                  <a:outerShdw blurRad="50800" dist="38100" dir="2700000" algn="tl" rotWithShape="0">
+                    <a:schemeClr val="bg1">
+                      <a:alpha val="43000"/>
+                    </a:schemeClr>
+                  </a:outerShdw>
+                </a:effectLst>
               </a:defRPr>
             </a:lvl1pPr>
           </a:lstStyle>
           <a:p>
             <a:fld id="{2C1C4E54-FC0F-46DC-9CC8-DAD5290F7686}" type="datetimeFigureOut">
               <a:rPr lang="en-US" smtClean="0"/>
-              <a:t>7/1/2019</a:t>
+              <a:t>1/17/2020</a:t>
             </a:fld>
             <a:endParaRPr lang="en-US"/>
           </a:p>
@@ -2917,13 +5354,7 @@
       </p:sp>
       <p:sp>
         <p:nvSpPr>
-          <p:cNvPr id="5" name="Footer Placeholder 4">
-            <a:extLst>
-              <a:ext uri="{FF2B5EF4-FFF2-40B4-BE49-F238E27FC236}">
-                <a16:creationId xmlns:a16="http://schemas.microsoft.com/office/drawing/2014/main" id="{B655AB15-1D85-4F42-B5CE-7DAA951CAD21}"/>
-              </a:ext>
-            </a:extLst>
-          </p:cNvPr>
+          <p:cNvPr id="5" name="Footer Placeholder 4"/>
           <p:cNvSpPr>
             <a:spLocks noGrp="1"/>
           </p:cNvSpPr>
@@ -2933,8 +5364,8 @@
         </p:nvSpPr>
         <p:spPr>
           <a:xfrm>
-            <a:off x="4038600" y="6356350"/>
-            <a:ext cx="4114800" cy="365125"/>
+            <a:off x="913795" y="5883275"/>
+            <a:ext cx="6672865" cy="365125"/>
           </a:xfrm>
           <a:prstGeom prst="rect">
             <a:avLst/>
@@ -2943,13 +5374,20 @@
         <p:txBody>
           <a:bodyPr vert="horz" lIns="91440" tIns="45720" rIns="91440" bIns="45720" rtlCol="0" anchor="ctr"/>
           <a:lstStyle>
-            <a:lvl1pPr algn="ctr">
-              <a:defRPr sz="1200">
+            <a:lvl1pPr algn="l">
+              <a:defRPr sz="1000">
                 <a:solidFill>
                   <a:schemeClr val="tx1">
-                    <a:tint val="75000"/>
+                    <a:lumMod val="95000"/>
                   </a:schemeClr>
                 </a:solidFill>
+                <a:effectLst>
+                  <a:outerShdw blurRad="50800" dist="38100" dir="2700000" algn="tl" rotWithShape="0">
+                    <a:schemeClr val="bg1">
+                      <a:alpha val="43000"/>
+                    </a:schemeClr>
+                  </a:outerShdw>
+                </a:effectLst>
               </a:defRPr>
             </a:lvl1pPr>
           </a:lstStyle>
@@ -2960,13 +5398,7 @@
       </p:sp>
       <p:sp>
         <p:nvSpPr>
-          <p:cNvPr id="6" name="Slide Number Placeholder 5">
-            <a:extLst>
-              <a:ext uri="{FF2B5EF4-FFF2-40B4-BE49-F238E27FC236}">
-                <a16:creationId xmlns:a16="http://schemas.microsoft.com/office/drawing/2014/main" id="{F71CD1D3-84A3-46D4-906F-347B36719D90}"/>
-              </a:ext>
-            </a:extLst>
-          </p:cNvPr>
+          <p:cNvPr id="6" name="Slide Number Placeholder 5"/>
           <p:cNvSpPr>
             <a:spLocks noGrp="1"/>
           </p:cNvSpPr>
@@ -2976,8 +5408,8 @@
         </p:nvSpPr>
         <p:spPr>
           <a:xfrm>
-            <a:off x="8610600" y="6356350"/>
-            <a:ext cx="2743200" cy="365125"/>
+            <a:off x="10514011" y="5883275"/>
+            <a:ext cx="753545" cy="365125"/>
           </a:xfrm>
           <a:prstGeom prst="rect">
             <a:avLst/>
@@ -2987,12 +5419,19 @@
           <a:bodyPr vert="horz" lIns="91440" tIns="45720" rIns="91440" bIns="45720" rtlCol="0" anchor="ctr"/>
           <a:lstStyle>
             <a:lvl1pPr algn="r">
-              <a:defRPr sz="1200">
+              <a:defRPr sz="1000">
                 <a:solidFill>
                   <a:schemeClr val="tx1">
-                    <a:tint val="75000"/>
+                    <a:lumMod val="95000"/>
                   </a:schemeClr>
                 </a:solidFill>
+                <a:effectLst>
+                  <a:outerShdw blurRad="50800" dist="38100" dir="2700000" algn="tl" rotWithShape="0">
+                    <a:schemeClr val="bg1">
+                      <a:alpha val="43000"/>
+                    </a:schemeClr>
+                  </a:outerShdw>
+                </a:effectLst>
               </a:defRPr>
             </a:lvl1pPr>
           </a:lstStyle>
@@ -3008,202 +5447,457 @@
     </p:spTree>
     <p:extLst>
       <p:ext uri="{BB962C8B-B14F-4D97-AF65-F5344CB8AC3E}">
-        <p14:creationId xmlns:p14="http://schemas.microsoft.com/office/powerpoint/2010/main" val="3158246589"/>
+        <p14:creationId xmlns:p14="http://schemas.microsoft.com/office/powerpoint/2010/main" val="3848853597"/>
       </p:ext>
     </p:extLst>
   </p:cSld>
-  <p:clrMap bg1="lt1" tx1="dk1" bg2="lt2" tx2="dk2" accent1="accent1" accent2="accent2" accent3="accent3" accent4="accent4" accent5="accent5" accent6="accent6" hlink="hlink" folHlink="folHlink"/>
+  <p:clrMap bg1="dk1" tx1="lt1" bg2="dk2" tx2="lt2" accent1="accent1" accent2="accent2" accent3="accent3" accent4="accent4" accent5="accent5" accent6="accent6" hlink="hlink" folHlink="folHlink"/>
   <p:sldLayoutIdLst>
-    <p:sldLayoutId id="2147483649" r:id="rId1"/>
-    <p:sldLayoutId id="2147483650" r:id="rId2"/>
-    <p:sldLayoutId id="2147483651" r:id="rId3"/>
-    <p:sldLayoutId id="2147483652" r:id="rId4"/>
-    <p:sldLayoutId id="2147483653" r:id="rId5"/>
-    <p:sldLayoutId id="2147483654" r:id="rId6"/>
-    <p:sldLayoutId id="2147483655" r:id="rId7"/>
-    <p:sldLayoutId id="2147483656" r:id="rId8"/>
-    <p:sldLayoutId id="2147483657" r:id="rId9"/>
-    <p:sldLayoutId id="2147483658" r:id="rId10"/>
-    <p:sldLayoutId id="2147483659" r:id="rId11"/>
+    <p:sldLayoutId id="2147483673" r:id="rId1"/>
+    <p:sldLayoutId id="2147483674" r:id="rId2"/>
+    <p:sldLayoutId id="2147483675" r:id="rId3"/>
+    <p:sldLayoutId id="2147483676" r:id="rId4"/>
+    <p:sldLayoutId id="2147483677" r:id="rId5"/>
+    <p:sldLayoutId id="2147483678" r:id="rId6"/>
+    <p:sldLayoutId id="2147483679" r:id="rId7"/>
+    <p:sldLayoutId id="2147483680" r:id="rId8"/>
+    <p:sldLayoutId id="2147483681" r:id="rId9"/>
+    <p:sldLayoutId id="2147483682" r:id="rId10"/>
+    <p:sldLayoutId id="2147483683" r:id="rId11"/>
+    <p:sldLayoutId id="2147483684" r:id="rId12"/>
+    <p:sldLayoutId id="2147483685" r:id="rId13"/>
+    <p:sldLayoutId id="2147483686" r:id="rId14"/>
+    <p:sldLayoutId id="2147483687" r:id="rId15"/>
+    <p:sldLayoutId id="2147483688" r:id="rId16"/>
+    <p:sldLayoutId id="2147483689" r:id="rId17"/>
   </p:sldLayoutIdLst>
   <p:txStyles>
     <p:titleStyle>
-      <a:lvl1pPr algn="l" defTabSz="914400" rtl="0" eaLnBrk="1" latinLnBrk="0" hangingPunct="1">
-        <a:lnSpc>
-          <a:spcPct val="90000"/>
-        </a:lnSpc>
+      <a:lvl1pPr algn="ctr" defTabSz="457200" rtl="0" eaLnBrk="1" latinLnBrk="0" hangingPunct="1">
         <a:spcBef>
           <a:spcPct val="0"/>
         </a:spcBef>
         <a:buNone/>
-        <a:defRPr sz="4400" kern="1200">
+        <a:defRPr sz="4000" kern="1200">
+          <a:ln>
+            <a:solidFill>
+              <a:schemeClr val="bg1">
+                <a:lumMod val="75000"/>
+                <a:lumOff val="25000"/>
+                <a:alpha val="10000"/>
+              </a:schemeClr>
+            </a:solidFill>
+          </a:ln>
           <a:solidFill>
-            <a:schemeClr val="tx1"/>
+            <a:schemeClr val="tx2"/>
           </a:solidFill>
+          <a:effectLst>
+            <a:outerShdw blurRad="9525" dist="25400" dir="14640000" algn="tl" rotWithShape="0">
+              <a:schemeClr val="bg1">
+                <a:alpha val="30000"/>
+              </a:schemeClr>
+            </a:outerShdw>
+          </a:effectLst>
           <a:latin typeface="+mj-lt"/>
           <a:ea typeface="+mj-ea"/>
-          <a:cs typeface="+mj-cs"/>
+          <a:cs typeface="Trebuchet MS"/>
         </a:defRPr>
       </a:lvl1pPr>
+      <a:lvl2pPr eaLnBrk="1" hangingPunct="1">
+        <a:defRPr>
+          <a:solidFill>
+            <a:schemeClr val="tx2"/>
+          </a:solidFill>
+        </a:defRPr>
+      </a:lvl2pPr>
+      <a:lvl3pPr eaLnBrk="1" hangingPunct="1">
+        <a:defRPr>
+          <a:solidFill>
+            <a:schemeClr val="tx2"/>
+          </a:solidFill>
+        </a:defRPr>
+      </a:lvl3pPr>
+      <a:lvl4pPr eaLnBrk="1" hangingPunct="1">
+        <a:defRPr>
+          <a:solidFill>
+            <a:schemeClr val="tx2"/>
+          </a:solidFill>
+        </a:defRPr>
+      </a:lvl4pPr>
+      <a:lvl5pPr eaLnBrk="1" hangingPunct="1">
+        <a:defRPr>
+          <a:solidFill>
+            <a:schemeClr val="tx2"/>
+          </a:solidFill>
+        </a:defRPr>
+      </a:lvl5pPr>
+      <a:lvl6pPr eaLnBrk="1" hangingPunct="1">
+        <a:defRPr>
+          <a:solidFill>
+            <a:schemeClr val="tx2"/>
+          </a:solidFill>
+        </a:defRPr>
+      </a:lvl6pPr>
+      <a:lvl7pPr eaLnBrk="1" hangingPunct="1">
+        <a:defRPr>
+          <a:solidFill>
+            <a:schemeClr val="tx2"/>
+          </a:solidFill>
+        </a:defRPr>
+      </a:lvl7pPr>
+      <a:lvl8pPr eaLnBrk="1" hangingPunct="1">
+        <a:defRPr>
+          <a:solidFill>
+            <a:schemeClr val="tx2"/>
+          </a:solidFill>
+        </a:defRPr>
+      </a:lvl8pPr>
+      <a:lvl9pPr eaLnBrk="1" hangingPunct="1">
+        <a:defRPr>
+          <a:solidFill>
+            <a:schemeClr val="tx2"/>
+          </a:solidFill>
+        </a:defRPr>
+      </a:lvl9pPr>
     </p:titleStyle>
     <p:bodyStyle>
-      <a:lvl1pPr marL="228600" indent="-228600" algn="l" defTabSz="914400" rtl="0" eaLnBrk="1" latinLnBrk="0" hangingPunct="1">
-        <a:lnSpc>
-          <a:spcPct val="90000"/>
-        </a:lnSpc>
+      <a:lvl1pPr marL="342900" indent="-306000" algn="l" defTabSz="457200" rtl="0" eaLnBrk="1" latinLnBrk="0" hangingPunct="1">
         <a:spcBef>
-          <a:spcPts val="1000"/>
+          <a:spcPct val="20000"/>
         </a:spcBef>
-        <a:buFont typeface="Arial" panose="020B0604020202020204" pitchFamily="34" charset="0"/>
-        <a:buChar char="•"/>
-        <a:defRPr sz="2800" kern="1200">
+        <a:spcAft>
+          <a:spcPts val="600"/>
+        </a:spcAft>
+        <a:buClr>
+          <a:schemeClr val="tx2"/>
+        </a:buClr>
+        <a:buSzPct val="70000"/>
+        <a:buFont typeface="Wingdings 2" charset="2"/>
+        <a:buChar char=""/>
+        <a:defRPr sz="2000" kern="1200">
+          <a:ln>
+            <a:solidFill>
+              <a:schemeClr val="bg1">
+                <a:lumMod val="75000"/>
+                <a:lumOff val="25000"/>
+                <a:alpha val="10000"/>
+              </a:schemeClr>
+            </a:solidFill>
+          </a:ln>
           <a:solidFill>
-            <a:schemeClr val="tx1"/>
+            <a:schemeClr val="tx2"/>
           </a:solidFill>
+          <a:effectLst>
+            <a:outerShdw blurRad="9525" dist="25400" dir="14640000" algn="tl" rotWithShape="0">
+              <a:schemeClr val="bg1">
+                <a:alpha val="30000"/>
+              </a:schemeClr>
+            </a:outerShdw>
+          </a:effectLst>
           <a:latin typeface="+mn-lt"/>
           <a:ea typeface="+mn-ea"/>
           <a:cs typeface="+mn-cs"/>
         </a:defRPr>
       </a:lvl1pPr>
-      <a:lvl2pPr marL="685800" indent="-228600" algn="l" defTabSz="914400" rtl="0" eaLnBrk="1" latinLnBrk="0" hangingPunct="1">
-        <a:lnSpc>
-          <a:spcPct val="90000"/>
-        </a:lnSpc>
+      <a:lvl2pPr marL="720000" indent="-270000" algn="l" defTabSz="457200" rtl="0" eaLnBrk="1" latinLnBrk="0" hangingPunct="1">
         <a:spcBef>
-          <a:spcPts val="500"/>
+          <a:spcPct val="20000"/>
         </a:spcBef>
-        <a:buFont typeface="Arial" panose="020B0604020202020204" pitchFamily="34" charset="0"/>
-        <a:buChar char="•"/>
-        <a:defRPr sz="2400" kern="1200">
+        <a:spcAft>
+          <a:spcPts val="600"/>
+        </a:spcAft>
+        <a:buClr>
+          <a:schemeClr val="tx2"/>
+        </a:buClr>
+        <a:buSzPct val="70000"/>
+        <a:buFont typeface="Wingdings 2" charset="2"/>
+        <a:buChar char=""/>
+        <a:defRPr sz="1800" kern="1200">
+          <a:ln>
+            <a:solidFill>
+              <a:schemeClr val="bg1">
+                <a:lumMod val="75000"/>
+                <a:lumOff val="25000"/>
+                <a:alpha val="10000"/>
+              </a:schemeClr>
+            </a:solidFill>
+          </a:ln>
           <a:solidFill>
-            <a:schemeClr val="tx1"/>
+            <a:schemeClr val="tx2"/>
           </a:solidFill>
+          <a:effectLst>
+            <a:outerShdw blurRad="9525" dist="25400" dir="14640000" algn="tl" rotWithShape="0">
+              <a:schemeClr val="bg1">
+                <a:alpha val="30000"/>
+              </a:schemeClr>
+            </a:outerShdw>
+          </a:effectLst>
           <a:latin typeface="+mn-lt"/>
           <a:ea typeface="+mn-ea"/>
           <a:cs typeface="+mn-cs"/>
         </a:defRPr>
       </a:lvl2pPr>
-      <a:lvl3pPr marL="1143000" indent="-228600" algn="l" defTabSz="914400" rtl="0" eaLnBrk="1" latinLnBrk="0" hangingPunct="1">
-        <a:lnSpc>
-          <a:spcPct val="90000"/>
-        </a:lnSpc>
+      <a:lvl3pPr marL="1026000" indent="-216000" algn="l" defTabSz="457200" rtl="0" eaLnBrk="1" latinLnBrk="0" hangingPunct="1">
         <a:spcBef>
-          <a:spcPts val="500"/>
+          <a:spcPct val="20000"/>
         </a:spcBef>
-        <a:buFont typeface="Arial" panose="020B0604020202020204" pitchFamily="34" charset="0"/>
-        <a:buChar char="•"/>
-        <a:defRPr sz="2000" kern="1200">
+        <a:spcAft>
+          <a:spcPts val="600"/>
+        </a:spcAft>
+        <a:buClr>
+          <a:schemeClr val="tx2"/>
+        </a:buClr>
+        <a:buSzPct val="70000"/>
+        <a:buFont typeface="Wingdings 2" charset="2"/>
+        <a:buChar char=""/>
+        <a:defRPr sz="1600" kern="1200">
+          <a:ln>
+            <a:solidFill>
+              <a:schemeClr val="bg1">
+                <a:lumMod val="75000"/>
+                <a:lumOff val="25000"/>
+                <a:alpha val="10000"/>
+              </a:schemeClr>
+            </a:solidFill>
+          </a:ln>
           <a:solidFill>
-            <a:schemeClr val="tx1"/>
+            <a:schemeClr val="tx2"/>
           </a:solidFill>
+          <a:effectLst>
+            <a:outerShdw blurRad="9525" dist="25400" dir="14640000" algn="tl" rotWithShape="0">
+              <a:schemeClr val="bg1">
+                <a:alpha val="30000"/>
+              </a:schemeClr>
+            </a:outerShdw>
+          </a:effectLst>
           <a:latin typeface="+mn-lt"/>
           <a:ea typeface="+mn-ea"/>
           <a:cs typeface="+mn-cs"/>
         </a:defRPr>
       </a:lvl3pPr>
-      <a:lvl4pPr marL="1600200" indent="-228600" algn="l" defTabSz="914400" rtl="0" eaLnBrk="1" latinLnBrk="0" hangingPunct="1">
-        <a:lnSpc>
-          <a:spcPct val="90000"/>
-        </a:lnSpc>
+      <a:lvl4pPr marL="1386000" indent="-216000" algn="l" defTabSz="457200" rtl="0" eaLnBrk="1" latinLnBrk="0" hangingPunct="1">
         <a:spcBef>
-          <a:spcPts val="500"/>
+          <a:spcPct val="20000"/>
         </a:spcBef>
-        <a:buFont typeface="Arial" panose="020B0604020202020204" pitchFamily="34" charset="0"/>
-        <a:buChar char="•"/>
-        <a:defRPr sz="1800" kern="1200">
+        <a:spcAft>
+          <a:spcPts val="600"/>
+        </a:spcAft>
+        <a:buClr>
+          <a:schemeClr val="tx2"/>
+        </a:buClr>
+        <a:buSzPct val="70000"/>
+        <a:buFont typeface="Wingdings 2" charset="2"/>
+        <a:buChar char=""/>
+        <a:defRPr sz="1400" kern="1200">
+          <a:ln>
+            <a:solidFill>
+              <a:schemeClr val="bg1">
+                <a:lumMod val="75000"/>
+                <a:lumOff val="25000"/>
+                <a:alpha val="10000"/>
+              </a:schemeClr>
+            </a:solidFill>
+          </a:ln>
           <a:solidFill>
-            <a:schemeClr val="tx1"/>
+            <a:schemeClr val="tx2"/>
           </a:solidFill>
+          <a:effectLst>
+            <a:outerShdw blurRad="9525" dist="25400" dir="14640000" algn="tl" rotWithShape="0">
+              <a:schemeClr val="bg1">
+                <a:alpha val="30000"/>
+              </a:schemeClr>
+            </a:outerShdw>
+          </a:effectLst>
           <a:latin typeface="+mn-lt"/>
           <a:ea typeface="+mn-ea"/>
           <a:cs typeface="+mn-cs"/>
         </a:defRPr>
       </a:lvl4pPr>
-      <a:lvl5pPr marL="2057400" indent="-228600" algn="l" defTabSz="914400" rtl="0" eaLnBrk="1" latinLnBrk="0" hangingPunct="1">
-        <a:lnSpc>
-          <a:spcPct val="90000"/>
-        </a:lnSpc>
+      <a:lvl5pPr marL="1674000" indent="-216000" algn="l" defTabSz="457200" rtl="0" eaLnBrk="1" latinLnBrk="0" hangingPunct="1">
         <a:spcBef>
-          <a:spcPts val="500"/>
+          <a:spcPct val="20000"/>
         </a:spcBef>
-        <a:buFont typeface="Arial" panose="020B0604020202020204" pitchFamily="34" charset="0"/>
-        <a:buChar char="•"/>
-        <a:defRPr sz="1800" kern="1200">
+        <a:spcAft>
+          <a:spcPts val="600"/>
+        </a:spcAft>
+        <a:buClr>
+          <a:schemeClr val="tx2"/>
+        </a:buClr>
+        <a:buSzPct val="70000"/>
+        <a:buFont typeface="Wingdings 2" charset="2"/>
+        <a:buChar char=""/>
+        <a:defRPr sz="1400" kern="1200">
+          <a:ln>
+            <a:solidFill>
+              <a:schemeClr val="bg1">
+                <a:lumMod val="75000"/>
+                <a:lumOff val="25000"/>
+                <a:alpha val="10000"/>
+              </a:schemeClr>
+            </a:solidFill>
+          </a:ln>
           <a:solidFill>
-            <a:schemeClr val="tx1"/>
+            <a:schemeClr val="tx2"/>
           </a:solidFill>
+          <a:effectLst>
+            <a:outerShdw blurRad="9525" dist="25400" dir="14640000" algn="tl" rotWithShape="0">
+              <a:schemeClr val="bg1">
+                <a:alpha val="30000"/>
+              </a:schemeClr>
+            </a:outerShdw>
+          </a:effectLst>
           <a:latin typeface="+mn-lt"/>
           <a:ea typeface="+mn-ea"/>
           <a:cs typeface="+mn-cs"/>
         </a:defRPr>
       </a:lvl5pPr>
-      <a:lvl6pPr marL="2514600" indent="-228600" algn="l" defTabSz="914400" rtl="0" eaLnBrk="1" latinLnBrk="0" hangingPunct="1">
-        <a:lnSpc>
-          <a:spcPct val="90000"/>
-        </a:lnSpc>
+      <a:lvl6pPr marL="2014600" indent="-228600" algn="l" defTabSz="457200" rtl="0" eaLnBrk="1" latinLnBrk="0" hangingPunct="1">
         <a:spcBef>
-          <a:spcPts val="500"/>
+          <a:spcPct val="20000"/>
         </a:spcBef>
-        <a:buFont typeface="Arial" panose="020B0604020202020204" pitchFamily="34" charset="0"/>
-        <a:buChar char="•"/>
-        <a:defRPr sz="1800" kern="1200">
+        <a:spcAft>
+          <a:spcPts val="600"/>
+        </a:spcAft>
+        <a:buClr>
+          <a:schemeClr val="tx2"/>
+        </a:buClr>
+        <a:buSzPct val="70000"/>
+        <a:buFont typeface="Wingdings 2" charset="2"/>
+        <a:buChar char=""/>
+        <a:defRPr sz="1400" kern="1200">
+          <a:ln>
+            <a:solidFill>
+              <a:schemeClr val="bg1">
+                <a:lumMod val="75000"/>
+                <a:lumOff val="25000"/>
+                <a:alpha val="10000"/>
+              </a:schemeClr>
+            </a:solidFill>
+          </a:ln>
           <a:solidFill>
-            <a:schemeClr val="tx1"/>
+            <a:schemeClr val="tx2"/>
           </a:solidFill>
+          <a:effectLst>
+            <a:outerShdw blurRad="9525" dist="25400" dir="14640000" algn="tl" rotWithShape="0">
+              <a:schemeClr val="bg1">
+                <a:alpha val="30000"/>
+              </a:schemeClr>
+            </a:outerShdw>
+          </a:effectLst>
           <a:latin typeface="+mn-lt"/>
           <a:ea typeface="+mn-ea"/>
           <a:cs typeface="+mn-cs"/>
         </a:defRPr>
       </a:lvl6pPr>
-      <a:lvl7pPr marL="2971800" indent="-228600" algn="l" defTabSz="914400" rtl="0" eaLnBrk="1" latinLnBrk="0" hangingPunct="1">
-        <a:lnSpc>
-          <a:spcPct val="90000"/>
-        </a:lnSpc>
+      <a:lvl7pPr marL="2401800" indent="-228600" algn="l" defTabSz="457200" rtl="0" eaLnBrk="1" latinLnBrk="0" hangingPunct="1">
         <a:spcBef>
-          <a:spcPts val="500"/>
+          <a:spcPct val="20000"/>
         </a:spcBef>
-        <a:buFont typeface="Arial" panose="020B0604020202020204" pitchFamily="34" charset="0"/>
-        <a:buChar char="•"/>
-        <a:defRPr sz="1800" kern="1200">
+        <a:spcAft>
+          <a:spcPts val="600"/>
+        </a:spcAft>
+        <a:buClr>
+          <a:schemeClr val="tx2"/>
+        </a:buClr>
+        <a:buSzPct val="70000"/>
+        <a:buFont typeface="Wingdings 2" charset="2"/>
+        <a:buChar char=""/>
+        <a:defRPr sz="1400" kern="1200">
+          <a:ln>
+            <a:solidFill>
+              <a:schemeClr val="bg1">
+                <a:lumMod val="75000"/>
+                <a:lumOff val="25000"/>
+                <a:alpha val="10000"/>
+              </a:schemeClr>
+            </a:solidFill>
+          </a:ln>
           <a:solidFill>
-            <a:schemeClr val="tx1"/>
+            <a:schemeClr val="tx2"/>
           </a:solidFill>
+          <a:effectLst>
+            <a:outerShdw blurRad="9525" dist="25400" dir="14640000" algn="tl" rotWithShape="0">
+              <a:schemeClr val="bg1">
+                <a:alpha val="30000"/>
+              </a:schemeClr>
+            </a:outerShdw>
+          </a:effectLst>
           <a:latin typeface="+mn-lt"/>
           <a:ea typeface="+mn-ea"/>
           <a:cs typeface="+mn-cs"/>
         </a:defRPr>
       </a:lvl7pPr>
-      <a:lvl8pPr marL="3429000" indent="-228600" algn="l" defTabSz="914400" rtl="0" eaLnBrk="1" latinLnBrk="0" hangingPunct="1">
-        <a:lnSpc>
-          <a:spcPct val="90000"/>
-        </a:lnSpc>
+      <a:lvl8pPr marL="2789000" indent="-228600" algn="l" defTabSz="457200" rtl="0" eaLnBrk="1" latinLnBrk="0" hangingPunct="1">
         <a:spcBef>
-          <a:spcPts val="500"/>
+          <a:spcPct val="20000"/>
         </a:spcBef>
-        <a:buFont typeface="Arial" panose="020B0604020202020204" pitchFamily="34" charset="0"/>
-        <a:buChar char="•"/>
-        <a:defRPr sz="1800" kern="1200">
+        <a:spcAft>
+          <a:spcPts val="600"/>
+        </a:spcAft>
+        <a:buClr>
+          <a:schemeClr val="tx2"/>
+        </a:buClr>
+        <a:buSzPct val="70000"/>
+        <a:buFont typeface="Wingdings 2" charset="2"/>
+        <a:buChar char=""/>
+        <a:defRPr sz="1400" kern="1200">
+          <a:ln>
+            <a:solidFill>
+              <a:schemeClr val="bg1">
+                <a:lumMod val="75000"/>
+                <a:lumOff val="25000"/>
+                <a:alpha val="10000"/>
+              </a:schemeClr>
+            </a:solidFill>
+          </a:ln>
           <a:solidFill>
-            <a:schemeClr val="tx1"/>
+            <a:schemeClr val="tx2"/>
           </a:solidFill>
+          <a:effectLst>
+            <a:outerShdw blurRad="9525" dist="25400" dir="14640000" algn="tl" rotWithShape="0">
+              <a:schemeClr val="bg1">
+                <a:alpha val="30000"/>
+              </a:schemeClr>
+            </a:outerShdw>
+          </a:effectLst>
           <a:latin typeface="+mn-lt"/>
           <a:ea typeface="+mn-ea"/>
           <a:cs typeface="+mn-cs"/>
         </a:defRPr>
       </a:lvl8pPr>
-      <a:lvl9pPr marL="3886200" indent="-228600" algn="l" defTabSz="914400" rtl="0" eaLnBrk="1" latinLnBrk="0" hangingPunct="1">
-        <a:lnSpc>
-          <a:spcPct val="90000"/>
-        </a:lnSpc>
+      <a:lvl9pPr marL="3106200" indent="-228600" algn="l" defTabSz="457200" rtl="0" eaLnBrk="1" latinLnBrk="0" hangingPunct="1">
         <a:spcBef>
-          <a:spcPts val="500"/>
+          <a:spcPct val="20000"/>
         </a:spcBef>
-        <a:buFont typeface="Arial" panose="020B0604020202020204" pitchFamily="34" charset="0"/>
-        <a:buChar char="•"/>
-        <a:defRPr sz="1800" kern="1200">
+        <a:spcAft>
+          <a:spcPts val="600"/>
+        </a:spcAft>
+        <a:buClr>
+          <a:schemeClr val="tx2"/>
+        </a:buClr>
+        <a:buSzPct val="70000"/>
+        <a:buFont typeface="Wingdings 2" charset="2"/>
+        <a:buChar char=""/>
+        <a:defRPr sz="1400" kern="1200">
+          <a:ln>
+            <a:solidFill>
+              <a:schemeClr val="bg1">
+                <a:lumMod val="75000"/>
+                <a:lumOff val="25000"/>
+                <a:alpha val="10000"/>
+              </a:schemeClr>
+            </a:solidFill>
+          </a:ln>
           <a:solidFill>
-            <a:schemeClr val="tx1"/>
+            <a:schemeClr val="tx2"/>
           </a:solidFill>
+          <a:effectLst>
+            <a:outerShdw blurRad="9525" dist="25400" dir="14640000" algn="tl" rotWithShape="0">
+              <a:schemeClr val="bg1">
+                <a:alpha val="30000"/>
+              </a:schemeClr>
+            </a:outerShdw>
+          </a:effectLst>
           <a:latin typeface="+mn-lt"/>
           <a:ea typeface="+mn-ea"/>
           <a:cs typeface="+mn-cs"/>
@@ -3214,7 +5908,7 @@
       <a:defPPr>
         <a:defRPr lang="en-US"/>
       </a:defPPr>
-      <a:lvl1pPr marL="0" algn="l" defTabSz="914400" rtl="0" eaLnBrk="1" latinLnBrk="0" hangingPunct="1">
+      <a:lvl1pPr marL="0" algn="l" defTabSz="457200" rtl="0" eaLnBrk="1" latinLnBrk="0" hangingPunct="1">
         <a:defRPr sz="1800" kern="1200">
           <a:solidFill>
             <a:schemeClr val="tx1"/>
@@ -3224,7 +5918,7 @@
           <a:cs typeface="+mn-cs"/>
         </a:defRPr>
       </a:lvl1pPr>
-      <a:lvl2pPr marL="457200" algn="l" defTabSz="914400" rtl="0" eaLnBrk="1" latinLnBrk="0" hangingPunct="1">
+      <a:lvl2pPr marL="457200" algn="l" defTabSz="457200" rtl="0" eaLnBrk="1" latinLnBrk="0" hangingPunct="1">
         <a:defRPr sz="1800" kern="1200">
           <a:solidFill>
             <a:schemeClr val="tx1"/>
@@ -3234,7 +5928,7 @@
           <a:cs typeface="+mn-cs"/>
         </a:defRPr>
       </a:lvl2pPr>
-      <a:lvl3pPr marL="914400" algn="l" defTabSz="914400" rtl="0" eaLnBrk="1" latinLnBrk="0" hangingPunct="1">
+      <a:lvl3pPr marL="914400" algn="l" defTabSz="457200" rtl="0" eaLnBrk="1" latinLnBrk="0" hangingPunct="1">
         <a:defRPr sz="1800" kern="1200">
           <a:solidFill>
             <a:schemeClr val="tx1"/>
@@ -3244,7 +5938,7 @@
           <a:cs typeface="+mn-cs"/>
         </a:defRPr>
       </a:lvl3pPr>
-      <a:lvl4pPr marL="1371600" algn="l" defTabSz="914400" rtl="0" eaLnBrk="1" latinLnBrk="0" hangingPunct="1">
+      <a:lvl4pPr marL="1371600" algn="l" defTabSz="457200" rtl="0" eaLnBrk="1" latinLnBrk="0" hangingPunct="1">
         <a:defRPr sz="1800" kern="1200">
           <a:solidFill>
             <a:schemeClr val="tx1"/>
@@ -3254,7 +5948,7 @@
           <a:cs typeface="+mn-cs"/>
         </a:defRPr>
       </a:lvl4pPr>
-      <a:lvl5pPr marL="1828800" algn="l" defTabSz="914400" rtl="0" eaLnBrk="1" latinLnBrk="0" hangingPunct="1">
+      <a:lvl5pPr marL="1828800" algn="l" defTabSz="457200" rtl="0" eaLnBrk="1" latinLnBrk="0" hangingPunct="1">
         <a:defRPr sz="1800" kern="1200">
           <a:solidFill>
             <a:schemeClr val="tx1"/>
@@ -3264,7 +5958,7 @@
           <a:cs typeface="+mn-cs"/>
         </a:defRPr>
       </a:lvl5pPr>
-      <a:lvl6pPr marL="2286000" algn="l" defTabSz="914400" rtl="0" eaLnBrk="1" latinLnBrk="0" hangingPunct="1">
+      <a:lvl6pPr marL="2286000" algn="l" defTabSz="457200" rtl="0" eaLnBrk="1" latinLnBrk="0" hangingPunct="1">
         <a:defRPr sz="1800" kern="1200">
           <a:solidFill>
             <a:schemeClr val="tx1"/>
@@ -3274,7 +5968,7 @@
           <a:cs typeface="+mn-cs"/>
         </a:defRPr>
       </a:lvl6pPr>
-      <a:lvl7pPr marL="2743200" algn="l" defTabSz="914400" rtl="0" eaLnBrk="1" latinLnBrk="0" hangingPunct="1">
+      <a:lvl7pPr marL="2743200" algn="l" defTabSz="457200" rtl="0" eaLnBrk="1" latinLnBrk="0" hangingPunct="1">
         <a:defRPr sz="1800" kern="1200">
           <a:solidFill>
             <a:schemeClr val="tx1"/>
@@ -3284,7 +5978,7 @@
           <a:cs typeface="+mn-cs"/>
         </a:defRPr>
       </a:lvl7pPr>
-      <a:lvl8pPr marL="3200400" algn="l" defTabSz="914400" rtl="0" eaLnBrk="1" latinLnBrk="0" hangingPunct="1">
+      <a:lvl8pPr marL="3200400" algn="l" defTabSz="457200" rtl="0" eaLnBrk="1" latinLnBrk="0" hangingPunct="1">
         <a:defRPr sz="1800" kern="1200">
           <a:solidFill>
             <a:schemeClr val="tx1"/>
@@ -3294,7 +5988,7 @@
           <a:cs typeface="+mn-cs"/>
         </a:defRPr>
       </a:lvl8pPr>
-      <a:lvl9pPr marL="3657600" algn="l" defTabSz="914400" rtl="0" eaLnBrk="1" latinLnBrk="0" hangingPunct="1">
+      <a:lvl9pPr marL="3657600" algn="l" defTabSz="457200" rtl="0" eaLnBrk="1" latinLnBrk="0" hangingPunct="1">
         <a:defRPr sz="1800" kern="1200">
           <a:solidFill>
             <a:schemeClr val="tx1"/>
@@ -3328,6 +6022,785 @@
       </p:grpSpPr>
       <p:sp>
         <p:nvSpPr>
+          <p:cNvPr id="2" name="TextBox 1">
+            <a:extLst>
+              <a:ext uri="{FF2B5EF4-FFF2-40B4-BE49-F238E27FC236}">
+                <a16:creationId xmlns:a16="http://schemas.microsoft.com/office/drawing/2014/main" id="{55AF0F53-E2F5-44BC-A6A7-7C1E32A593DB}"/>
+              </a:ext>
+            </a:extLst>
+          </p:cNvPr>
+          <p:cNvSpPr txBox="1"/>
+          <p:nvPr/>
+        </p:nvSpPr>
+        <p:spPr>
+          <a:xfrm>
+            <a:off x="449997" y="327171"/>
+            <a:ext cx="1415452" cy="369332"/>
+          </a:xfrm>
+          <a:prstGeom prst="rect">
+            <a:avLst/>
+          </a:prstGeom>
+          <a:noFill/>
+        </p:spPr>
+        <p:txBody>
+          <a:bodyPr wrap="none" rtlCol="0">
+            <a:spAutoFit/>
+          </a:bodyPr>
+          <a:lstStyle/>
+          <a:p>
+            <a:r>
+              <a:rPr lang="en-US" dirty="0"/>
+              <a:t>Train Model</a:t>
+            </a:r>
+          </a:p>
+        </p:txBody>
+      </p:sp>
+      <p:sp>
+        <p:nvSpPr>
+          <p:cNvPr id="3" name="TextBox 2">
+            <a:extLst>
+              <a:ext uri="{FF2B5EF4-FFF2-40B4-BE49-F238E27FC236}">
+                <a16:creationId xmlns:a16="http://schemas.microsoft.com/office/drawing/2014/main" id="{A20B7A59-7B34-4550-B303-08815411F0C3}"/>
+              </a:ext>
+            </a:extLst>
+          </p:cNvPr>
+          <p:cNvSpPr txBox="1"/>
+          <p:nvPr/>
+        </p:nvSpPr>
+        <p:spPr>
+          <a:xfrm>
+            <a:off x="441692" y="3939812"/>
+            <a:ext cx="2107693" cy="369332"/>
+          </a:xfrm>
+          <a:prstGeom prst="rect">
+            <a:avLst/>
+          </a:prstGeom>
+          <a:noFill/>
+        </p:spPr>
+        <p:txBody>
+          <a:bodyPr wrap="none" rtlCol="0">
+            <a:spAutoFit/>
+          </a:bodyPr>
+          <a:lstStyle/>
+          <a:p>
+            <a:r>
+              <a:rPr lang="en-US" dirty="0"/>
+              <a:t>Classify Model Test</a:t>
+            </a:r>
+          </a:p>
+        </p:txBody>
+      </p:sp>
+      <p:sp>
+        <p:nvSpPr>
+          <p:cNvPr id="4" name="TextBox 3">
+            <a:extLst>
+              <a:ext uri="{FF2B5EF4-FFF2-40B4-BE49-F238E27FC236}">
+                <a16:creationId xmlns:a16="http://schemas.microsoft.com/office/drawing/2014/main" id="{5277ED5F-F904-4864-884D-5610C7966F37}"/>
+              </a:ext>
+            </a:extLst>
+          </p:cNvPr>
+          <p:cNvSpPr txBox="1"/>
+          <p:nvPr/>
+        </p:nvSpPr>
+        <p:spPr>
+          <a:xfrm>
+            <a:off x="441692" y="4976492"/>
+            <a:ext cx="1331647" cy="369332"/>
+          </a:xfrm>
+          <a:prstGeom prst="rect">
+            <a:avLst/>
+          </a:prstGeom>
+          <a:noFill/>
+        </p:spPr>
+        <p:txBody>
+          <a:bodyPr wrap="none" rtlCol="0">
+            <a:spAutoFit/>
+          </a:bodyPr>
+          <a:lstStyle/>
+          <a:p>
+            <a:r>
+              <a:rPr lang="en-US" dirty="0"/>
+              <a:t>Save Model</a:t>
+            </a:r>
+          </a:p>
+        </p:txBody>
+      </p:sp>
+      <p:sp>
+        <p:nvSpPr>
+          <p:cNvPr id="5" name="Rectangle 4">
+            <a:extLst>
+              <a:ext uri="{FF2B5EF4-FFF2-40B4-BE49-F238E27FC236}">
+                <a16:creationId xmlns:a16="http://schemas.microsoft.com/office/drawing/2014/main" id="{E3973AF5-D31C-484D-B067-4F027CA9964F}"/>
+              </a:ext>
+            </a:extLst>
+          </p:cNvPr>
+          <p:cNvSpPr/>
+          <p:nvPr/>
+        </p:nvSpPr>
+        <p:spPr>
+          <a:xfrm>
+            <a:off x="7794960" y="717128"/>
+            <a:ext cx="1242648" cy="369332"/>
+          </a:xfrm>
+          <a:prstGeom prst="rect">
+            <a:avLst/>
+          </a:prstGeom>
+        </p:spPr>
+        <p:txBody>
+          <a:bodyPr wrap="none">
+            <a:spAutoFit/>
+          </a:bodyPr>
+          <a:lstStyle/>
+          <a:p>
+            <a:r>
+              <a:rPr lang="en-US" dirty="0"/>
+              <a:t>Load Data</a:t>
+            </a:r>
+          </a:p>
+        </p:txBody>
+      </p:sp>
+      <p:sp>
+        <p:nvSpPr>
+          <p:cNvPr id="6" name="Rectangle 5">
+            <a:extLst>
+              <a:ext uri="{FF2B5EF4-FFF2-40B4-BE49-F238E27FC236}">
+                <a16:creationId xmlns:a16="http://schemas.microsoft.com/office/drawing/2014/main" id="{645E0CF0-1B80-46FE-8C09-1D7C4193AD9A}"/>
+              </a:ext>
+            </a:extLst>
+          </p:cNvPr>
+          <p:cNvSpPr/>
+          <p:nvPr/>
+        </p:nvSpPr>
+        <p:spPr>
+          <a:xfrm>
+            <a:off x="7794960" y="1626777"/>
+            <a:ext cx="2457404" cy="369332"/>
+          </a:xfrm>
+          <a:prstGeom prst="rect">
+            <a:avLst/>
+          </a:prstGeom>
+        </p:spPr>
+        <p:txBody>
+          <a:bodyPr wrap="none">
+            <a:spAutoFit/>
+          </a:bodyPr>
+          <a:lstStyle/>
+          <a:p>
+            <a:r>
+              <a:rPr lang="en-US" dirty="0"/>
+              <a:t>Build Training Pipeline</a:t>
+            </a:r>
+          </a:p>
+        </p:txBody>
+      </p:sp>
+      <p:sp>
+        <p:nvSpPr>
+          <p:cNvPr id="7" name="Rectangle 6">
+            <a:extLst>
+              <a:ext uri="{FF2B5EF4-FFF2-40B4-BE49-F238E27FC236}">
+                <a16:creationId xmlns:a16="http://schemas.microsoft.com/office/drawing/2014/main" id="{A6B62DB6-4CC0-4240-808A-97D3A0440247}"/>
+              </a:ext>
+            </a:extLst>
+          </p:cNvPr>
+          <p:cNvSpPr/>
+          <p:nvPr/>
+        </p:nvSpPr>
+        <p:spPr>
+          <a:xfrm>
+            <a:off x="7896879" y="2331063"/>
+            <a:ext cx="1415452" cy="369332"/>
+          </a:xfrm>
+          <a:prstGeom prst="rect">
+            <a:avLst/>
+          </a:prstGeom>
+        </p:spPr>
+        <p:txBody>
+          <a:bodyPr wrap="none">
+            <a:spAutoFit/>
+          </a:bodyPr>
+          <a:lstStyle/>
+          <a:p>
+            <a:r>
+              <a:rPr lang="en-US" dirty="0"/>
+              <a:t>Train Model</a:t>
+            </a:r>
+          </a:p>
+        </p:txBody>
+      </p:sp>
+      <p:sp>
+        <p:nvSpPr>
+          <p:cNvPr id="8" name="Rectangle 7">
+            <a:extLst>
+              <a:ext uri="{FF2B5EF4-FFF2-40B4-BE49-F238E27FC236}">
+                <a16:creationId xmlns:a16="http://schemas.microsoft.com/office/drawing/2014/main" id="{93777108-45AB-4E13-B67F-8D971DDDAFD0}"/>
+              </a:ext>
+            </a:extLst>
+          </p:cNvPr>
+          <p:cNvSpPr/>
+          <p:nvPr/>
+        </p:nvSpPr>
+        <p:spPr>
+          <a:xfrm>
+            <a:off x="7896879" y="2815203"/>
+            <a:ext cx="1038811" cy="369332"/>
+          </a:xfrm>
+          <a:prstGeom prst="rect">
+            <a:avLst/>
+          </a:prstGeom>
+        </p:spPr>
+        <p:txBody>
+          <a:bodyPr wrap="none">
+            <a:spAutoFit/>
+          </a:bodyPr>
+          <a:lstStyle/>
+          <a:p>
+            <a:r>
+              <a:rPr lang="en-US" dirty="0"/>
+              <a:t>Evaluate</a:t>
+            </a:r>
+          </a:p>
+        </p:txBody>
+      </p:sp>
+      <p:sp>
+        <p:nvSpPr>
+          <p:cNvPr id="9" name="Rectangle 8">
+            <a:extLst>
+              <a:ext uri="{FF2B5EF4-FFF2-40B4-BE49-F238E27FC236}">
+                <a16:creationId xmlns:a16="http://schemas.microsoft.com/office/drawing/2014/main" id="{C4F31329-C0BF-426B-9247-855808C58CB1}"/>
+              </a:ext>
+            </a:extLst>
+          </p:cNvPr>
+          <p:cNvSpPr/>
+          <p:nvPr/>
+        </p:nvSpPr>
+        <p:spPr>
+          <a:xfrm>
+            <a:off x="7724684" y="323543"/>
+            <a:ext cx="1173719" cy="369332"/>
+          </a:xfrm>
+          <a:prstGeom prst="rect">
+            <a:avLst/>
+          </a:prstGeom>
+        </p:spPr>
+        <p:txBody>
+          <a:bodyPr wrap="none">
+            <a:spAutoFit/>
+          </a:bodyPr>
+          <a:lstStyle/>
+          <a:p>
+            <a:r>
+              <a:rPr lang="en-US" dirty="0"/>
+              <a:t>Sentiment</a:t>
+            </a:r>
+          </a:p>
+        </p:txBody>
+      </p:sp>
+      <p:sp>
+        <p:nvSpPr>
+          <p:cNvPr id="10" name="Rectangle 9">
+            <a:extLst>
+              <a:ext uri="{FF2B5EF4-FFF2-40B4-BE49-F238E27FC236}">
+                <a16:creationId xmlns:a16="http://schemas.microsoft.com/office/drawing/2014/main" id="{CEEB3F6C-1F3B-4BE6-9F18-9C31E623D9CA}"/>
+              </a:ext>
+            </a:extLst>
+          </p:cNvPr>
+          <p:cNvSpPr/>
+          <p:nvPr/>
+        </p:nvSpPr>
+        <p:spPr>
+          <a:xfrm>
+            <a:off x="2029979" y="723046"/>
+            <a:ext cx="1242648" cy="369332"/>
+          </a:xfrm>
+          <a:prstGeom prst="rect">
+            <a:avLst/>
+          </a:prstGeom>
+        </p:spPr>
+        <p:txBody>
+          <a:bodyPr wrap="none">
+            <a:spAutoFit/>
+          </a:bodyPr>
+          <a:lstStyle/>
+          <a:p>
+            <a:r>
+              <a:rPr lang="en-US" dirty="0"/>
+              <a:t>Load Data</a:t>
+            </a:r>
+          </a:p>
+        </p:txBody>
+      </p:sp>
+      <p:sp>
+        <p:nvSpPr>
+          <p:cNvPr id="12" name="Rectangle 11">
+            <a:extLst>
+              <a:ext uri="{FF2B5EF4-FFF2-40B4-BE49-F238E27FC236}">
+                <a16:creationId xmlns:a16="http://schemas.microsoft.com/office/drawing/2014/main" id="{1867BEEF-4CF6-46BD-9403-CE256C5A4030}"/>
+              </a:ext>
+            </a:extLst>
+          </p:cNvPr>
+          <p:cNvSpPr/>
+          <p:nvPr/>
+        </p:nvSpPr>
+        <p:spPr>
+          <a:xfrm>
+            <a:off x="7794960" y="1134939"/>
+            <a:ext cx="3594638" cy="369332"/>
+          </a:xfrm>
+          <a:prstGeom prst="rect">
+            <a:avLst/>
+          </a:prstGeom>
+        </p:spPr>
+        <p:txBody>
+          <a:bodyPr wrap="none">
+            <a:spAutoFit/>
+          </a:bodyPr>
+          <a:lstStyle/>
+          <a:p>
+            <a:r>
+              <a:rPr lang="en-US" dirty="0"/>
+              <a:t>Build </a:t>
+            </a:r>
+            <a:r>
+              <a:rPr lang="en-US" dirty="0" err="1"/>
+              <a:t>DataView</a:t>
+            </a:r>
+            <a:r>
+              <a:rPr lang="en-US" dirty="0"/>
+              <a:t>: </a:t>
+            </a:r>
+            <a:r>
+              <a:rPr lang="en-US" dirty="0" err="1"/>
+              <a:t>DataView.Count</a:t>
+            </a:r>
+            <a:r>
+              <a:rPr lang="en-US" dirty="0"/>
+              <a:t>?</a:t>
+            </a:r>
+          </a:p>
+        </p:txBody>
+      </p:sp>
+      <p:sp>
+        <p:nvSpPr>
+          <p:cNvPr id="14" name="Rectangle 13">
+            <a:extLst>
+              <a:ext uri="{FF2B5EF4-FFF2-40B4-BE49-F238E27FC236}">
+                <a16:creationId xmlns:a16="http://schemas.microsoft.com/office/drawing/2014/main" id="{3C8B60A6-F465-4328-A584-DBB1CD6FBA67}"/>
+              </a:ext>
+            </a:extLst>
+          </p:cNvPr>
+          <p:cNvSpPr/>
+          <p:nvPr/>
+        </p:nvSpPr>
+        <p:spPr>
+          <a:xfrm>
+            <a:off x="2009549" y="1134939"/>
+            <a:ext cx="3594638" cy="369332"/>
+          </a:xfrm>
+          <a:prstGeom prst="rect">
+            <a:avLst/>
+          </a:prstGeom>
+        </p:spPr>
+        <p:txBody>
+          <a:bodyPr wrap="none">
+            <a:spAutoFit/>
+          </a:bodyPr>
+          <a:lstStyle/>
+          <a:p>
+            <a:r>
+              <a:rPr lang="en-US" dirty="0"/>
+              <a:t>Build </a:t>
+            </a:r>
+            <a:r>
+              <a:rPr lang="en-US" dirty="0" err="1"/>
+              <a:t>DataView</a:t>
+            </a:r>
+            <a:r>
+              <a:rPr lang="en-US" dirty="0"/>
+              <a:t>: </a:t>
+            </a:r>
+            <a:r>
+              <a:rPr lang="en-US" dirty="0" err="1"/>
+              <a:t>DataView.Count</a:t>
+            </a:r>
+            <a:r>
+              <a:rPr lang="en-US" dirty="0"/>
+              <a:t>?</a:t>
+            </a:r>
+          </a:p>
+        </p:txBody>
+      </p:sp>
+      <p:sp>
+        <p:nvSpPr>
+          <p:cNvPr id="15" name="Rectangle 14">
+            <a:extLst>
+              <a:ext uri="{FF2B5EF4-FFF2-40B4-BE49-F238E27FC236}">
+                <a16:creationId xmlns:a16="http://schemas.microsoft.com/office/drawing/2014/main" id="{F021CE63-11FB-4EFD-B699-28B9B1FCFDF1}"/>
+              </a:ext>
+            </a:extLst>
+          </p:cNvPr>
+          <p:cNvSpPr/>
+          <p:nvPr/>
+        </p:nvSpPr>
+        <p:spPr>
+          <a:xfrm>
+            <a:off x="2009549" y="1627314"/>
+            <a:ext cx="2457404" cy="369332"/>
+          </a:xfrm>
+          <a:prstGeom prst="rect">
+            <a:avLst/>
+          </a:prstGeom>
+        </p:spPr>
+        <p:txBody>
+          <a:bodyPr wrap="none">
+            <a:spAutoFit/>
+          </a:bodyPr>
+          <a:lstStyle/>
+          <a:p>
+            <a:r>
+              <a:rPr lang="en-US" dirty="0"/>
+              <a:t>Build Training Pipeline</a:t>
+            </a:r>
+          </a:p>
+        </p:txBody>
+      </p:sp>
+      <p:sp>
+        <p:nvSpPr>
+          <p:cNvPr id="16" name="Rectangle 15">
+            <a:extLst>
+              <a:ext uri="{FF2B5EF4-FFF2-40B4-BE49-F238E27FC236}">
+                <a16:creationId xmlns:a16="http://schemas.microsoft.com/office/drawing/2014/main" id="{A1513FB8-272D-456B-9E9A-000C84276C6C}"/>
+              </a:ext>
+            </a:extLst>
+          </p:cNvPr>
+          <p:cNvSpPr/>
+          <p:nvPr/>
+        </p:nvSpPr>
+        <p:spPr>
+          <a:xfrm>
+            <a:off x="4189797" y="680484"/>
+            <a:ext cx="1093569" cy="369332"/>
+          </a:xfrm>
+          <a:prstGeom prst="rect">
+            <a:avLst/>
+          </a:prstGeom>
+        </p:spPr>
+        <p:txBody>
+          <a:bodyPr wrap="none">
+            <a:spAutoFit/>
+          </a:bodyPr>
+          <a:lstStyle/>
+          <a:p>
+            <a:r>
+              <a:rPr lang="en-US" dirty="0"/>
+              <a:t>(Sources)</a:t>
+            </a:r>
+          </a:p>
+        </p:txBody>
+      </p:sp>
+      <p:sp>
+        <p:nvSpPr>
+          <p:cNvPr id="18" name="Rectangle 17">
+            <a:extLst>
+              <a:ext uri="{FF2B5EF4-FFF2-40B4-BE49-F238E27FC236}">
+                <a16:creationId xmlns:a16="http://schemas.microsoft.com/office/drawing/2014/main" id="{CB6E0C1F-0354-4792-A0D1-0FAD15E25E08}"/>
+              </a:ext>
+            </a:extLst>
+          </p:cNvPr>
+          <p:cNvSpPr/>
+          <p:nvPr/>
+        </p:nvSpPr>
+        <p:spPr>
+          <a:xfrm>
+            <a:off x="2029979" y="2373651"/>
+            <a:ext cx="1038811" cy="369332"/>
+          </a:xfrm>
+          <a:prstGeom prst="rect">
+            <a:avLst/>
+          </a:prstGeom>
+        </p:spPr>
+        <p:txBody>
+          <a:bodyPr wrap="none">
+            <a:spAutoFit/>
+          </a:bodyPr>
+          <a:lstStyle/>
+          <a:p>
+            <a:r>
+              <a:rPr lang="en-US" dirty="0"/>
+              <a:t>Evaluate</a:t>
+            </a:r>
+          </a:p>
+        </p:txBody>
+      </p:sp>
+      <p:sp>
+        <p:nvSpPr>
+          <p:cNvPr id="19" name="Rectangle 18">
+            <a:extLst>
+              <a:ext uri="{FF2B5EF4-FFF2-40B4-BE49-F238E27FC236}">
+                <a16:creationId xmlns:a16="http://schemas.microsoft.com/office/drawing/2014/main" id="{CA5764F8-7B98-4656-B8AF-F5A3A01963AF}"/>
+              </a:ext>
+            </a:extLst>
+          </p:cNvPr>
+          <p:cNvSpPr/>
+          <p:nvPr/>
+        </p:nvSpPr>
+        <p:spPr>
+          <a:xfrm>
+            <a:off x="2029979" y="2773950"/>
+            <a:ext cx="2003049" cy="369332"/>
+          </a:xfrm>
+          <a:prstGeom prst="rect">
+            <a:avLst/>
+          </a:prstGeom>
+        </p:spPr>
+        <p:txBody>
+          <a:bodyPr wrap="none">
+            <a:spAutoFit/>
+          </a:bodyPr>
+          <a:lstStyle/>
+          <a:p>
+            <a:r>
+              <a:rPr lang="en-US" dirty="0"/>
+              <a:t>Save Model Result</a:t>
+            </a:r>
+          </a:p>
+        </p:txBody>
+      </p:sp>
+      <p:sp>
+        <p:nvSpPr>
+          <p:cNvPr id="20" name="Rectangle 19">
+            <a:extLst>
+              <a:ext uri="{FF2B5EF4-FFF2-40B4-BE49-F238E27FC236}">
+                <a16:creationId xmlns:a16="http://schemas.microsoft.com/office/drawing/2014/main" id="{D1AFCEF8-F639-4086-B450-BE94783413AD}"/>
+              </a:ext>
+            </a:extLst>
+          </p:cNvPr>
+          <p:cNvSpPr/>
+          <p:nvPr/>
+        </p:nvSpPr>
+        <p:spPr>
+          <a:xfrm>
+            <a:off x="2029979" y="3299343"/>
+            <a:ext cx="1415452" cy="369332"/>
+          </a:xfrm>
+          <a:prstGeom prst="rect">
+            <a:avLst/>
+          </a:prstGeom>
+        </p:spPr>
+        <p:txBody>
+          <a:bodyPr wrap="none">
+            <a:spAutoFit/>
+          </a:bodyPr>
+          <a:lstStyle/>
+          <a:p>
+            <a:r>
+              <a:rPr lang="en-US" dirty="0"/>
+              <a:t>Train Model</a:t>
+            </a:r>
+          </a:p>
+        </p:txBody>
+      </p:sp>
+      <p:sp>
+        <p:nvSpPr>
+          <p:cNvPr id="21" name="Rectangle 20">
+            <a:extLst>
+              <a:ext uri="{FF2B5EF4-FFF2-40B4-BE49-F238E27FC236}">
+                <a16:creationId xmlns:a16="http://schemas.microsoft.com/office/drawing/2014/main" id="{EB24B35D-7F25-42F1-8429-7E9F278267DB}"/>
+              </a:ext>
+            </a:extLst>
+          </p:cNvPr>
+          <p:cNvSpPr/>
+          <p:nvPr/>
+        </p:nvSpPr>
+        <p:spPr>
+          <a:xfrm>
+            <a:off x="2029979" y="212363"/>
+            <a:ext cx="742511" cy="369332"/>
+          </a:xfrm>
+          <a:prstGeom prst="rect">
+            <a:avLst/>
+          </a:prstGeom>
+        </p:spPr>
+        <p:txBody>
+          <a:bodyPr wrap="none">
+            <a:spAutoFit/>
+          </a:bodyPr>
+          <a:lstStyle/>
+          <a:p>
+            <a:r>
+              <a:rPr lang="en-US" dirty="0"/>
+              <a:t>Spam</a:t>
+            </a:r>
+          </a:p>
+        </p:txBody>
+      </p:sp>
+      <p:sp>
+        <p:nvSpPr>
+          <p:cNvPr id="22" name="Rectangle 21">
+            <a:extLst>
+              <a:ext uri="{FF2B5EF4-FFF2-40B4-BE49-F238E27FC236}">
+                <a16:creationId xmlns:a16="http://schemas.microsoft.com/office/drawing/2014/main" id="{E53DF50A-C7A0-4948-B348-2BCA7C5BC9F2}"/>
+              </a:ext>
+            </a:extLst>
+          </p:cNvPr>
+          <p:cNvSpPr/>
+          <p:nvPr/>
+        </p:nvSpPr>
+        <p:spPr>
+          <a:xfrm>
+            <a:off x="7896879" y="3299343"/>
+            <a:ext cx="2003049" cy="369332"/>
+          </a:xfrm>
+          <a:prstGeom prst="rect">
+            <a:avLst/>
+          </a:prstGeom>
+        </p:spPr>
+        <p:txBody>
+          <a:bodyPr wrap="none">
+            <a:spAutoFit/>
+          </a:bodyPr>
+          <a:lstStyle/>
+          <a:p>
+            <a:r>
+              <a:rPr lang="en-US" dirty="0"/>
+              <a:t>Save Model Result</a:t>
+            </a:r>
+          </a:p>
+        </p:txBody>
+      </p:sp>
+      <p:sp>
+        <p:nvSpPr>
+          <p:cNvPr id="23" name="Rectangle 22">
+            <a:extLst>
+              <a:ext uri="{FF2B5EF4-FFF2-40B4-BE49-F238E27FC236}">
+                <a16:creationId xmlns:a16="http://schemas.microsoft.com/office/drawing/2014/main" id="{8C5689D0-9F16-44F6-A36F-7333784F03C2}"/>
+              </a:ext>
+            </a:extLst>
+          </p:cNvPr>
+          <p:cNvSpPr/>
+          <p:nvPr/>
+        </p:nvSpPr>
+        <p:spPr>
+          <a:xfrm>
+            <a:off x="4143115" y="2773950"/>
+            <a:ext cx="1213794" cy="369332"/>
+          </a:xfrm>
+          <a:prstGeom prst="rect">
+            <a:avLst/>
+          </a:prstGeom>
+        </p:spPr>
+        <p:txBody>
+          <a:bodyPr wrap="none">
+            <a:spAutoFit/>
+          </a:bodyPr>
+          <a:lstStyle/>
+          <a:p>
+            <a:r>
+              <a:rPr lang="en-US" dirty="0"/>
+              <a:t>(Location)</a:t>
+            </a:r>
+          </a:p>
+        </p:txBody>
+      </p:sp>
+      <p:sp>
+        <p:nvSpPr>
+          <p:cNvPr id="24" name="Rectangle 23">
+            <a:extLst>
+              <a:ext uri="{FF2B5EF4-FFF2-40B4-BE49-F238E27FC236}">
+                <a16:creationId xmlns:a16="http://schemas.microsoft.com/office/drawing/2014/main" id="{D60E4B31-704C-4258-B9B8-DAC1479CABEC}"/>
+              </a:ext>
+            </a:extLst>
+          </p:cNvPr>
+          <p:cNvSpPr/>
+          <p:nvPr/>
+        </p:nvSpPr>
+        <p:spPr>
+          <a:xfrm>
+            <a:off x="4034207" y="4976492"/>
+            <a:ext cx="1213794" cy="369332"/>
+          </a:xfrm>
+          <a:prstGeom prst="rect">
+            <a:avLst/>
+          </a:prstGeom>
+        </p:spPr>
+        <p:txBody>
+          <a:bodyPr wrap="none">
+            <a:spAutoFit/>
+          </a:bodyPr>
+          <a:lstStyle/>
+          <a:p>
+            <a:r>
+              <a:rPr lang="en-US" dirty="0"/>
+              <a:t>(Location)</a:t>
+            </a:r>
+          </a:p>
+        </p:txBody>
+      </p:sp>
+      <p:sp>
+        <p:nvSpPr>
+          <p:cNvPr id="25" name="Rectangle 24">
+            <a:extLst>
+              <a:ext uri="{FF2B5EF4-FFF2-40B4-BE49-F238E27FC236}">
+                <a16:creationId xmlns:a16="http://schemas.microsoft.com/office/drawing/2014/main" id="{7C62E218-B881-4638-A2BF-E844D89F1EE3}"/>
+              </a:ext>
+            </a:extLst>
+          </p:cNvPr>
+          <p:cNvSpPr/>
+          <p:nvPr/>
+        </p:nvSpPr>
+        <p:spPr>
+          <a:xfrm>
+            <a:off x="2215795" y="6210963"/>
+            <a:ext cx="2580899" cy="369332"/>
+          </a:xfrm>
+          <a:prstGeom prst="rect">
+            <a:avLst/>
+          </a:prstGeom>
+        </p:spPr>
+        <p:txBody>
+          <a:bodyPr wrap="none">
+            <a:spAutoFit/>
+          </a:bodyPr>
+          <a:lstStyle/>
+          <a:p>
+            <a:r>
+              <a:rPr lang="en-US" dirty="0"/>
+              <a:t>Input, Prediction, Result</a:t>
+            </a:r>
+          </a:p>
+        </p:txBody>
+      </p:sp>
+    </p:spTree>
+    <p:extLst>
+      <p:ext uri="{BB962C8B-B14F-4D97-AF65-F5344CB8AC3E}">
+        <p14:creationId xmlns:p14="http://schemas.microsoft.com/office/powerpoint/2010/main" val="3272638274"/>
+      </p:ext>
+    </p:extLst>
+  </p:cSld>
+  <p:clrMapOvr>
+    <a:masterClrMapping/>
+  </p:clrMapOvr>
+</p:sld>
+</file>
+
+<file path=ppt/slides/slide2.xml><?xml version="1.0" encoding="utf-8"?>
+<p:sld xmlns:a="http://schemas.openxmlformats.org/drawingml/2006/main" xmlns:r="http://schemas.openxmlformats.org/officeDocument/2006/relationships" xmlns:p="http://schemas.openxmlformats.org/presentationml/2006/main">
+  <p:cSld>
+    <p:spTree>
+      <p:nvGrpSpPr>
+        <p:cNvPr id="1" name=""/>
+        <p:cNvGrpSpPr/>
+        <p:nvPr/>
+      </p:nvGrpSpPr>
+      <p:grpSpPr>
+        <a:xfrm>
+          <a:off x="0" y="0"/>
+          <a:ext cx="0" cy="0"/>
+          <a:chOff x="0" y="0"/>
+          <a:chExt cx="0" cy="0"/>
+        </a:xfrm>
+      </p:grpSpPr>
+      <p:sp>
+        <p:nvSpPr>
           <p:cNvPr id="2" name="Rectangle 1">
             <a:extLst>
               <a:ext uri="{FF2B5EF4-FFF2-40B4-BE49-F238E27FC236}">
@@ -3721,9 +7194,9 @@
 </file>
 
 <file path=ppt/theme/theme1.xml><?xml version="1.0" encoding="utf-8"?>
-<a:theme xmlns:a="http://schemas.openxmlformats.org/drawingml/2006/main" name="Office Theme">
+<a:theme xmlns:a="http://schemas.openxmlformats.org/drawingml/2006/main" name="Slate">
   <a:themeElements>
-    <a:clrScheme name="Office">
+    <a:clrScheme name="Slate">
       <a:dk1>
         <a:sysClr val="windowText" lastClr="000000"/>
       </a:dk1>
@@ -3731,97 +7204,45 @@
         <a:sysClr val="window" lastClr="FFFFFF"/>
       </a:lt1>
       <a:dk2>
-        <a:srgbClr val="44546A"/>
+        <a:srgbClr val="212123"/>
       </a:dk2>
       <a:lt2>
-        <a:srgbClr val="E7E6E6"/>
+        <a:srgbClr val="DADADA"/>
       </a:lt2>
       <a:accent1>
-        <a:srgbClr val="4472C4"/>
+        <a:srgbClr val="BC451B"/>
       </a:accent1>
       <a:accent2>
-        <a:srgbClr val="ED7D31"/>
+        <a:srgbClr val="D3BA68"/>
       </a:accent2>
       <a:accent3>
-        <a:srgbClr val="A5A5A5"/>
+        <a:srgbClr val="BB8640"/>
       </a:accent3>
       <a:accent4>
-        <a:srgbClr val="FFC000"/>
+        <a:srgbClr val="AD9277"/>
       </a:accent4>
       <a:accent5>
-        <a:srgbClr val="5B9BD5"/>
+        <a:srgbClr val="A55A43"/>
       </a:accent5>
       <a:accent6>
-        <a:srgbClr val="70AD47"/>
+        <a:srgbClr val="AD9D7B"/>
       </a:accent6>
       <a:hlink>
-        <a:srgbClr val="0563C1"/>
+        <a:srgbClr val="E98052"/>
       </a:hlink>
       <a:folHlink>
-        <a:srgbClr val="954F72"/>
+        <a:srgbClr val="F4B69B"/>
       </a:folHlink>
     </a:clrScheme>
-    <a:fontScheme name="Office">
+    <a:fontScheme name="Slate">
       <a:majorFont>
-        <a:latin typeface="Calibri Light" panose="020F0302020204030204"/>
+        <a:latin typeface="Calisto MT" panose="02040603050505030304"/>
         <a:ea typeface=""/>
         <a:cs typeface=""/>
-        <a:font script="Jpan" typeface="游ゴシック Light"/>
-        <a:font script="Hang" typeface="맑은 고딕"/>
-        <a:font script="Hans" typeface="等线 Light"/>
-        <a:font script="Hant" typeface="新細明體"/>
-        <a:font script="Arab" typeface="Times New Roman"/>
-        <a:font script="Hebr" typeface="Times New Roman"/>
-        <a:font script="Thai" typeface="Angsana New"/>
-        <a:font script="Ethi" typeface="Nyala"/>
-        <a:font script="Beng" typeface="Vrinda"/>
-        <a:font script="Gujr" typeface="Shruti"/>
-        <a:font script="Khmr" typeface="MoolBoran"/>
-        <a:font script="Knda" typeface="Tunga"/>
-        <a:font script="Guru" typeface="Raavi"/>
-        <a:font script="Cans" typeface="Euphemia"/>
-        <a:font script="Cher" typeface="Plantagenet Cherokee"/>
-        <a:font script="Yiii" typeface="Microsoft Yi Baiti"/>
-        <a:font script="Tibt" typeface="Microsoft Himalaya"/>
-        <a:font script="Thaa" typeface="MV Boli"/>
-        <a:font script="Deva" typeface="Mangal"/>
-        <a:font script="Telu" typeface="Gautami"/>
-        <a:font script="Taml" typeface="Latha"/>
-        <a:font script="Syrc" typeface="Estrangelo Edessa"/>
-        <a:font script="Orya" typeface="Kalinga"/>
-        <a:font script="Mlym" typeface="Kartika"/>
-        <a:font script="Laoo" typeface="DokChampa"/>
-        <a:font script="Sinh" typeface="Iskoola Pota"/>
-        <a:font script="Mong" typeface="Mongolian Baiti"/>
-        <a:font script="Viet" typeface="Times New Roman"/>
-        <a:font script="Uigh" typeface="Microsoft Uighur"/>
-        <a:font script="Geor" typeface="Sylfaen"/>
-        <a:font script="Armn" typeface="Arial"/>
-        <a:font script="Bugi" typeface="Leelawadee UI"/>
-        <a:font script="Bopo" typeface="Microsoft JhengHei"/>
-        <a:font script="Java" typeface="Javanese Text"/>
-        <a:font script="Lisu" typeface="Segoe UI"/>
-        <a:font script="Mymr" typeface="Myanmar Text"/>
-        <a:font script="Nkoo" typeface="Ebrima"/>
-        <a:font script="Olck" typeface="Nirmala UI"/>
-        <a:font script="Osma" typeface="Ebrima"/>
-        <a:font script="Phag" typeface="Phagspa"/>
-        <a:font script="Syrn" typeface="Estrangelo Edessa"/>
-        <a:font script="Syrj" typeface="Estrangelo Edessa"/>
-        <a:font script="Syre" typeface="Estrangelo Edessa"/>
-        <a:font script="Sora" typeface="Nirmala UI"/>
-        <a:font script="Tale" typeface="Microsoft Tai Le"/>
-        <a:font script="Talu" typeface="Microsoft New Tai Lue"/>
-        <a:font script="Tfng" typeface="Ebrima"/>
-      </a:majorFont>
-      <a:minorFont>
-        <a:latin typeface="Calibri" panose="020F0502020204030204"/>
-        <a:ea typeface=""/>
-        <a:cs typeface=""/>
-        <a:font script="Jpan" typeface="游ゴシック"/>
-        <a:font script="Hang" typeface="맑은 고딕"/>
-        <a:font script="Hans" typeface="等线"/>
-        <a:font script="Hant" typeface="新細明體"/>
+        <a:font script="Jpan" typeface="ＭＳ Ｐゴシック"/>
+        <a:font script="Hang" typeface="돋움"/>
+        <a:font script="Hans" typeface="方正舒体"/>
+        <a:font script="Hant" typeface="微軟正黑體"/>
         <a:font script="Arab" typeface="Arial"/>
         <a:font script="Hebr" typeface="Arial"/>
         <a:font script="Thai" typeface="Cordia New"/>
@@ -3848,26 +7269,44 @@
         <a:font script="Viet" typeface="Arial"/>
         <a:font script="Uigh" typeface="Microsoft Uighur"/>
         <a:font script="Geor" typeface="Sylfaen"/>
-        <a:font script="Armn" typeface="Arial"/>
-        <a:font script="Bugi" typeface="Leelawadee UI"/>
-        <a:font script="Bopo" typeface="Microsoft JhengHei"/>
-        <a:font script="Java" typeface="Javanese Text"/>
-        <a:font script="Lisu" typeface="Segoe UI"/>
-        <a:font script="Mymr" typeface="Myanmar Text"/>
-        <a:font script="Nkoo" typeface="Ebrima"/>
-        <a:font script="Olck" typeface="Nirmala UI"/>
-        <a:font script="Osma" typeface="Ebrima"/>
-        <a:font script="Phag" typeface="Phagspa"/>
-        <a:font script="Syrn" typeface="Estrangelo Edessa"/>
-        <a:font script="Syrj" typeface="Estrangelo Edessa"/>
-        <a:font script="Syre" typeface="Estrangelo Edessa"/>
-        <a:font script="Sora" typeface="Nirmala UI"/>
-        <a:font script="Tale" typeface="Microsoft Tai Le"/>
-        <a:font script="Talu" typeface="Microsoft New Tai Lue"/>
-        <a:font script="Tfng" typeface="Ebrima"/>
+      </a:majorFont>
+      <a:minorFont>
+        <a:latin typeface="Calisto MT" panose="02040603050505030304"/>
+        <a:ea typeface=""/>
+        <a:cs typeface=""/>
+        <a:font script="Jpan" typeface="ＭＳ Ｐゴシック"/>
+        <a:font script="Hang" typeface="돋움"/>
+        <a:font script="Hans" typeface="方正舒体"/>
+        <a:font script="Hant" typeface="微軟正黑體"/>
+        <a:font script="Arab" typeface="Arial"/>
+        <a:font script="Hebr" typeface="Arial"/>
+        <a:font script="Thai" typeface="Cordia New"/>
+        <a:font script="Ethi" typeface="Nyala"/>
+        <a:font script="Beng" typeface="Vrinda"/>
+        <a:font script="Gujr" typeface="Shruti"/>
+        <a:font script="Khmr" typeface="DaunPenh"/>
+        <a:font script="Knda" typeface="Tunga"/>
+        <a:font script="Guru" typeface="Raavi"/>
+        <a:font script="Cans" typeface="Euphemia"/>
+        <a:font script="Cher" typeface="Plantagenet Cherokee"/>
+        <a:font script="Yiii" typeface="Microsoft Yi Baiti"/>
+        <a:font script="Tibt" typeface="Microsoft Himalaya"/>
+        <a:font script="Thaa" typeface="MV Boli"/>
+        <a:font script="Deva" typeface="Mangal"/>
+        <a:font script="Telu" typeface="Gautami"/>
+        <a:font script="Taml" typeface="Latha"/>
+        <a:font script="Syrc" typeface="Estrangelo Edessa"/>
+        <a:font script="Orya" typeface="Kalinga"/>
+        <a:font script="Mlym" typeface="Kartika"/>
+        <a:font script="Laoo" typeface="DokChampa"/>
+        <a:font script="Sinh" typeface="Iskoola Pota"/>
+        <a:font script="Mong" typeface="Mongolian Baiti"/>
+        <a:font script="Viet" typeface="Arial"/>
+        <a:font script="Uigh" typeface="Microsoft Uighur"/>
+        <a:font script="Geor" typeface="Sylfaen"/>
       </a:minorFont>
     </a:fontScheme>
-    <a:fmtScheme name="Office">
+    <a:fmtScheme name="Slate">
       <a:fillStyleLst>
         <a:solidFill>
           <a:schemeClr val="phClr"/>
@@ -3876,23 +7315,13 @@
           <a:gsLst>
             <a:gs pos="0">
               <a:schemeClr val="phClr">
+                <a:tint val="60000"/>
                 <a:lumMod val="110000"/>
-                <a:satMod val="105000"/>
-                <a:tint val="67000"/>
-              </a:schemeClr>
-            </a:gs>
-            <a:gs pos="50000">
-              <a:schemeClr val="phClr">
-                <a:lumMod val="105000"/>
-                <a:satMod val="103000"/>
-                <a:tint val="73000"/>
               </a:schemeClr>
             </a:gs>
             <a:gs pos="100000">
               <a:schemeClr val="phClr">
-                <a:lumMod val="105000"/>
-                <a:satMod val="109000"/>
-                <a:tint val="81000"/>
+                <a:tint val="88000"/>
               </a:schemeClr>
             </a:gs>
           </a:gsLst>
@@ -3902,23 +7331,14 @@
           <a:gsLst>
             <a:gs pos="0">
               <a:schemeClr val="phClr">
-                <a:satMod val="103000"/>
-                <a:lumMod val="102000"/>
-                <a:tint val="94000"/>
-              </a:schemeClr>
-            </a:gs>
-            <a:gs pos="50000">
-              <a:schemeClr val="phClr">
-                <a:satMod val="110000"/>
-                <a:lumMod val="100000"/>
-                <a:shade val="100000"/>
+                <a:tint val="96000"/>
+                <a:lumMod val="104000"/>
               </a:schemeClr>
             </a:gs>
             <a:gs pos="100000">
               <a:schemeClr val="phClr">
-                <a:lumMod val="99000"/>
-                <a:satMod val="120000"/>
-                <a:shade val="78000"/>
+                <a:shade val="90000"/>
+                <a:lumMod val="90000"/>
               </a:schemeClr>
             </a:gs>
           </a:gsLst>
@@ -3926,26 +7346,25 @@
         </a:gradFill>
       </a:fillStyleLst>
       <a:lnStyleLst>
-        <a:ln w="6350" cap="flat" cmpd="sng" algn="ctr">
+        <a:ln w="9525" cap="rnd" cmpd="sng" algn="ctr">
+          <a:solidFill>
+            <a:schemeClr val="phClr">
+              <a:shade val="90000"/>
+            </a:schemeClr>
+          </a:solidFill>
+          <a:prstDash val="solid"/>
+        </a:ln>
+        <a:ln w="15875" cap="rnd" cmpd="sng" algn="ctr">
           <a:solidFill>
             <a:schemeClr val="phClr"/>
           </a:solidFill>
           <a:prstDash val="solid"/>
-          <a:miter lim="800000"/>
         </a:ln>
-        <a:ln w="12700" cap="flat" cmpd="sng" algn="ctr">
+        <a:ln w="25400" cap="rnd" cmpd="sng" algn="ctr">
           <a:solidFill>
             <a:schemeClr val="phClr"/>
           </a:solidFill>
           <a:prstDash val="solid"/>
-          <a:miter lim="800000"/>
-        </a:ln>
-        <a:ln w="19050" cap="flat" cmpd="sng" algn="ctr">
-          <a:solidFill>
-            <a:schemeClr val="phClr"/>
-          </a:solidFill>
-          <a:prstDash val="solid"/>
-          <a:miter lim="800000"/>
         </a:ln>
       </a:lnStyleLst>
       <a:effectStyleLst>
@@ -3953,16 +7372,33 @@
           <a:effectLst/>
         </a:effectStyle>
         <a:effectStyle>
-          <a:effectLst/>
+          <a:effectLst>
+            <a:outerShdw blurRad="63500" dist="25400" dir="5400000" rotWithShape="0">
+              <a:srgbClr val="000000">
+                <a:alpha val="60000"/>
+              </a:srgbClr>
+            </a:outerShdw>
+          </a:effectLst>
         </a:effectStyle>
         <a:effectStyle>
           <a:effectLst>
-            <a:outerShdw blurRad="57150" dist="19050" dir="5400000" algn="ctr" rotWithShape="0">
+            <a:outerShdw blurRad="76200" dist="38100" dir="5400000" rotWithShape="0">
               <a:srgbClr val="000000">
-                <a:alpha val="63000"/>
+                <a:alpha val="75000"/>
               </a:srgbClr>
             </a:outerShdw>
           </a:effectLst>
+          <a:scene3d>
+            <a:camera prst="orthographicFront">
+              <a:rot lat="0" lon="0" rev="0"/>
+            </a:camera>
+            <a:lightRig rig="threePt" dir="t">
+              <a:rot lat="0" lon="0" rev="1200000"/>
+            </a:lightRig>
+          </a:scene3d>
+          <a:sp3d>
+            <a:bevelT w="63500" h="25400" prst="hardEdge"/>
+          </a:sp3d>
         </a:effectStyle>
       </a:effectStyleLst>
       <a:bgFillStyleLst>
@@ -3970,38 +7406,22 @@
           <a:schemeClr val="phClr"/>
         </a:solidFill>
         <a:solidFill>
-          <a:schemeClr val="phClr">
-            <a:tint val="95000"/>
-            <a:satMod val="170000"/>
-          </a:schemeClr>
+          <a:schemeClr val="phClr"/>
         </a:solidFill>
-        <a:gradFill rotWithShape="1">
-          <a:gsLst>
-            <a:gs pos="0">
+        <a:blipFill rotWithShape="1">
+          <a:blip xmlns:r="http://schemas.openxmlformats.org/officeDocument/2006/relationships" r:embed="rId1">
+            <a:duotone>
               <a:schemeClr val="phClr">
-                <a:tint val="93000"/>
-                <a:satMod val="150000"/>
-                <a:shade val="98000"/>
-                <a:lumMod val="102000"/>
+                <a:shade val="80000"/>
+                <a:lumMod val="80000"/>
               </a:schemeClr>
-            </a:gs>
-            <a:gs pos="50000">
               <a:schemeClr val="phClr">
                 <a:tint val="98000"/>
-                <a:satMod val="130000"/>
-                <a:shade val="90000"/>
-                <a:lumMod val="103000"/>
               </a:schemeClr>
-            </a:gs>
-            <a:gs pos="100000">
-              <a:schemeClr val="phClr">
-                <a:shade val="63000"/>
-                <a:satMod val="120000"/>
-              </a:schemeClr>
-            </a:gs>
-          </a:gsLst>
-          <a:lin ang="5400000" scaled="0"/>
-        </a:gradFill>
+            </a:duotone>
+          </a:blip>
+          <a:stretch/>
+        </a:blipFill>
       </a:bgFillStyleLst>
     </a:fmtScheme>
   </a:themeElements>
@@ -4009,7 +7429,7 @@
   <a:extraClrSchemeLst/>
   <a:extLst>
     <a:ext uri="{05A4C25C-085E-4340-85A3-A5531E510DB2}">
-      <thm15:themeFamily xmlns:thm15="http://schemas.microsoft.com/office/thememl/2012/main" name="Office Theme" id="{62F939B6-93AF-4DB8-9C6B-D6C7DFDC589F}" vid="{4A3C46E8-61CC-4603-A589-7422A47A8E4A}"/>
+      <thm15:themeFamily xmlns:thm15="http://schemas.microsoft.com/office/thememl/2012/main" name="Slate" id="{C3F70B94-7CE9-428E-ADC1-3269CC2C3385}" vid="{3F2DE9A5-64E6-437C-A389-CC4477E817E8}"/>
     </a:ext>
   </a:extLst>
 </a:theme>

--- a/Diagrams.pptx
+++ b/Diagrams.pptx
@@ -6,7 +6,8 @@
   </p:sldMasterIdLst>
   <p:sldIdLst>
     <p:sldId id="258" r:id="rId2"/>
-    <p:sldId id="257" r:id="rId3"/>
+    <p:sldId id="259" r:id="rId3"/>
+    <p:sldId id="257" r:id="rId4"/>
   </p:sldIdLst>
   <p:sldSz cx="12192000" cy="6858000"/>
   <p:notesSz cx="6858000" cy="9144000"/>
@@ -298,7 +299,7 @@
           <a:p>
             <a:fld id="{2C1C4E54-FC0F-46DC-9CC8-DAD5290F7686}" type="datetimeFigureOut">
               <a:rPr lang="en-US" smtClean="0"/>
-              <a:t>1/17/2020</a:t>
+              <a:t>1/29/2020</a:t>
             </a:fld>
             <a:endParaRPr lang="en-US"/>
           </a:p>
@@ -596,7 +597,7 @@
           <a:p>
             <a:fld id="{2C1C4E54-FC0F-46DC-9CC8-DAD5290F7686}" type="datetimeFigureOut">
               <a:rPr lang="en-US" smtClean="0"/>
-              <a:t>1/17/2020</a:t>
+              <a:t>1/29/2020</a:t>
             </a:fld>
             <a:endParaRPr lang="en-US"/>
           </a:p>
@@ -788,7 +789,7 @@
           <a:p>
             <a:fld id="{2C1C4E54-FC0F-46DC-9CC8-DAD5290F7686}" type="datetimeFigureOut">
               <a:rPr lang="en-US" smtClean="0"/>
-              <a:t>1/17/2020</a:t>
+              <a:t>1/29/2020</a:t>
             </a:fld>
             <a:endParaRPr lang="en-US"/>
           </a:p>
@@ -1049,7 +1050,7 @@
           <a:p>
             <a:fld id="{2C1C4E54-FC0F-46DC-9CC8-DAD5290F7686}" type="datetimeFigureOut">
               <a:rPr lang="en-US" smtClean="0"/>
-              <a:t>1/17/2020</a:t>
+              <a:t>1/29/2020</a:t>
             </a:fld>
             <a:endParaRPr lang="en-US"/>
           </a:p>
@@ -1473,7 +1474,7 @@
           <a:p>
             <a:fld id="{2C1C4E54-FC0F-46DC-9CC8-DAD5290F7686}" type="datetimeFigureOut">
               <a:rPr lang="en-US" smtClean="0"/>
-              <a:t>1/17/2020</a:t>
+              <a:t>1/29/2020</a:t>
             </a:fld>
             <a:endParaRPr lang="en-US"/>
           </a:p>
@@ -2010,7 +2011,7 @@
           <a:p>
             <a:fld id="{2C1C4E54-FC0F-46DC-9CC8-DAD5290F7686}" type="datetimeFigureOut">
               <a:rPr lang="en-US" smtClean="0"/>
-              <a:t>1/17/2020</a:t>
+              <a:t>1/29/2020</a:t>
             </a:fld>
             <a:endParaRPr lang="en-US"/>
           </a:p>
@@ -2874,7 +2875,7 @@
           <a:p>
             <a:fld id="{2C1C4E54-FC0F-46DC-9CC8-DAD5290F7686}" type="datetimeFigureOut">
               <a:rPr lang="en-US" smtClean="0"/>
-              <a:t>1/17/2020</a:t>
+              <a:t>1/29/2020</a:t>
             </a:fld>
             <a:endParaRPr lang="en-US"/>
           </a:p>
@@ -3044,7 +3045,7 @@
           <a:p>
             <a:fld id="{2C1C4E54-FC0F-46DC-9CC8-DAD5290F7686}" type="datetimeFigureOut">
               <a:rPr lang="en-US" smtClean="0"/>
-              <a:t>1/17/2020</a:t>
+              <a:t>1/29/2020</a:t>
             </a:fld>
             <a:endParaRPr lang="en-US"/>
           </a:p>
@@ -3228,7 +3229,7 @@
           <a:p>
             <a:fld id="{2C1C4E54-FC0F-46DC-9CC8-DAD5290F7686}" type="datetimeFigureOut">
               <a:rPr lang="en-US" smtClean="0"/>
-              <a:t>1/17/2020</a:t>
+              <a:t>1/29/2020</a:t>
             </a:fld>
             <a:endParaRPr lang="en-US"/>
           </a:p>
@@ -3398,7 +3399,7 @@
           <a:p>
             <a:fld id="{2C1C4E54-FC0F-46DC-9CC8-DAD5290F7686}" type="datetimeFigureOut">
               <a:rPr lang="en-US" smtClean="0"/>
-              <a:t>1/17/2020</a:t>
+              <a:t>1/29/2020</a:t>
             </a:fld>
             <a:endParaRPr lang="en-US"/>
           </a:p>
@@ -3642,7 +3643,7 @@
           <a:p>
             <a:fld id="{2C1C4E54-FC0F-46DC-9CC8-DAD5290F7686}" type="datetimeFigureOut">
               <a:rPr lang="en-US" smtClean="0"/>
-              <a:t>1/17/2020</a:t>
+              <a:t>1/29/2020</a:t>
             </a:fld>
             <a:endParaRPr lang="en-US"/>
           </a:p>
@@ -3878,7 +3879,7 @@
           <a:p>
             <a:fld id="{2C1C4E54-FC0F-46DC-9CC8-DAD5290F7686}" type="datetimeFigureOut">
               <a:rPr lang="en-US" smtClean="0"/>
-              <a:t>1/17/2020</a:t>
+              <a:t>1/29/2020</a:t>
             </a:fld>
             <a:endParaRPr lang="en-US"/>
           </a:p>
@@ -4344,7 +4345,7 @@
           <a:p>
             <a:fld id="{2C1C4E54-FC0F-46DC-9CC8-DAD5290F7686}" type="datetimeFigureOut">
               <a:rPr lang="en-US" smtClean="0"/>
-              <a:t>1/17/2020</a:t>
+              <a:t>1/29/2020</a:t>
             </a:fld>
             <a:endParaRPr lang="en-US"/>
           </a:p>
@@ -4462,7 +4463,7 @@
           <a:p>
             <a:fld id="{2C1C4E54-FC0F-46DC-9CC8-DAD5290F7686}" type="datetimeFigureOut">
               <a:rPr lang="en-US" smtClean="0"/>
-              <a:t>1/17/2020</a:t>
+              <a:t>1/29/2020</a:t>
             </a:fld>
             <a:endParaRPr lang="en-US"/>
           </a:p>
@@ -4557,7 +4558,7 @@
           <a:p>
             <a:fld id="{2C1C4E54-FC0F-46DC-9CC8-DAD5290F7686}" type="datetimeFigureOut">
               <a:rPr lang="en-US" smtClean="0"/>
-              <a:t>1/17/2020</a:t>
+              <a:t>1/29/2020</a:t>
             </a:fld>
             <a:endParaRPr lang="en-US"/>
           </a:p>
@@ -4812,7 +4813,7 @@
           <a:p>
             <a:fld id="{2C1C4E54-FC0F-46DC-9CC8-DAD5290F7686}" type="datetimeFigureOut">
               <a:rPr lang="en-US" smtClean="0"/>
-              <a:t>1/17/2020</a:t>
+              <a:t>1/29/2020</a:t>
             </a:fld>
             <a:endParaRPr lang="en-US"/>
           </a:p>
@@ -5112,7 +5113,7 @@
           <a:p>
             <a:fld id="{2C1C4E54-FC0F-46DC-9CC8-DAD5290F7686}" type="datetimeFigureOut">
               <a:rPr lang="en-US" smtClean="0"/>
-              <a:t>1/17/2020</a:t>
+              <a:t>1/29/2020</a:t>
             </a:fld>
             <a:endParaRPr lang="en-US"/>
           </a:p>
@@ -5346,7 +5347,7 @@
           <a:p>
             <a:fld id="{2C1C4E54-FC0F-46DC-9CC8-DAD5290F7686}" type="datetimeFigureOut">
               <a:rPr lang="en-US" smtClean="0"/>
-              <a:t>1/17/2020</a:t>
+              <a:t>1/29/2020</a:t>
             </a:fld>
             <a:endParaRPr lang="en-US"/>
           </a:p>
@@ -6801,6 +6802,431 @@
       </p:grpSpPr>
       <p:sp>
         <p:nvSpPr>
+          <p:cNvPr id="2" name="TextBox 1">
+            <a:extLst>
+              <a:ext uri="{FF2B5EF4-FFF2-40B4-BE49-F238E27FC236}">
+                <a16:creationId xmlns:a16="http://schemas.microsoft.com/office/drawing/2014/main" id="{9E9DCA87-5644-4B70-913A-80454B3523AE}"/>
+              </a:ext>
+            </a:extLst>
+          </p:cNvPr>
+          <p:cNvSpPr txBox="1"/>
+          <p:nvPr/>
+        </p:nvSpPr>
+        <p:spPr>
+          <a:xfrm>
+            <a:off x="685567" y="1928332"/>
+            <a:ext cx="1993623" cy="369332"/>
+          </a:xfrm>
+          <a:prstGeom prst="rect">
+            <a:avLst/>
+          </a:prstGeom>
+          <a:noFill/>
+        </p:spPr>
+        <p:txBody>
+          <a:bodyPr wrap="none" rtlCol="0">
+            <a:spAutoFit/>
+          </a:bodyPr>
+          <a:lstStyle/>
+          <a:p>
+            <a:r>
+              <a:rPr lang="en-US" dirty="0"/>
+              <a:t>Worker/ Cron Job</a:t>
+            </a:r>
+          </a:p>
+        </p:txBody>
+      </p:sp>
+      <p:sp>
+        <p:nvSpPr>
+          <p:cNvPr id="3" name="TextBox 2">
+            <a:extLst>
+              <a:ext uri="{FF2B5EF4-FFF2-40B4-BE49-F238E27FC236}">
+                <a16:creationId xmlns:a16="http://schemas.microsoft.com/office/drawing/2014/main" id="{39A3E935-7446-4BA9-BE53-E22D7F55562A}"/>
+              </a:ext>
+            </a:extLst>
+          </p:cNvPr>
+          <p:cNvSpPr txBox="1"/>
+          <p:nvPr/>
+        </p:nvSpPr>
+        <p:spPr>
+          <a:xfrm>
+            <a:off x="794983" y="2729753"/>
+            <a:ext cx="1962397" cy="369332"/>
+          </a:xfrm>
+          <a:prstGeom prst="rect">
+            <a:avLst/>
+          </a:prstGeom>
+          <a:noFill/>
+        </p:spPr>
+        <p:txBody>
+          <a:bodyPr wrap="none" rtlCol="0">
+            <a:spAutoFit/>
+          </a:bodyPr>
+          <a:lstStyle/>
+          <a:p>
+            <a:r>
+              <a:rPr lang="en-US" dirty="0"/>
+              <a:t>Generates Models</a:t>
+            </a:r>
+          </a:p>
+        </p:txBody>
+      </p:sp>
+      <p:pic>
+        <p:nvPicPr>
+          <p:cNvPr id="5" name="Graphic 4">
+            <a:extLst>
+              <a:ext uri="{FF2B5EF4-FFF2-40B4-BE49-F238E27FC236}">
+                <a16:creationId xmlns:a16="http://schemas.microsoft.com/office/drawing/2014/main" id="{929D656B-C84E-4A40-B940-273FF0ADD56A}"/>
+              </a:ext>
+            </a:extLst>
+          </p:cNvPr>
+          <p:cNvPicPr>
+            <a:picLocks noChangeAspect="1"/>
+          </p:cNvPicPr>
+          <p:nvPr/>
+        </p:nvPicPr>
+        <p:blipFill>
+          <a:blip r:embed="rId2">
+            <a:extLst>
+              <a:ext uri="{28A0092B-C50C-407E-A947-70E740481C1C}">
+                <a14:useLocalDpi xmlns:a14="http://schemas.microsoft.com/office/drawing/2010/main" val="0"/>
+              </a:ext>
+              <a:ext uri="{96DAC541-7B7A-43D3-8B79-37D633B846F1}">
+                <asvg:svgBlip xmlns:asvg="http://schemas.microsoft.com/office/drawing/2016/SVG/main" r:embed="rId3"/>
+              </a:ext>
+            </a:extLst>
+          </a:blip>
+          <a:stretch>
+            <a:fillRect/>
+          </a:stretch>
+        </p:blipFill>
+        <p:spPr>
+          <a:xfrm>
+            <a:off x="5322378" y="3328332"/>
+            <a:ext cx="944198" cy="944198"/>
+          </a:xfrm>
+          <a:prstGeom prst="rect">
+            <a:avLst/>
+          </a:prstGeom>
+        </p:spPr>
+      </p:pic>
+      <p:pic>
+        <p:nvPicPr>
+          <p:cNvPr id="7" name="Graphic 6">
+            <a:extLst>
+              <a:ext uri="{FF2B5EF4-FFF2-40B4-BE49-F238E27FC236}">
+                <a16:creationId xmlns:a16="http://schemas.microsoft.com/office/drawing/2014/main" id="{E31D3670-C819-4C1E-99F6-8E501C8BB4BE}"/>
+              </a:ext>
+            </a:extLst>
+          </p:cNvPr>
+          <p:cNvPicPr>
+            <a:picLocks noChangeAspect="1"/>
+          </p:cNvPicPr>
+          <p:nvPr/>
+        </p:nvPicPr>
+        <p:blipFill>
+          <a:blip r:embed="rId4">
+            <a:extLst>
+              <a:ext uri="{28A0092B-C50C-407E-A947-70E740481C1C}">
+                <a14:useLocalDpi xmlns:a14="http://schemas.microsoft.com/office/drawing/2010/main" val="0"/>
+              </a:ext>
+              <a:ext uri="{96DAC541-7B7A-43D3-8B79-37D633B846F1}">
+                <asvg:svgBlip xmlns:asvg="http://schemas.microsoft.com/office/drawing/2016/SVG/main" r:embed="rId5"/>
+              </a:ext>
+            </a:extLst>
+          </a:blip>
+          <a:stretch>
+            <a:fillRect/>
+          </a:stretch>
+        </p:blipFill>
+        <p:spPr>
+          <a:xfrm>
+            <a:off x="5322378" y="1564809"/>
+            <a:ext cx="944198" cy="944198"/>
+          </a:xfrm>
+          <a:prstGeom prst="rect">
+            <a:avLst/>
+          </a:prstGeom>
+        </p:spPr>
+      </p:pic>
+      <p:pic>
+        <p:nvPicPr>
+          <p:cNvPr id="9" name="Graphic 8">
+            <a:extLst>
+              <a:ext uri="{FF2B5EF4-FFF2-40B4-BE49-F238E27FC236}">
+                <a16:creationId xmlns:a16="http://schemas.microsoft.com/office/drawing/2014/main" id="{ADE2DF8D-7C45-4427-9B88-47AFC63A95DD}"/>
+              </a:ext>
+            </a:extLst>
+          </p:cNvPr>
+          <p:cNvPicPr>
+            <a:picLocks noChangeAspect="1"/>
+          </p:cNvPicPr>
+          <p:nvPr/>
+        </p:nvPicPr>
+        <p:blipFill>
+          <a:blip r:embed="rId6">
+            <a:extLst>
+              <a:ext uri="{28A0092B-C50C-407E-A947-70E740481C1C}">
+                <a14:useLocalDpi xmlns:a14="http://schemas.microsoft.com/office/drawing/2010/main" val="0"/>
+              </a:ext>
+              <a:ext uri="{96DAC541-7B7A-43D3-8B79-37D633B846F1}">
+                <asvg:svgBlip xmlns:asvg="http://schemas.microsoft.com/office/drawing/2016/SVG/main" r:embed="rId7"/>
+              </a:ext>
+            </a:extLst>
+          </a:blip>
+          <a:stretch>
+            <a:fillRect/>
+          </a:stretch>
+        </p:blipFill>
+        <p:spPr>
+          <a:xfrm>
+            <a:off x="5322378" y="221980"/>
+            <a:ext cx="944198" cy="944198"/>
+          </a:xfrm>
+          <a:prstGeom prst="rect">
+            <a:avLst/>
+          </a:prstGeom>
+        </p:spPr>
+      </p:pic>
+      <p:sp>
+        <p:nvSpPr>
+          <p:cNvPr id="12" name="TextBox 11">
+            <a:extLst>
+              <a:ext uri="{FF2B5EF4-FFF2-40B4-BE49-F238E27FC236}">
+                <a16:creationId xmlns:a16="http://schemas.microsoft.com/office/drawing/2014/main" id="{55D4250E-6FC0-4D63-A657-40F252A2E7C9}"/>
+              </a:ext>
+            </a:extLst>
+          </p:cNvPr>
+          <p:cNvSpPr txBox="1"/>
+          <p:nvPr/>
+        </p:nvSpPr>
+        <p:spPr>
+          <a:xfrm>
+            <a:off x="8909764" y="1852242"/>
+            <a:ext cx="1049711" cy="369332"/>
+          </a:xfrm>
+          <a:prstGeom prst="rect">
+            <a:avLst/>
+          </a:prstGeom>
+          <a:noFill/>
+        </p:spPr>
+        <p:txBody>
+          <a:bodyPr wrap="none" rtlCol="0">
+            <a:spAutoFit/>
+          </a:bodyPr>
+          <a:lstStyle/>
+          <a:p>
+            <a:r>
+              <a:rPr lang="en-US" dirty="0"/>
+              <a:t>Web </a:t>
+            </a:r>
+            <a:r>
+              <a:rPr lang="en-US" dirty="0" err="1"/>
+              <a:t>Api</a:t>
+            </a:r>
+            <a:endParaRPr lang="en-US" dirty="0"/>
+          </a:p>
+        </p:txBody>
+      </p:sp>
+      <p:cxnSp>
+        <p:nvCxnSpPr>
+          <p:cNvPr id="14" name="Straight Arrow Connector 13">
+            <a:extLst>
+              <a:ext uri="{FF2B5EF4-FFF2-40B4-BE49-F238E27FC236}">
+                <a16:creationId xmlns:a16="http://schemas.microsoft.com/office/drawing/2014/main" id="{57886222-6817-4F8A-A0E6-B17BA7757CB2}"/>
+              </a:ext>
+            </a:extLst>
+          </p:cNvPr>
+          <p:cNvCxnSpPr>
+            <a:stCxn id="7" idx="1"/>
+          </p:cNvCxnSpPr>
+          <p:nvPr/>
+        </p:nvCxnSpPr>
+        <p:spPr>
+          <a:xfrm flipH="1">
+            <a:off x="2550253" y="2036908"/>
+            <a:ext cx="2772125" cy="76090"/>
+          </a:xfrm>
+          <a:prstGeom prst="straightConnector1">
+            <a:avLst/>
+          </a:prstGeom>
+          <a:ln>
+            <a:tailEnd type="triangle"/>
+          </a:ln>
+        </p:spPr>
+        <p:style>
+          <a:lnRef idx="1">
+            <a:schemeClr val="accent1"/>
+          </a:lnRef>
+          <a:fillRef idx="0">
+            <a:schemeClr val="accent1"/>
+          </a:fillRef>
+          <a:effectRef idx="0">
+            <a:schemeClr val="accent1"/>
+          </a:effectRef>
+          <a:fontRef idx="minor">
+            <a:schemeClr val="tx1"/>
+          </a:fontRef>
+        </p:style>
+      </p:cxnSp>
+      <p:cxnSp>
+        <p:nvCxnSpPr>
+          <p:cNvPr id="16" name="Straight Arrow Connector 15">
+            <a:extLst>
+              <a:ext uri="{FF2B5EF4-FFF2-40B4-BE49-F238E27FC236}">
+                <a16:creationId xmlns:a16="http://schemas.microsoft.com/office/drawing/2014/main" id="{AE0DC9AC-B9FA-43BD-A857-4176682C6822}"/>
+              </a:ext>
+            </a:extLst>
+          </p:cNvPr>
+          <p:cNvCxnSpPr>
+            <a:stCxn id="7" idx="3"/>
+            <a:endCxn id="12" idx="1"/>
+          </p:cNvCxnSpPr>
+          <p:nvPr/>
+        </p:nvCxnSpPr>
+        <p:spPr>
+          <a:xfrm>
+            <a:off x="6266576" y="2036908"/>
+            <a:ext cx="2643188" cy="0"/>
+          </a:xfrm>
+          <a:prstGeom prst="straightConnector1">
+            <a:avLst/>
+          </a:prstGeom>
+          <a:ln>
+            <a:tailEnd type="triangle"/>
+          </a:ln>
+        </p:spPr>
+        <p:style>
+          <a:lnRef idx="1">
+            <a:schemeClr val="accent1"/>
+          </a:lnRef>
+          <a:fillRef idx="0">
+            <a:schemeClr val="accent1"/>
+          </a:fillRef>
+          <a:effectRef idx="0">
+            <a:schemeClr val="accent1"/>
+          </a:effectRef>
+          <a:fontRef idx="minor">
+            <a:schemeClr val="tx1"/>
+          </a:fontRef>
+        </p:style>
+      </p:cxnSp>
+      <p:cxnSp>
+        <p:nvCxnSpPr>
+          <p:cNvPr id="18" name="Connector: Elbow 17">
+            <a:extLst>
+              <a:ext uri="{FF2B5EF4-FFF2-40B4-BE49-F238E27FC236}">
+                <a16:creationId xmlns:a16="http://schemas.microsoft.com/office/drawing/2014/main" id="{EDB52698-2F4A-46C9-BFCF-0C6F0309AA10}"/>
+              </a:ext>
+            </a:extLst>
+          </p:cNvPr>
+          <p:cNvCxnSpPr>
+            <a:cxnSpLocks/>
+            <a:stCxn id="3" idx="3"/>
+            <a:endCxn id="5" idx="1"/>
+          </p:cNvCxnSpPr>
+          <p:nvPr/>
+        </p:nvCxnSpPr>
+        <p:spPr>
+          <a:xfrm>
+            <a:off x="2757380" y="2914419"/>
+            <a:ext cx="2564998" cy="886012"/>
+          </a:xfrm>
+          <a:prstGeom prst="bentConnector3">
+            <a:avLst/>
+          </a:prstGeom>
+          <a:ln>
+            <a:tailEnd type="triangle"/>
+          </a:ln>
+        </p:spPr>
+        <p:style>
+          <a:lnRef idx="1">
+            <a:schemeClr val="accent1"/>
+          </a:lnRef>
+          <a:fillRef idx="0">
+            <a:schemeClr val="accent1"/>
+          </a:fillRef>
+          <a:effectRef idx="0">
+            <a:schemeClr val="accent1"/>
+          </a:effectRef>
+          <a:fontRef idx="minor">
+            <a:schemeClr val="tx1"/>
+          </a:fontRef>
+        </p:style>
+      </p:cxnSp>
+      <p:cxnSp>
+        <p:nvCxnSpPr>
+          <p:cNvPr id="20" name="Connector: Elbow 19">
+            <a:extLst>
+              <a:ext uri="{FF2B5EF4-FFF2-40B4-BE49-F238E27FC236}">
+                <a16:creationId xmlns:a16="http://schemas.microsoft.com/office/drawing/2014/main" id="{D417D98B-7E7C-4F99-90BA-C9A84BF62D29}"/>
+              </a:ext>
+            </a:extLst>
+          </p:cNvPr>
+          <p:cNvCxnSpPr>
+            <a:stCxn id="5" idx="3"/>
+            <a:endCxn id="12" idx="2"/>
+          </p:cNvCxnSpPr>
+          <p:nvPr/>
+        </p:nvCxnSpPr>
+        <p:spPr>
+          <a:xfrm flipV="1">
+            <a:off x="6266576" y="2221574"/>
+            <a:ext cx="3168044" cy="1578857"/>
+          </a:xfrm>
+          <a:prstGeom prst="bentConnector2">
+            <a:avLst/>
+          </a:prstGeom>
+          <a:ln>
+            <a:tailEnd type="triangle"/>
+          </a:ln>
+        </p:spPr>
+        <p:style>
+          <a:lnRef idx="1">
+            <a:schemeClr val="accent1"/>
+          </a:lnRef>
+          <a:fillRef idx="0">
+            <a:schemeClr val="accent1"/>
+          </a:fillRef>
+          <a:effectRef idx="0">
+            <a:schemeClr val="accent1"/>
+          </a:effectRef>
+          <a:fontRef idx="minor">
+            <a:schemeClr val="tx1"/>
+          </a:fontRef>
+        </p:style>
+      </p:cxnSp>
+    </p:spTree>
+    <p:extLst>
+      <p:ext uri="{BB962C8B-B14F-4D97-AF65-F5344CB8AC3E}">
+        <p14:creationId xmlns:p14="http://schemas.microsoft.com/office/powerpoint/2010/main" val="2336389099"/>
+      </p:ext>
+    </p:extLst>
+  </p:cSld>
+  <p:clrMapOvr>
+    <a:masterClrMapping/>
+  </p:clrMapOvr>
+</p:sld>
+</file>
+
+<file path=ppt/slides/slide3.xml><?xml version="1.0" encoding="utf-8"?>
+<p:sld xmlns:a="http://schemas.openxmlformats.org/drawingml/2006/main" xmlns:r="http://schemas.openxmlformats.org/officeDocument/2006/relationships" xmlns:p="http://schemas.openxmlformats.org/presentationml/2006/main">
+  <p:cSld>
+    <p:spTree>
+      <p:nvGrpSpPr>
+        <p:cNvPr id="1" name=""/>
+        <p:cNvGrpSpPr/>
+        <p:nvPr/>
+      </p:nvGrpSpPr>
+      <p:grpSpPr>
+        <a:xfrm>
+          <a:off x="0" y="0"/>
+          <a:ext cx="0" cy="0"/>
+          <a:chOff x="0" y="0"/>
+          <a:chExt cx="0" cy="0"/>
+        </a:xfrm>
+      </p:grpSpPr>
+      <p:sp>
+        <p:nvSpPr>
           <p:cNvPr id="2" name="Rectangle 1">
             <a:extLst>
               <a:ext uri="{FF2B5EF4-FFF2-40B4-BE49-F238E27FC236}">

--- a/Diagrams.pptx
+++ b/Diagrams.pptx
@@ -8,6 +8,7 @@
     <p:sldId id="258" r:id="rId2"/>
     <p:sldId id="259" r:id="rId3"/>
     <p:sldId id="257" r:id="rId4"/>
+    <p:sldId id="260" r:id="rId5"/>
   </p:sldIdLst>
   <p:sldSz cx="12192000" cy="6858000"/>
   <p:notesSz cx="6858000" cy="9144000"/>
@@ -299,7 +300,7 @@
           <a:p>
             <a:fld id="{2C1C4E54-FC0F-46DC-9CC8-DAD5290F7686}" type="datetimeFigureOut">
               <a:rPr lang="en-US" smtClean="0"/>
-              <a:t>1/29/2020</a:t>
+              <a:t>7/23/2020</a:t>
             </a:fld>
             <a:endParaRPr lang="en-US"/>
           </a:p>
@@ -597,7 +598,7 @@
           <a:p>
             <a:fld id="{2C1C4E54-FC0F-46DC-9CC8-DAD5290F7686}" type="datetimeFigureOut">
               <a:rPr lang="en-US" smtClean="0"/>
-              <a:t>1/29/2020</a:t>
+              <a:t>7/23/2020</a:t>
             </a:fld>
             <a:endParaRPr lang="en-US"/>
           </a:p>
@@ -789,7 +790,7 @@
           <a:p>
             <a:fld id="{2C1C4E54-FC0F-46DC-9CC8-DAD5290F7686}" type="datetimeFigureOut">
               <a:rPr lang="en-US" smtClean="0"/>
-              <a:t>1/29/2020</a:t>
+              <a:t>7/23/2020</a:t>
             </a:fld>
             <a:endParaRPr lang="en-US"/>
           </a:p>
@@ -1050,7 +1051,7 @@
           <a:p>
             <a:fld id="{2C1C4E54-FC0F-46DC-9CC8-DAD5290F7686}" type="datetimeFigureOut">
               <a:rPr lang="en-US" smtClean="0"/>
-              <a:t>1/29/2020</a:t>
+              <a:t>7/23/2020</a:t>
             </a:fld>
             <a:endParaRPr lang="en-US"/>
           </a:p>
@@ -1474,7 +1475,7 @@
           <a:p>
             <a:fld id="{2C1C4E54-FC0F-46DC-9CC8-DAD5290F7686}" type="datetimeFigureOut">
               <a:rPr lang="en-US" smtClean="0"/>
-              <a:t>1/29/2020</a:t>
+              <a:t>7/23/2020</a:t>
             </a:fld>
             <a:endParaRPr lang="en-US"/>
           </a:p>
@@ -2011,7 +2012,7 @@
           <a:p>
             <a:fld id="{2C1C4E54-FC0F-46DC-9CC8-DAD5290F7686}" type="datetimeFigureOut">
               <a:rPr lang="en-US" smtClean="0"/>
-              <a:t>1/29/2020</a:t>
+              <a:t>7/23/2020</a:t>
             </a:fld>
             <a:endParaRPr lang="en-US"/>
           </a:p>
@@ -2875,7 +2876,7 @@
           <a:p>
             <a:fld id="{2C1C4E54-FC0F-46DC-9CC8-DAD5290F7686}" type="datetimeFigureOut">
               <a:rPr lang="en-US" smtClean="0"/>
-              <a:t>1/29/2020</a:t>
+              <a:t>7/23/2020</a:t>
             </a:fld>
             <a:endParaRPr lang="en-US"/>
           </a:p>
@@ -3045,7 +3046,7 @@
           <a:p>
             <a:fld id="{2C1C4E54-FC0F-46DC-9CC8-DAD5290F7686}" type="datetimeFigureOut">
               <a:rPr lang="en-US" smtClean="0"/>
-              <a:t>1/29/2020</a:t>
+              <a:t>7/23/2020</a:t>
             </a:fld>
             <a:endParaRPr lang="en-US"/>
           </a:p>
@@ -3229,7 +3230,7 @@
           <a:p>
             <a:fld id="{2C1C4E54-FC0F-46DC-9CC8-DAD5290F7686}" type="datetimeFigureOut">
               <a:rPr lang="en-US" smtClean="0"/>
-              <a:t>1/29/2020</a:t>
+              <a:t>7/23/2020</a:t>
             </a:fld>
             <a:endParaRPr lang="en-US"/>
           </a:p>
@@ -3399,7 +3400,7 @@
           <a:p>
             <a:fld id="{2C1C4E54-FC0F-46DC-9CC8-DAD5290F7686}" type="datetimeFigureOut">
               <a:rPr lang="en-US" smtClean="0"/>
-              <a:t>1/29/2020</a:t>
+              <a:t>7/23/2020</a:t>
             </a:fld>
             <a:endParaRPr lang="en-US"/>
           </a:p>
@@ -3643,7 +3644,7 @@
           <a:p>
             <a:fld id="{2C1C4E54-FC0F-46DC-9CC8-DAD5290F7686}" type="datetimeFigureOut">
               <a:rPr lang="en-US" smtClean="0"/>
-              <a:t>1/29/2020</a:t>
+              <a:t>7/23/2020</a:t>
             </a:fld>
             <a:endParaRPr lang="en-US"/>
           </a:p>
@@ -3879,7 +3880,7 @@
           <a:p>
             <a:fld id="{2C1C4E54-FC0F-46DC-9CC8-DAD5290F7686}" type="datetimeFigureOut">
               <a:rPr lang="en-US" smtClean="0"/>
-              <a:t>1/29/2020</a:t>
+              <a:t>7/23/2020</a:t>
             </a:fld>
             <a:endParaRPr lang="en-US"/>
           </a:p>
@@ -4345,7 +4346,7 @@
           <a:p>
             <a:fld id="{2C1C4E54-FC0F-46DC-9CC8-DAD5290F7686}" type="datetimeFigureOut">
               <a:rPr lang="en-US" smtClean="0"/>
-              <a:t>1/29/2020</a:t>
+              <a:t>7/23/2020</a:t>
             </a:fld>
             <a:endParaRPr lang="en-US"/>
           </a:p>
@@ -4463,7 +4464,7 @@
           <a:p>
             <a:fld id="{2C1C4E54-FC0F-46DC-9CC8-DAD5290F7686}" type="datetimeFigureOut">
               <a:rPr lang="en-US" smtClean="0"/>
-              <a:t>1/29/2020</a:t>
+              <a:t>7/23/2020</a:t>
             </a:fld>
             <a:endParaRPr lang="en-US"/>
           </a:p>
@@ -4558,7 +4559,7 @@
           <a:p>
             <a:fld id="{2C1C4E54-FC0F-46DC-9CC8-DAD5290F7686}" type="datetimeFigureOut">
               <a:rPr lang="en-US" smtClean="0"/>
-              <a:t>1/29/2020</a:t>
+              <a:t>7/23/2020</a:t>
             </a:fld>
             <a:endParaRPr lang="en-US"/>
           </a:p>
@@ -4813,7 +4814,7 @@
           <a:p>
             <a:fld id="{2C1C4E54-FC0F-46DC-9CC8-DAD5290F7686}" type="datetimeFigureOut">
               <a:rPr lang="en-US" smtClean="0"/>
-              <a:t>1/29/2020</a:t>
+              <a:t>7/23/2020</a:t>
             </a:fld>
             <a:endParaRPr lang="en-US"/>
           </a:p>
@@ -5113,7 +5114,7 @@
           <a:p>
             <a:fld id="{2C1C4E54-FC0F-46DC-9CC8-DAD5290F7686}" type="datetimeFigureOut">
               <a:rPr lang="en-US" smtClean="0"/>
-              <a:t>1/29/2020</a:t>
+              <a:t>7/23/2020</a:t>
             </a:fld>
             <a:endParaRPr lang="en-US"/>
           </a:p>
@@ -5347,7 +5348,7 @@
           <a:p>
             <a:fld id="{2C1C4E54-FC0F-46DC-9CC8-DAD5290F7686}" type="datetimeFigureOut">
               <a:rPr lang="en-US" smtClean="0"/>
-              <a:t>1/29/2020</a:t>
+              <a:t>7/23/2020</a:t>
             </a:fld>
             <a:endParaRPr lang="en-US"/>
           </a:p>
@@ -7619,6 +7620,114 @@
 </p:sld>
 </file>
 
+<file path=ppt/slides/slide4.xml><?xml version="1.0" encoding="utf-8"?>
+<p:sld xmlns:a="http://schemas.openxmlformats.org/drawingml/2006/main" xmlns:r="http://schemas.openxmlformats.org/officeDocument/2006/relationships" xmlns:p="http://schemas.openxmlformats.org/presentationml/2006/main">
+  <p:cSld>
+    <p:spTree>
+      <p:nvGrpSpPr>
+        <p:cNvPr id="1" name=""/>
+        <p:cNvGrpSpPr/>
+        <p:nvPr/>
+      </p:nvGrpSpPr>
+      <p:grpSpPr>
+        <a:xfrm>
+          <a:off x="0" y="0"/>
+          <a:ext cx="0" cy="0"/>
+          <a:chOff x="0" y="0"/>
+          <a:chExt cx="0" cy="0"/>
+        </a:xfrm>
+      </p:grpSpPr>
+      <p:pic>
+        <p:nvPicPr>
+          <p:cNvPr id="3" name="Graphic 2">
+            <a:extLst>
+              <a:ext uri="{FF2B5EF4-FFF2-40B4-BE49-F238E27FC236}">
+                <a16:creationId xmlns:a16="http://schemas.microsoft.com/office/drawing/2014/main" id="{4BA46C70-3485-4CD2-B245-9B45B624A79C}"/>
+              </a:ext>
+            </a:extLst>
+          </p:cNvPr>
+          <p:cNvPicPr>
+            <a:picLocks noChangeAspect="1"/>
+          </p:cNvPicPr>
+          <p:nvPr/>
+        </p:nvPicPr>
+        <p:blipFill>
+          <a:blip r:embed="rId2">
+            <a:extLst>
+              <a:ext uri="{28A0092B-C50C-407E-A947-70E740481C1C}">
+                <a14:useLocalDpi xmlns:a14="http://schemas.microsoft.com/office/drawing/2010/main" val="0"/>
+              </a:ext>
+              <a:ext uri="{96DAC541-7B7A-43D3-8B79-37D633B846F1}">
+                <asvg:svgBlip xmlns:asvg="http://schemas.microsoft.com/office/drawing/2016/SVG/main" r:embed="rId3"/>
+              </a:ext>
+            </a:extLst>
+          </a:blip>
+          <a:stretch>
+            <a:fillRect/>
+          </a:stretch>
+        </p:blipFill>
+        <p:spPr>
+          <a:xfrm>
+            <a:off x="841116" y="404132"/>
+            <a:ext cx="978354" cy="978354"/>
+          </a:xfrm>
+          <a:prstGeom prst="rect">
+            <a:avLst/>
+          </a:prstGeom>
+        </p:spPr>
+      </p:pic>
+      <p:pic>
+        <p:nvPicPr>
+          <p:cNvPr id="5" name="Graphic 4">
+            <a:extLst>
+              <a:ext uri="{FF2B5EF4-FFF2-40B4-BE49-F238E27FC236}">
+                <a16:creationId xmlns:a16="http://schemas.microsoft.com/office/drawing/2014/main" id="{EC19829B-B4D9-4DA2-8EA2-10F42342B418}"/>
+              </a:ext>
+            </a:extLst>
+          </p:cNvPr>
+          <p:cNvPicPr>
+            <a:picLocks noChangeAspect="1"/>
+          </p:cNvPicPr>
+          <p:nvPr/>
+        </p:nvPicPr>
+        <p:blipFill>
+          <a:blip r:embed="rId4">
+            <a:extLst>
+              <a:ext uri="{28A0092B-C50C-407E-A947-70E740481C1C}">
+                <a14:useLocalDpi xmlns:a14="http://schemas.microsoft.com/office/drawing/2010/main" val="0"/>
+              </a:ext>
+              <a:ext uri="{96DAC541-7B7A-43D3-8B79-37D633B846F1}">
+                <asvg:svgBlip xmlns:asvg="http://schemas.microsoft.com/office/drawing/2016/SVG/main" r:embed="rId5"/>
+              </a:ext>
+            </a:extLst>
+          </a:blip>
+          <a:stretch>
+            <a:fillRect/>
+          </a:stretch>
+        </p:blipFill>
+        <p:spPr>
+          <a:xfrm>
+            <a:off x="645173" y="1803723"/>
+            <a:ext cx="1370239" cy="1370239"/>
+          </a:xfrm>
+          <a:prstGeom prst="rect">
+            <a:avLst/>
+          </a:prstGeom>
+        </p:spPr>
+      </p:pic>
+    </p:spTree>
+    <p:extLst>
+      <p:ext uri="{BB962C8B-B14F-4D97-AF65-F5344CB8AC3E}">
+        <p14:creationId xmlns:p14="http://schemas.microsoft.com/office/powerpoint/2010/main" val="4103825577"/>
+      </p:ext>
+    </p:extLst>
+  </p:cSld>
+  <p:clrMapOvr>
+    <a:masterClrMapping/>
+  </p:clrMapOvr>
+</p:sld>
+</file>
+
 <file path=ppt/theme/theme1.xml><?xml version="1.0" encoding="utf-8"?>
 <a:theme xmlns:a="http://schemas.openxmlformats.org/drawingml/2006/main" name="Slate">
   <a:themeElements>
